--- a/課題研究/2014/若月純/課題研究発表ポスター-若月.pptx
+++ b/課題研究/2014/若月純/課題研究発表ポスター-若月.pptx
@@ -5,7 +5,7 @@
     <p:sldMasterId id="2147483917" r:id="rId1"/>
   </p:sldMasterIdLst>
   <p:sldIdLst>
-    <p:sldId id="259" r:id="rId2"/>
+    <p:sldId id="260" r:id="rId2"/>
   </p:sldIdLst>
   <p:sldSz cx="21386800" cy="30279975"/>
   <p:notesSz cx="6858000" cy="9144000"/>
@@ -357,7 +357,7 @@
                 </a:solidFill>
               </a:rPr>
               <a:pPr/>
-              <a:t>2014/12/10</a:t>
+              <a:t>2014/12/15</a:t>
             </a:fld>
             <a:endParaRPr lang="ja-JP" altLang="en-US">
               <a:solidFill>
@@ -634,7 +634,7 @@
                 </a:solidFill>
               </a:rPr>
               <a:pPr/>
-              <a:t>2014/12/10</a:t>
+              <a:t>2014/12/15</a:t>
             </a:fld>
             <a:endParaRPr lang="ja-JP" altLang="en-US">
               <a:solidFill>
@@ -959,7 +959,7 @@
                 </a:solidFill>
               </a:rPr>
               <a:pPr/>
-              <a:t>2014/12/10</a:t>
+              <a:t>2014/12/15</a:t>
             </a:fld>
             <a:endParaRPr lang="ja-JP" altLang="en-US">
               <a:solidFill>
@@ -1198,7 +1198,7 @@
                 </a:solidFill>
               </a:rPr>
               <a:pPr/>
-              <a:t>2014/12/10</a:t>
+              <a:t>2014/12/15</a:t>
             </a:fld>
             <a:endParaRPr lang="ja-JP" altLang="en-US">
               <a:solidFill>
@@ -1578,7 +1578,7 @@
                 </a:solidFill>
               </a:rPr>
               <a:pPr/>
-              <a:t>2014/12/10</a:t>
+              <a:t>2014/12/15</a:t>
             </a:fld>
             <a:endParaRPr lang="ja-JP" altLang="en-US">
               <a:solidFill>
@@ -1954,7 +1954,7 @@
                 </a:solidFill>
               </a:rPr>
               <a:pPr/>
-              <a:t>2014/12/10</a:t>
+              <a:t>2014/12/15</a:t>
             </a:fld>
             <a:endParaRPr lang="ja-JP" altLang="en-US">
               <a:solidFill>
@@ -2434,7 +2434,7 @@
                 </a:solidFill>
               </a:rPr>
               <a:pPr/>
-              <a:t>2014/12/10</a:t>
+              <a:t>2014/12/15</a:t>
             </a:fld>
             <a:endParaRPr lang="ja-JP" altLang="en-US">
               <a:solidFill>
@@ -2589,7 +2589,7 @@
                 </a:solidFill>
               </a:rPr>
               <a:pPr/>
-              <a:t>2014/12/10</a:t>
+              <a:t>2014/12/15</a:t>
             </a:fld>
             <a:endParaRPr lang="ja-JP" altLang="en-US">
               <a:solidFill>
@@ -2797,7 +2797,7 @@
                 </a:solidFill>
               </a:rPr>
               <a:pPr/>
-              <a:t>2014/12/10</a:t>
+              <a:t>2014/12/15</a:t>
             </a:fld>
             <a:endParaRPr lang="ja-JP" altLang="en-US">
               <a:solidFill>
@@ -3220,7 +3220,7 @@
                 </a:solidFill>
               </a:rPr>
               <a:pPr/>
-              <a:t>2014/12/10</a:t>
+              <a:t>2014/12/15</a:t>
             </a:fld>
             <a:endParaRPr lang="ja-JP" altLang="en-US">
               <a:solidFill>
@@ -3639,7 +3639,7 @@
                 </a:solidFill>
               </a:rPr>
               <a:pPr/>
-              <a:t>2014/12/10</a:t>
+              <a:t>2014/12/15</a:t>
             </a:fld>
             <a:endParaRPr lang="ja-JP" altLang="en-US">
               <a:solidFill>
@@ -3996,7 +3996,7 @@
                 </a:solidFill>
               </a:rPr>
               <a:pPr defTabSz="2951897"/>
-              <a:t>2014/12/10</a:t>
+              <a:t>2014/12/15</a:t>
             </a:fld>
             <a:endParaRPr lang="ja-JP" altLang="en-US">
               <a:solidFill>
@@ -4553,6 +4553,226 @@
       </p:grpSpPr>
       <p:sp>
         <p:nvSpPr>
+          <p:cNvPr id="16" name="正方形/長方形 15"/>
+          <p:cNvSpPr/>
+          <p:nvPr/>
+        </p:nvSpPr>
+        <p:spPr>
+          <a:xfrm>
+            <a:off x="14928149" y="4781463"/>
+            <a:ext cx="5486331" cy="7707041"/>
+          </a:xfrm>
+          <a:prstGeom prst="rect">
+            <a:avLst/>
+          </a:prstGeom>
+          <a:solidFill>
+            <a:schemeClr val="bg1"/>
+          </a:solidFill>
+          <a:ln>
+            <a:solidFill>
+              <a:schemeClr val="bg1"/>
+            </a:solidFill>
+          </a:ln>
+        </p:spPr>
+        <p:style>
+          <a:lnRef idx="2">
+            <a:schemeClr val="accent1">
+              <a:shade val="50000"/>
+            </a:schemeClr>
+          </a:lnRef>
+          <a:fillRef idx="1002">
+            <a:schemeClr val="lt2"/>
+          </a:fillRef>
+          <a:effectRef idx="0">
+            <a:schemeClr val="accent1"/>
+          </a:effectRef>
+          <a:fontRef idx="minor">
+            <a:schemeClr val="lt1"/>
+          </a:fontRef>
+        </p:style>
+        <p:txBody>
+          <a:bodyPr rtlCol="0" anchor="ctr"/>
+          <a:lstStyle/>
+          <a:p>
+            <a:pPr algn="ctr"/>
+            <a:endParaRPr kumimoji="1" lang="ja-JP" altLang="en-US"/>
+          </a:p>
+        </p:txBody>
+      </p:sp>
+      <p:sp>
+        <p:nvSpPr>
+          <p:cNvPr id="14" name="テキスト ボックス 13"/>
+          <p:cNvSpPr txBox="1"/>
+          <p:nvPr/>
+        </p:nvSpPr>
+        <p:spPr>
+          <a:xfrm>
+            <a:off x="14713845" y="3575132"/>
+            <a:ext cx="5916659" cy="9116584"/>
+          </a:xfrm>
+          <a:prstGeom prst="rect">
+            <a:avLst/>
+          </a:prstGeom>
+          <a:ln>
+            <a:solidFill>
+              <a:schemeClr val="accent4"/>
+            </a:solidFill>
+          </a:ln>
+        </p:spPr>
+        <p:style>
+          <a:lnRef idx="2">
+            <a:schemeClr val="dk1"/>
+          </a:lnRef>
+          <a:fillRef idx="1">
+            <a:schemeClr val="lt1"/>
+          </a:fillRef>
+          <a:effectRef idx="0">
+            <a:schemeClr val="dk1"/>
+          </a:effectRef>
+          <a:fontRef idx="minor">
+            <a:schemeClr val="dk1"/>
+          </a:fontRef>
+        </p:style>
+        <p:txBody>
+          <a:bodyPr wrap="square" rtlCol="0">
+            <a:spAutoFit/>
+          </a:bodyPr>
+          <a:lstStyle/>
+          <a:p>
+            <a:r>
+              <a:rPr kumimoji="1" lang="ja-JP" altLang="en-US" b="1" dirty="0" smtClean="0"/>
+              <a:t>開発フローの例</a:t>
+            </a:r>
+            <a:endParaRPr kumimoji="1" lang="en-US" altLang="ja-JP" b="1" dirty="0" smtClean="0"/>
+          </a:p>
+          <a:p>
+            <a:endParaRPr lang="en-US" altLang="ja-JP" b="1" dirty="0"/>
+          </a:p>
+          <a:p>
+            <a:endParaRPr kumimoji="1" lang="en-US" altLang="ja-JP" b="1" dirty="0" smtClean="0"/>
+          </a:p>
+          <a:p>
+            <a:endParaRPr lang="en-US" altLang="ja-JP" b="1" dirty="0"/>
+          </a:p>
+          <a:p>
+            <a:endParaRPr kumimoji="1" lang="en-US" altLang="ja-JP" b="1" dirty="0" smtClean="0"/>
+          </a:p>
+          <a:p>
+            <a:endParaRPr lang="en-US" altLang="ja-JP" b="1" dirty="0"/>
+          </a:p>
+          <a:p>
+            <a:endParaRPr kumimoji="1" lang="en-US" altLang="ja-JP" b="1" dirty="0" smtClean="0"/>
+          </a:p>
+          <a:p>
+            <a:endParaRPr lang="en-US" altLang="ja-JP" b="1" dirty="0"/>
+          </a:p>
+          <a:p>
+            <a:endParaRPr kumimoji="1" lang="en-US" altLang="ja-JP" b="1" dirty="0" smtClean="0"/>
+          </a:p>
+          <a:p>
+            <a:endParaRPr kumimoji="1" lang="ja-JP" altLang="en-US" b="1" dirty="0"/>
+          </a:p>
+        </p:txBody>
+      </p:sp>
+      <p:sp>
+        <p:nvSpPr>
+          <p:cNvPr id="11" name="テキスト ボックス 10"/>
+          <p:cNvSpPr txBox="1"/>
+          <p:nvPr/>
+        </p:nvSpPr>
+        <p:spPr>
+          <a:xfrm>
+            <a:off x="589578" y="18165657"/>
+            <a:ext cx="9162979" cy="9453233"/>
+          </a:xfrm>
+          <a:prstGeom prst="rect">
+            <a:avLst/>
+          </a:prstGeom>
+          <a:ln>
+            <a:solidFill>
+              <a:schemeClr val="accent4"/>
+            </a:solidFill>
+          </a:ln>
+        </p:spPr>
+        <p:style>
+          <a:lnRef idx="2">
+            <a:schemeClr val="dk1"/>
+          </a:lnRef>
+          <a:fillRef idx="1">
+            <a:schemeClr val="lt1"/>
+          </a:fillRef>
+          <a:effectRef idx="0">
+            <a:schemeClr val="dk1"/>
+          </a:effectRef>
+          <a:fontRef idx="minor">
+            <a:schemeClr val="dk1"/>
+          </a:fontRef>
+        </p:style>
+        <p:txBody>
+          <a:bodyPr wrap="square" rtlCol="0">
+            <a:spAutoFit/>
+          </a:bodyPr>
+          <a:lstStyle/>
+          <a:p>
+            <a:r>
+              <a:rPr kumimoji="1" lang="ja-JP" altLang="en-US" b="1" dirty="0" smtClean="0"/>
+              <a:t>現在の進捗状況</a:t>
+            </a:r>
+            <a:endParaRPr kumimoji="1" lang="en-US" altLang="ja-JP" b="1" dirty="0" smtClean="0"/>
+          </a:p>
+          <a:p>
+            <a:r>
+              <a:rPr lang="ja-JP" altLang="en-US" dirty="0" smtClean="0"/>
+              <a:t>　</a:t>
+            </a:r>
+            <a:r>
+              <a:rPr lang="ja-JP" altLang="en-US" sz="4400" dirty="0" smtClean="0"/>
+              <a:t>行数，人数，規模で</a:t>
+            </a:r>
+            <a:r>
+              <a:rPr kumimoji="1" lang="ja-JP" altLang="en-US" sz="4400" dirty="0" smtClean="0"/>
+              <a:t>開発フローの</a:t>
+            </a:r>
+            <a:endParaRPr kumimoji="1" lang="en-US" altLang="ja-JP" sz="4400" dirty="0" smtClean="0"/>
+          </a:p>
+          <a:p>
+            <a:r>
+              <a:rPr kumimoji="1" lang="ja-JP" altLang="en-US" sz="4400" dirty="0" smtClean="0"/>
+              <a:t>判別が出来るが，詳細に分けることが出来ていない</a:t>
+            </a:r>
+            <a:endParaRPr kumimoji="1" lang="en-US" altLang="ja-JP" sz="4400" dirty="0" smtClean="0"/>
+          </a:p>
+          <a:p>
+            <a:endParaRPr lang="en-US" altLang="ja-JP" sz="4400" dirty="0"/>
+          </a:p>
+          <a:p>
+            <a:endParaRPr kumimoji="1" lang="en-US" altLang="ja-JP" sz="4400" dirty="0" smtClean="0"/>
+          </a:p>
+          <a:p>
+            <a:endParaRPr lang="en-US" altLang="ja-JP" sz="4400" dirty="0"/>
+          </a:p>
+          <a:p>
+            <a:endParaRPr kumimoji="1" lang="en-US" altLang="ja-JP" sz="4400" dirty="0" smtClean="0"/>
+          </a:p>
+          <a:p>
+            <a:endParaRPr lang="en-US" altLang="ja-JP" sz="4400" dirty="0"/>
+          </a:p>
+          <a:p>
+            <a:endParaRPr kumimoji="1" lang="en-US" altLang="ja-JP" sz="4400" dirty="0" smtClean="0"/>
+          </a:p>
+          <a:p>
+            <a:endParaRPr lang="en-US" altLang="ja-JP" sz="4400" dirty="0"/>
+          </a:p>
+          <a:p>
+            <a:endParaRPr kumimoji="1" lang="en-US" altLang="ja-JP" sz="4400" dirty="0" smtClean="0"/>
+          </a:p>
+          <a:p>
+            <a:endParaRPr kumimoji="1" lang="en-US" altLang="ja-JP" sz="4400" dirty="0" smtClean="0"/>
+          </a:p>
+        </p:txBody>
+      </p:sp>
+      <p:sp>
+        <p:nvSpPr>
           <p:cNvPr id="3" name="テキスト ボックス 2"/>
           <p:cNvSpPr txBox="1"/>
           <p:nvPr/>
@@ -4574,26 +4794,32 @@
           <a:lstStyle/>
           <a:p>
             <a:r>
-              <a:rPr kumimoji="1" lang="en-US" altLang="ja-JP" sz="8800" dirty="0" err="1" smtClean="0"/>
+              <a:rPr lang="en-US" altLang="ja-JP" sz="8800" dirty="0"/>
               <a:t>GitHub</a:t>
             </a:r>
             <a:r>
-              <a:rPr kumimoji="1" lang="ja-JP" altLang="en-US" sz="8800" dirty="0" smtClean="0"/>
-              <a:t>を用いた開発</a:t>
+              <a:rPr lang="ja-JP" altLang="en-US" sz="8800" dirty="0"/>
+              <a:t>における開発フローの判別</a:t>
             </a:r>
             <a:r>
               <a:rPr lang="ja-JP" altLang="en-US" sz="8800" dirty="0" smtClean="0"/>
-              <a:t>フローの調査</a:t>
-            </a:r>
-            <a:endParaRPr kumimoji="1" lang="en-US" altLang="ja-JP" sz="8800" dirty="0" smtClean="0"/>
+              <a:t>分析</a:t>
+            </a:r>
+            <a:endParaRPr lang="en-US" altLang="ja-JP" sz="8800" dirty="0" smtClean="0"/>
           </a:p>
           <a:p>
             <a:pPr algn="r"/>
+            <a:r>
+              <a:rPr lang="ja-JP" altLang="en-US" sz="7200" dirty="0" smtClean="0">
+                <a:ln w="0"/>
+              </a:rPr>
+              <a:t>矢吹</a:t>
+            </a:r>
             <a:r>
               <a:rPr lang="ja-JP" altLang="en-US" sz="7200" dirty="0">
                 <a:ln w="0"/>
               </a:rPr>
-              <a:t>矢吹研究室　</a:t>
+              <a:t>研究室　</a:t>
             </a:r>
             <a:r>
               <a:rPr lang="en-US" altLang="ja-JP" sz="7200" dirty="0">
@@ -4627,14 +4853,32 @@
         </p:nvSpPr>
         <p:spPr>
           <a:xfrm>
-            <a:off x="752594" y="3575131"/>
-            <a:ext cx="10926944" cy="4001095"/>
+            <a:off x="589579" y="3575131"/>
+            <a:ext cx="13840458" cy="6924973"/>
           </a:xfrm>
           <a:prstGeom prst="rect">
             <a:avLst/>
           </a:prstGeom>
-          <a:noFill/>
+          <a:ln>
+            <a:solidFill>
+              <a:schemeClr val="accent4"/>
+            </a:solidFill>
+          </a:ln>
         </p:spPr>
+        <p:style>
+          <a:lnRef idx="2">
+            <a:schemeClr val="dk1"/>
+          </a:lnRef>
+          <a:fillRef idx="1">
+            <a:schemeClr val="lt1"/>
+          </a:fillRef>
+          <a:effectRef idx="0">
+            <a:schemeClr val="dk1"/>
+          </a:effectRef>
+          <a:fontRef idx="minor">
+            <a:schemeClr val="dk1"/>
+          </a:fontRef>
+        </p:style>
         <p:txBody>
           <a:bodyPr wrap="square" rtlCol="0">
             <a:spAutoFit/>
@@ -4642,36 +4886,131 @@
           <a:lstStyle/>
           <a:p>
             <a:r>
-              <a:rPr kumimoji="1" lang="ja-JP" altLang="en-US" b="1" dirty="0" smtClean="0"/>
+              <a:rPr kumimoji="1" lang="ja-JP" altLang="en-US" sz="6000" b="1" dirty="0" smtClean="0"/>
               <a:t>背景</a:t>
             </a:r>
-            <a:endParaRPr kumimoji="1" lang="en-US" altLang="ja-JP" b="1" dirty="0" smtClean="0"/>
-          </a:p>
-          <a:p>
-            <a:r>
-              <a:rPr lang="ja-JP" altLang="en-US" dirty="0"/>
+            <a:endParaRPr lang="en-US" altLang="ja-JP" b="1" dirty="0"/>
+          </a:p>
+          <a:p>
+            <a:r>
+              <a:rPr lang="ja-JP" altLang="en-US" sz="6000" b="1" dirty="0"/>
+              <a:t> </a:t>
+            </a:r>
+            <a:r>
+              <a:rPr lang="ja-JP" altLang="en-US" sz="6000" b="1" dirty="0" smtClean="0"/>
               <a:t>　</a:t>
             </a:r>
             <a:r>
-              <a:rPr lang="en-US" altLang="ja-JP" sz="4800" dirty="0" smtClean="0"/>
+              <a:rPr lang="en-US" altLang="ja-JP" sz="4400" dirty="0" smtClean="0"/>
               <a:t>GitHub</a:t>
             </a:r>
             <a:r>
-              <a:rPr lang="ja-JP" altLang="en-US" sz="4000" dirty="0" smtClean="0"/>
-              <a:t>開発フローを用いるとメンバの能力を最大限発揮出来る．しかし，間違った開発フローを使ってしまうと・・</a:t>
-            </a:r>
-            <a:r>
-              <a:rPr lang="ja-JP" altLang="en-US" sz="4000" dirty="0"/>
-              <a:t>・</a:t>
-            </a:r>
-            <a:endParaRPr kumimoji="1" lang="en-US" altLang="ja-JP" sz="4400" b="1" dirty="0" smtClean="0">
+              <a:rPr lang="ja-JP" altLang="en-US" sz="4400" dirty="0" smtClean="0"/>
+              <a:t>を用いた開発フローを導入すると</a:t>
+            </a:r>
+            <a:endParaRPr lang="en-US" altLang="ja-JP" sz="4400" dirty="0" smtClean="0"/>
+          </a:p>
+          <a:p>
+            <a:r>
+              <a:rPr lang="ja-JP" altLang="en-US" sz="6600" dirty="0" smtClean="0">
+                <a:solidFill>
+                  <a:srgbClr val="FF0000"/>
+                </a:solidFill>
+              </a:rPr>
+              <a:t>  </a:t>
+            </a:r>
+            <a:r>
+              <a:rPr lang="ja-JP" altLang="en-US" sz="5400" b="1" dirty="0" smtClean="0">
+                <a:solidFill>
+                  <a:srgbClr val="FF0000"/>
+                </a:solidFill>
+              </a:rPr>
+              <a:t>メンバの</a:t>
+            </a:r>
+            <a:r>
+              <a:rPr lang="ja-JP" altLang="en-US" sz="6600" b="1" dirty="0" smtClean="0">
+                <a:solidFill>
+                  <a:srgbClr val="FF0000"/>
+                </a:solidFill>
+              </a:rPr>
+              <a:t>能力</a:t>
+            </a:r>
+            <a:r>
+              <a:rPr lang="ja-JP" altLang="en-US" sz="5400" b="1" dirty="0" smtClean="0">
+                <a:solidFill>
+                  <a:srgbClr val="FF0000"/>
+                </a:solidFill>
+              </a:rPr>
+              <a:t>を</a:t>
+            </a:r>
+            <a:r>
+              <a:rPr lang="ja-JP" altLang="en-US" sz="6600" b="1" dirty="0" smtClean="0">
+                <a:solidFill>
+                  <a:srgbClr val="FF0000"/>
+                </a:solidFill>
+              </a:rPr>
+              <a:t>最大限発揮出来</a:t>
+            </a:r>
+            <a:r>
+              <a:rPr lang="ja-JP" altLang="en-US" sz="5400" b="1" dirty="0" smtClean="0">
+                <a:solidFill>
+                  <a:srgbClr val="FF0000"/>
+                </a:solidFill>
+              </a:rPr>
+              <a:t>る</a:t>
+            </a:r>
+            <a:endParaRPr lang="en-US" altLang="ja-JP" sz="5400" b="1" dirty="0">
               <a:solidFill>
                 <a:srgbClr val="FF0000"/>
               </a:solidFill>
             </a:endParaRPr>
           </a:p>
           <a:p>
-            <a:endParaRPr kumimoji="1" lang="ja-JP" altLang="en-US" dirty="0"/>
+            <a:r>
+              <a:rPr lang="ja-JP" altLang="en-US" sz="6600" b="1" dirty="0">
+                <a:solidFill>
+                  <a:srgbClr val="FF0000"/>
+                </a:solidFill>
+              </a:rPr>
+              <a:t> </a:t>
+            </a:r>
+            <a:r>
+              <a:rPr lang="ja-JP" altLang="en-US" sz="6600" b="1" dirty="0" smtClean="0">
+                <a:solidFill>
+                  <a:srgbClr val="FF0000"/>
+                </a:solidFill>
+              </a:rPr>
+              <a:t> </a:t>
+            </a:r>
+            <a:r>
+              <a:rPr lang="ja-JP" altLang="en-US" sz="4800" b="1" dirty="0" smtClean="0"/>
+              <a:t>しかし</a:t>
+            </a:r>
+            <a:r>
+              <a:rPr lang="ja-JP" altLang="en-US" sz="5400" b="1" dirty="0" smtClean="0"/>
+              <a:t>　</a:t>
+            </a:r>
+            <a:r>
+              <a:rPr lang="ja-JP" altLang="en-US" sz="4400" dirty="0" smtClean="0"/>
+              <a:t>間違った開発フローを導入すると・・・</a:t>
+            </a:r>
+            <a:endParaRPr lang="en-US" altLang="ja-JP" sz="4400" dirty="0" smtClean="0"/>
+          </a:p>
+          <a:p>
+            <a:pPr algn="ctr"/>
+            <a:endParaRPr lang="en-US" altLang="ja-JP" sz="4800" dirty="0"/>
+          </a:p>
+          <a:p>
+            <a:pPr algn="ctr"/>
+            <a:endParaRPr lang="en-US" altLang="ja-JP" sz="4800" dirty="0" smtClean="0"/>
+          </a:p>
+          <a:p>
+            <a:pPr algn="ctr"/>
+            <a:endParaRPr kumimoji="1" lang="en-US" altLang="ja-JP" sz="4800" dirty="0"/>
+          </a:p>
+          <a:p>
+            <a:pPr algn="ctr"/>
+            <a:endParaRPr lang="en-US" altLang="ja-JP" sz="4800" dirty="0" smtClean="0"/>
           </a:p>
         </p:txBody>
       </p:sp>
@@ -4683,14 +5022,32 @@
         </p:nvSpPr>
         <p:spPr>
           <a:xfrm>
-            <a:off x="537309" y="13257700"/>
-            <a:ext cx="10732538" cy="2215991"/>
+            <a:off x="589578" y="12871900"/>
+            <a:ext cx="20040927" cy="1661993"/>
           </a:xfrm>
           <a:prstGeom prst="rect">
             <a:avLst/>
           </a:prstGeom>
-          <a:noFill/>
+          <a:ln>
+            <a:solidFill>
+              <a:schemeClr val="accent4"/>
+            </a:solidFill>
+          </a:ln>
         </p:spPr>
+        <p:style>
+          <a:lnRef idx="2">
+            <a:schemeClr val="dk1"/>
+          </a:lnRef>
+          <a:fillRef idx="1">
+            <a:schemeClr val="lt1"/>
+          </a:fillRef>
+          <a:effectRef idx="0">
+            <a:schemeClr val="dk1"/>
+          </a:effectRef>
+          <a:fontRef idx="minor">
+            <a:schemeClr val="dk1"/>
+          </a:fontRef>
+        </p:style>
         <p:txBody>
           <a:bodyPr wrap="square" rtlCol="0">
             <a:spAutoFit/>
@@ -4699,15 +5056,7 @@
           <a:p>
             <a:r>
               <a:rPr kumimoji="1" lang="ja-JP" altLang="en-US" b="1" dirty="0" smtClean="0"/>
-              <a:t>プロジェクトマネジメント</a:t>
-            </a:r>
-            <a:r>
-              <a:rPr kumimoji="1" lang="ja-JP" altLang="en-US" sz="4400" b="1" dirty="0" smtClean="0"/>
-              <a:t>との</a:t>
-            </a:r>
-            <a:r>
-              <a:rPr kumimoji="1" lang="ja-JP" altLang="en-US" b="1" dirty="0" smtClean="0"/>
-              <a:t>関連</a:t>
+              <a:t>プロジェクトマネジメントとの関連</a:t>
             </a:r>
             <a:endParaRPr lang="en-US" altLang="ja-JP" b="1" dirty="0"/>
           </a:p>
@@ -4717,15 +5066,40 @@
               <a:t>　</a:t>
             </a:r>
             <a:r>
+              <a:rPr lang="ja-JP" altLang="en-US" sz="4000" b="1" dirty="0"/>
+              <a:t> </a:t>
+            </a:r>
+            <a:r>
+              <a:rPr lang="ja-JP" altLang="en-US" sz="4000" b="1" dirty="0" smtClean="0"/>
+              <a:t> 品質管理</a:t>
+            </a:r>
+            <a:r>
               <a:rPr lang="ja-JP" altLang="en-US" sz="4000" dirty="0" smtClean="0"/>
-              <a:t>品質管理，納期管理，コスト管理を効率的に</a:t>
-            </a:r>
-            <a:endParaRPr lang="en-US" altLang="ja-JP" sz="4000" dirty="0" smtClean="0"/>
-          </a:p>
-          <a:p>
+              <a:t>，</a:t>
+            </a:r>
+            <a:r>
+              <a:rPr lang="ja-JP" altLang="en-US" sz="4000" b="1" dirty="0" smtClean="0"/>
+              <a:t>納期管理</a:t>
+            </a:r>
             <a:r>
               <a:rPr lang="ja-JP" altLang="en-US" sz="4000" dirty="0" smtClean="0"/>
-              <a:t>行えるようになる．</a:t>
+              <a:t>，</a:t>
+            </a:r>
+            <a:r>
+              <a:rPr lang="ja-JP" altLang="en-US" sz="4000" b="1" dirty="0" smtClean="0"/>
+              <a:t>コスト管理</a:t>
+            </a:r>
+            <a:r>
+              <a:rPr lang="ja-JP" altLang="en-US" sz="4000" dirty="0" smtClean="0"/>
+              <a:t>を効率的に行う</a:t>
+            </a:r>
+            <a:r>
+              <a:rPr lang="ja-JP" altLang="en-US" sz="4400" b="1" dirty="0" smtClean="0"/>
+              <a:t>補助</a:t>
+            </a:r>
+            <a:r>
+              <a:rPr lang="ja-JP" altLang="en-US" sz="4000" dirty="0" smtClean="0"/>
+              <a:t>が出来るようになる．</a:t>
             </a:r>
             <a:endParaRPr kumimoji="1" lang="ja-JP" altLang="en-US" sz="4000" dirty="0"/>
           </a:p>
@@ -4739,14 +5113,32 @@
         </p:nvSpPr>
         <p:spPr>
           <a:xfrm>
-            <a:off x="11343441" y="13257700"/>
-            <a:ext cx="9287063" cy="3693319"/>
+            <a:off x="558545" y="14802660"/>
+            <a:ext cx="20071960" cy="3016210"/>
           </a:xfrm>
           <a:prstGeom prst="rect">
             <a:avLst/>
           </a:prstGeom>
-          <a:noFill/>
+          <a:ln>
+            <a:solidFill>
+              <a:schemeClr val="accent4"/>
+            </a:solidFill>
+          </a:ln>
         </p:spPr>
+        <p:style>
+          <a:lnRef idx="2">
+            <a:schemeClr val="dk1"/>
+          </a:lnRef>
+          <a:fillRef idx="1">
+            <a:schemeClr val="lt1"/>
+          </a:fillRef>
+          <a:effectRef idx="0">
+            <a:schemeClr val="dk1"/>
+          </a:effectRef>
+          <a:fontRef idx="minor">
+            <a:schemeClr val="dk1"/>
+          </a:fontRef>
+        </p:style>
         <p:txBody>
           <a:bodyPr wrap="square" rtlCol="0">
             <a:spAutoFit/>
@@ -4810,14 +5202,32 @@
         </p:nvSpPr>
         <p:spPr>
           <a:xfrm>
-            <a:off x="717435" y="10014884"/>
-            <a:ext cx="10926944" cy="1815882"/>
+            <a:off x="589578" y="10679655"/>
+            <a:ext cx="13840459" cy="2000548"/>
           </a:xfrm>
           <a:prstGeom prst="rect">
             <a:avLst/>
           </a:prstGeom>
-          <a:noFill/>
+          <a:ln>
+            <a:solidFill>
+              <a:schemeClr val="accent4"/>
+            </a:solidFill>
+          </a:ln>
         </p:spPr>
+        <p:style>
+          <a:lnRef idx="2">
+            <a:schemeClr val="dk1"/>
+          </a:lnRef>
+          <a:fillRef idx="1">
+            <a:schemeClr val="lt1"/>
+          </a:fillRef>
+          <a:effectRef idx="0">
+            <a:schemeClr val="dk1"/>
+          </a:effectRef>
+          <a:fontRef idx="minor">
+            <a:schemeClr val="dk1"/>
+          </a:fontRef>
+        </p:style>
         <p:txBody>
           <a:bodyPr wrap="square" rtlCol="0">
             <a:spAutoFit/>
@@ -4828,24 +5238,52 @@
               <a:rPr kumimoji="1" lang="ja-JP" altLang="en-US" b="1" dirty="0" smtClean="0"/>
               <a:t>目的</a:t>
             </a:r>
-            <a:endParaRPr kumimoji="1" lang="en-US" altLang="ja-JP" b="1" dirty="0" smtClean="0"/>
-          </a:p>
-          <a:p>
-            <a:r>
-              <a:rPr lang="ja-JP" altLang="en-US" sz="4800" dirty="0"/>
+            <a:endParaRPr lang="en-US" altLang="ja-JP" b="1" dirty="0" smtClean="0"/>
+          </a:p>
+          <a:p>
+            <a:r>
+              <a:rPr kumimoji="1" lang="en-US" altLang="ja-JP" sz="4800" b="1" dirty="0"/>
+              <a:t> </a:t>
+            </a:r>
+            <a:r>
+              <a:rPr kumimoji="1" lang="ja-JP" altLang="en-US" sz="4800" b="1" dirty="0" smtClean="0"/>
               <a:t>　</a:t>
             </a:r>
             <a:r>
-              <a:rPr kumimoji="1" lang="ja-JP" altLang="en-US" sz="4000" dirty="0" smtClean="0"/>
+              <a:rPr kumimoji="1" lang="ja-JP" altLang="en-US" sz="4800" dirty="0" smtClean="0"/>
               <a:t>開発フローの</a:t>
             </a:r>
             <a:r>
+              <a:rPr kumimoji="1" lang="ja-JP" altLang="en-US" sz="6600" b="1" dirty="0" smtClean="0">
+                <a:solidFill>
+                  <a:srgbClr val="FF0000"/>
+                </a:solidFill>
+              </a:rPr>
+              <a:t>選択基準</a:t>
+            </a:r>
+            <a:r>
               <a:rPr kumimoji="1" lang="ja-JP" altLang="en-US" sz="5400" b="1" dirty="0" smtClean="0">
                 <a:solidFill>
                   <a:srgbClr val="FF0000"/>
                 </a:solidFill>
               </a:rPr>
-              <a:t>選択基準を明確にする</a:t>
+              <a:t>を</a:t>
+            </a:r>
+            <a:r>
+              <a:rPr kumimoji="1" lang="ja-JP" altLang="en-US" sz="6600" b="1" dirty="0" smtClean="0">
+                <a:solidFill>
+                  <a:srgbClr val="FF0000"/>
+                </a:solidFill>
+              </a:rPr>
+              <a:t>明確</a:t>
+            </a:r>
+            <a:r>
+              <a:rPr kumimoji="1" lang="ja-JP" altLang="en-US" sz="5400" b="1" dirty="0" smtClean="0">
+                <a:solidFill>
+                  <a:srgbClr val="FF0000"/>
+                </a:solidFill>
+              </a:rPr>
+              <a:t>にする</a:t>
             </a:r>
             <a:endParaRPr kumimoji="1" lang="en-US" altLang="ja-JP" sz="5400" b="1" dirty="0" smtClean="0">
               <a:solidFill>
@@ -4857,20 +5295,38 @@
       </p:sp>
       <p:sp>
         <p:nvSpPr>
-          <p:cNvPr id="11" name="テキスト ボックス 10"/>
+          <p:cNvPr id="12" name="テキスト ボックス 11"/>
           <p:cNvSpPr txBox="1"/>
           <p:nvPr/>
         </p:nvSpPr>
         <p:spPr>
           <a:xfrm>
-            <a:off x="1022050" y="17347853"/>
-            <a:ext cx="8002813" cy="3231654"/>
+            <a:off x="11437723" y="18165657"/>
+            <a:ext cx="9192781" cy="9571851"/>
           </a:xfrm>
           <a:prstGeom prst="rect">
             <a:avLst/>
           </a:prstGeom>
-          <a:noFill/>
+          <a:ln>
+            <a:solidFill>
+              <a:schemeClr val="accent4"/>
+            </a:solidFill>
+          </a:ln>
         </p:spPr>
+        <p:style>
+          <a:lnRef idx="2">
+            <a:schemeClr val="dk1"/>
+          </a:lnRef>
+          <a:fillRef idx="1">
+            <a:schemeClr val="lt1"/>
+          </a:fillRef>
+          <a:effectRef idx="0">
+            <a:schemeClr val="dk1"/>
+          </a:effectRef>
+          <a:fontRef idx="minor">
+            <a:schemeClr val="dk1"/>
+          </a:fontRef>
+        </p:style>
         <p:txBody>
           <a:bodyPr wrap="square" rtlCol="0">
             <a:spAutoFit/>
@@ -4879,51 +5335,6 @@
           <a:p>
             <a:r>
               <a:rPr kumimoji="1" lang="ja-JP" altLang="en-US" b="1" dirty="0" smtClean="0"/>
-              <a:t>現在の進捗状況</a:t>
-            </a:r>
-            <a:endParaRPr kumimoji="1" lang="en-US" altLang="ja-JP" b="1" dirty="0" smtClean="0"/>
-          </a:p>
-          <a:p>
-            <a:r>
-              <a:rPr lang="ja-JP" altLang="en-US" dirty="0" smtClean="0"/>
-              <a:t>　</a:t>
-            </a:r>
-            <a:r>
-              <a:rPr lang="ja-JP" altLang="en-US" sz="4400" dirty="0" smtClean="0"/>
-              <a:t>行数，人数，規模で</a:t>
-            </a:r>
-            <a:r>
-              <a:rPr kumimoji="1" lang="ja-JP" altLang="en-US" sz="4400" dirty="0" smtClean="0"/>
-              <a:t>開発フローの判別が出来るが詳細に分けることが出来ていない</a:t>
-            </a:r>
-            <a:endParaRPr kumimoji="1" lang="en-US" altLang="ja-JP" sz="4400" dirty="0" smtClean="0"/>
-          </a:p>
-        </p:txBody>
-      </p:sp>
-      <p:sp>
-        <p:nvSpPr>
-          <p:cNvPr id="12" name="テキスト ボックス 11"/>
-          <p:cNvSpPr txBox="1"/>
-          <p:nvPr/>
-        </p:nvSpPr>
-        <p:spPr>
-          <a:xfrm>
-            <a:off x="11343441" y="17177626"/>
-            <a:ext cx="8267249" cy="3231654"/>
-          </a:xfrm>
-          <a:prstGeom prst="rect">
-            <a:avLst/>
-          </a:prstGeom>
-          <a:noFill/>
-        </p:spPr>
-        <p:txBody>
-          <a:bodyPr wrap="square" rtlCol="0">
-            <a:spAutoFit/>
-          </a:bodyPr>
-          <a:lstStyle/>
-          <a:p>
-            <a:r>
-              <a:rPr kumimoji="1" lang="ja-JP" altLang="en-US" b="1" dirty="0" smtClean="0"/>
               <a:t>今後の計画</a:t>
             </a:r>
             <a:endParaRPr kumimoji="1" lang="en-US" altLang="ja-JP" b="1" dirty="0" smtClean="0"/>
@@ -4935,74 +5346,350 @@
             </a:r>
             <a:r>
               <a:rPr kumimoji="1" lang="ja-JP" altLang="en-US" sz="4400" dirty="0" smtClean="0"/>
-              <a:t>より詳細なプロジェクトの性質で，</a:t>
+              <a:t>より詳細なプロジェクトの性質で</a:t>
             </a:r>
             <a:endParaRPr kumimoji="1" lang="en-US" altLang="ja-JP" sz="4400" dirty="0" smtClean="0"/>
           </a:p>
           <a:p>
             <a:r>
               <a:rPr kumimoji="1" lang="ja-JP" altLang="en-US" sz="4400" dirty="0" smtClean="0"/>
-              <a:t>開発フローを選択する基準を</a:t>
+              <a:t>開発フローを選択する基準を明確に</a:t>
             </a:r>
             <a:endParaRPr kumimoji="1" lang="en-US" altLang="ja-JP" sz="4400" dirty="0" smtClean="0"/>
           </a:p>
           <a:p>
             <a:r>
               <a:rPr kumimoji="1" lang="ja-JP" altLang="en-US" sz="4400" dirty="0" smtClean="0"/>
-              <a:t>明確にすることを目指す</a:t>
-            </a:r>
-            <a:endParaRPr kumimoji="1" lang="ja-JP" altLang="en-US" sz="5400" dirty="0"/>
-          </a:p>
-        </p:txBody>
-      </p:sp>
-      <p:pic>
-        <p:nvPicPr>
-          <p:cNvPr id="13" name="図 12"/>
-          <p:cNvPicPr>
-            <a:picLocks noChangeAspect="1"/>
-          </p:cNvPicPr>
-          <p:nvPr/>
-        </p:nvPicPr>
-        <p:blipFill>
-          <a:blip r:embed="rId2"/>
-          <a:stretch>
-            <a:fillRect/>
-          </a:stretch>
-        </p:blipFill>
-        <p:spPr>
-          <a:xfrm>
-            <a:off x="1079852" y="22679557"/>
-            <a:ext cx="5600963" cy="3776755"/>
-          </a:xfrm>
-          <a:prstGeom prst="rect">
-            <a:avLst/>
-          </a:prstGeom>
-        </p:spPr>
-      </p:pic>
-      <p:pic>
-        <p:nvPicPr>
-          <p:cNvPr id="2" name="図 1"/>
-          <p:cNvPicPr>
-            <a:picLocks noChangeAspect="1"/>
-          </p:cNvPicPr>
-          <p:nvPr/>
-        </p:nvPicPr>
-        <p:blipFill>
-          <a:blip r:embed="rId3"/>
-          <a:stretch>
-            <a:fillRect/>
-          </a:stretch>
-        </p:blipFill>
-        <p:spPr>
-          <a:xfrm>
-            <a:off x="11644379" y="21011151"/>
-            <a:ext cx="8177463" cy="6515668"/>
-          </a:xfrm>
-          <a:prstGeom prst="rect">
-            <a:avLst/>
-          </a:prstGeom>
-        </p:spPr>
-      </p:pic>
+              <a:t>出来ることを目指す</a:t>
+            </a:r>
+            <a:endParaRPr kumimoji="1" lang="en-US" altLang="ja-JP" sz="4400" dirty="0" smtClean="0"/>
+          </a:p>
+          <a:p>
+            <a:endParaRPr lang="en-US" altLang="ja-JP" sz="4400" dirty="0"/>
+          </a:p>
+          <a:p>
+            <a:r>
+              <a:rPr lang="ja-JP" altLang="en-US" sz="4400" dirty="0" smtClean="0"/>
+              <a:t>　　</a:t>
+            </a:r>
+            <a:r>
+              <a:rPr lang="ja-JP" altLang="en-US" sz="4800" dirty="0" smtClean="0">
+                <a:solidFill>
+                  <a:schemeClr val="accent4"/>
+                </a:solidFill>
+              </a:rPr>
+              <a:t> </a:t>
+            </a:r>
+            <a:r>
+              <a:rPr lang="en-US" altLang="ja-JP" sz="4800" dirty="0" smtClean="0">
+                <a:solidFill>
+                  <a:schemeClr val="accent4"/>
+                </a:solidFill>
+              </a:rPr>
+              <a:t>5</a:t>
+            </a:r>
+            <a:r>
+              <a:rPr lang="ja-JP" altLang="en-US" sz="4800" dirty="0" smtClean="0">
+                <a:solidFill>
+                  <a:schemeClr val="accent4"/>
+                </a:solidFill>
+              </a:rPr>
+              <a:t>人</a:t>
+            </a:r>
+            <a:r>
+              <a:rPr lang="ja-JP" altLang="en-US" sz="3600" dirty="0" smtClean="0">
+                <a:solidFill>
+                  <a:schemeClr val="accent4"/>
+                </a:solidFill>
+              </a:rPr>
+              <a:t>の</a:t>
+            </a:r>
+            <a:r>
+              <a:rPr lang="ja-JP" altLang="en-US" sz="4000" dirty="0" smtClean="0">
+                <a:solidFill>
+                  <a:schemeClr val="accent4"/>
+                </a:solidFill>
+              </a:rPr>
+              <a:t>場合</a:t>
+            </a:r>
+            <a:r>
+              <a:rPr lang="ja-JP" altLang="en-US" sz="4400" dirty="0">
+                <a:solidFill>
+                  <a:schemeClr val="accent4"/>
+                </a:solidFill>
+              </a:rPr>
+              <a:t>　</a:t>
+            </a:r>
+            <a:r>
+              <a:rPr lang="ja-JP" altLang="en-US" sz="4400" dirty="0" smtClean="0">
+                <a:solidFill>
+                  <a:schemeClr val="accent4"/>
+                </a:solidFill>
+              </a:rPr>
+              <a:t>　　  </a:t>
+            </a:r>
+            <a:r>
+              <a:rPr lang="en-US" altLang="ja-JP" sz="4400" dirty="0" smtClean="0">
+                <a:solidFill>
+                  <a:schemeClr val="accent4"/>
+                </a:solidFill>
+              </a:rPr>
+              <a:t>GitHub</a:t>
+            </a:r>
+            <a:r>
+              <a:rPr lang="ja-JP" altLang="en-US" sz="4400" dirty="0" smtClean="0">
+                <a:solidFill>
+                  <a:schemeClr val="accent4"/>
+                </a:solidFill>
+              </a:rPr>
+              <a:t> </a:t>
+            </a:r>
+            <a:r>
+              <a:rPr lang="en-US" altLang="ja-JP" sz="4400" dirty="0" smtClean="0">
+                <a:solidFill>
+                  <a:schemeClr val="accent4"/>
+                </a:solidFill>
+              </a:rPr>
+              <a:t>Flow</a:t>
+            </a:r>
+          </a:p>
+          <a:p>
+            <a:endParaRPr kumimoji="1" lang="en-US" altLang="ja-JP" sz="4400" dirty="0">
+              <a:solidFill>
+                <a:schemeClr val="accent4"/>
+              </a:solidFill>
+            </a:endParaRPr>
+          </a:p>
+          <a:p>
+            <a:r>
+              <a:rPr lang="ja-JP" altLang="en-US" sz="4400" dirty="0" smtClean="0">
+                <a:solidFill>
+                  <a:schemeClr val="accent4"/>
+                </a:solidFill>
+              </a:rPr>
+              <a:t>　　</a:t>
+            </a:r>
+            <a:r>
+              <a:rPr lang="en-US" altLang="ja-JP" sz="4800" dirty="0" smtClean="0">
+                <a:solidFill>
+                  <a:schemeClr val="accent4"/>
+                </a:solidFill>
+              </a:rPr>
+              <a:t>10</a:t>
+            </a:r>
+            <a:r>
+              <a:rPr lang="ja-JP" altLang="en-US" sz="4800" dirty="0" smtClean="0">
+                <a:solidFill>
+                  <a:schemeClr val="accent4"/>
+                </a:solidFill>
+              </a:rPr>
+              <a:t>人</a:t>
+            </a:r>
+            <a:r>
+              <a:rPr lang="ja-JP" altLang="en-US" sz="3600" dirty="0" smtClean="0">
+                <a:solidFill>
+                  <a:schemeClr val="accent4"/>
+                </a:solidFill>
+              </a:rPr>
+              <a:t>の</a:t>
+            </a:r>
+            <a:r>
+              <a:rPr lang="ja-JP" altLang="en-US" sz="4000" dirty="0" smtClean="0">
+                <a:solidFill>
+                  <a:schemeClr val="accent4"/>
+                </a:solidFill>
+              </a:rPr>
+              <a:t>場合　</a:t>
+            </a:r>
+            <a:r>
+              <a:rPr lang="ja-JP" altLang="en-US" sz="4400" dirty="0" smtClean="0">
+                <a:solidFill>
+                  <a:schemeClr val="accent4"/>
+                </a:solidFill>
+              </a:rPr>
+              <a:t>　　 </a:t>
+            </a:r>
+            <a:r>
+              <a:rPr lang="en-US" altLang="ja-JP" sz="4400" dirty="0" err="1" smtClean="0">
+                <a:solidFill>
+                  <a:schemeClr val="accent4"/>
+                </a:solidFill>
+              </a:rPr>
+              <a:t>Git</a:t>
+            </a:r>
+            <a:r>
+              <a:rPr lang="en-US" altLang="ja-JP" sz="4400" dirty="0" smtClean="0">
+                <a:solidFill>
+                  <a:schemeClr val="accent4"/>
+                </a:solidFill>
+              </a:rPr>
+              <a:t> Flow</a:t>
+            </a:r>
+          </a:p>
+          <a:p>
+            <a:endParaRPr kumimoji="1" lang="en-US" altLang="ja-JP" sz="4400" dirty="0">
+              <a:solidFill>
+                <a:schemeClr val="accent4"/>
+              </a:solidFill>
+            </a:endParaRPr>
+          </a:p>
+          <a:p>
+            <a:r>
+              <a:rPr lang="ja-JP" altLang="en-US" sz="4400" dirty="0" smtClean="0">
+                <a:solidFill>
+                  <a:schemeClr val="accent4"/>
+                </a:solidFill>
+              </a:rPr>
+              <a:t>　　</a:t>
+            </a:r>
+            <a:r>
+              <a:rPr lang="en-US" altLang="ja-JP" sz="4800" dirty="0" smtClean="0">
+                <a:solidFill>
+                  <a:schemeClr val="accent4"/>
+                </a:solidFill>
+              </a:rPr>
+              <a:t>15</a:t>
+            </a:r>
+            <a:r>
+              <a:rPr lang="ja-JP" altLang="en-US" sz="4800" dirty="0" smtClean="0">
+                <a:solidFill>
+                  <a:schemeClr val="accent4"/>
+                </a:solidFill>
+              </a:rPr>
+              <a:t>人</a:t>
+            </a:r>
+            <a:r>
+              <a:rPr lang="ja-JP" altLang="en-US" sz="3600" dirty="0" smtClean="0">
+                <a:solidFill>
+                  <a:schemeClr val="accent4"/>
+                </a:solidFill>
+              </a:rPr>
+              <a:t>の</a:t>
+            </a:r>
+            <a:r>
+              <a:rPr lang="ja-JP" altLang="en-US" sz="4000" dirty="0" smtClean="0">
+                <a:solidFill>
+                  <a:schemeClr val="accent4"/>
+                </a:solidFill>
+              </a:rPr>
+              <a:t>場合</a:t>
+            </a:r>
+            <a:r>
+              <a:rPr lang="ja-JP" altLang="en-US" sz="4400" dirty="0">
+                <a:solidFill>
+                  <a:schemeClr val="accent4"/>
+                </a:solidFill>
+              </a:rPr>
+              <a:t>　</a:t>
+            </a:r>
+            <a:r>
+              <a:rPr lang="ja-JP" altLang="en-US" sz="4400" dirty="0" smtClean="0">
+                <a:solidFill>
+                  <a:schemeClr val="accent4"/>
+                </a:solidFill>
+              </a:rPr>
+              <a:t>　　 </a:t>
+            </a:r>
+            <a:r>
+              <a:rPr lang="en-US" altLang="ja-JP" sz="4400" dirty="0" err="1" smtClean="0">
+                <a:solidFill>
+                  <a:schemeClr val="accent4"/>
+                </a:solidFill>
+              </a:rPr>
+              <a:t>Git</a:t>
+            </a:r>
+            <a:r>
+              <a:rPr lang="en-US" altLang="ja-JP" sz="4400" dirty="0" smtClean="0">
+                <a:solidFill>
+                  <a:schemeClr val="accent4"/>
+                </a:solidFill>
+              </a:rPr>
+              <a:t> Flow</a:t>
+            </a:r>
+          </a:p>
+          <a:p>
+            <a:endParaRPr kumimoji="1" lang="en-US" altLang="ja-JP" sz="4400" dirty="0">
+              <a:solidFill>
+                <a:schemeClr val="accent4"/>
+              </a:solidFill>
+            </a:endParaRPr>
+          </a:p>
+          <a:p>
+            <a:r>
+              <a:rPr lang="ja-JP" altLang="en-US" sz="4400" dirty="0" smtClean="0">
+                <a:solidFill>
+                  <a:schemeClr val="accent4"/>
+                </a:solidFill>
+              </a:rPr>
+              <a:t>　　</a:t>
+            </a:r>
+            <a:r>
+              <a:rPr lang="en-US" altLang="ja-JP" sz="4800" dirty="0" smtClean="0">
+                <a:solidFill>
+                  <a:schemeClr val="accent4"/>
+                </a:solidFill>
+              </a:rPr>
+              <a:t>20</a:t>
+            </a:r>
+            <a:r>
+              <a:rPr lang="ja-JP" altLang="en-US" sz="4800" dirty="0" smtClean="0">
+                <a:solidFill>
+                  <a:schemeClr val="accent4"/>
+                </a:solidFill>
+              </a:rPr>
+              <a:t>人</a:t>
+            </a:r>
+            <a:r>
+              <a:rPr lang="ja-JP" altLang="en-US" sz="3600" dirty="0" smtClean="0">
+                <a:solidFill>
+                  <a:schemeClr val="accent4"/>
+                </a:solidFill>
+              </a:rPr>
+              <a:t>の</a:t>
+            </a:r>
+            <a:r>
+              <a:rPr lang="ja-JP" altLang="en-US" sz="4000" dirty="0" smtClean="0">
+                <a:solidFill>
+                  <a:schemeClr val="accent4"/>
+                </a:solidFill>
+              </a:rPr>
+              <a:t>場合</a:t>
+            </a:r>
+            <a:r>
+              <a:rPr lang="ja-JP" altLang="en-US" sz="4400" dirty="0">
+                <a:solidFill>
+                  <a:schemeClr val="accent4"/>
+                </a:solidFill>
+              </a:rPr>
+              <a:t>　</a:t>
+            </a:r>
+            <a:r>
+              <a:rPr lang="ja-JP" altLang="en-US" sz="4400" dirty="0" smtClean="0">
+                <a:solidFill>
+                  <a:schemeClr val="accent4"/>
+                </a:solidFill>
+              </a:rPr>
+              <a:t>　　 </a:t>
+            </a:r>
+            <a:r>
+              <a:rPr lang="en-US" altLang="ja-JP" sz="4400" dirty="0" smtClean="0">
+                <a:solidFill>
+                  <a:schemeClr val="accent4"/>
+                </a:solidFill>
+              </a:rPr>
+              <a:t>GitHub Flow</a:t>
+            </a:r>
+            <a:endParaRPr lang="en-US" altLang="ja-JP" sz="5400" dirty="0">
+              <a:solidFill>
+                <a:schemeClr val="accent4"/>
+              </a:solidFill>
+            </a:endParaRPr>
+          </a:p>
+          <a:p>
+            <a:endParaRPr kumimoji="1" lang="en-US" altLang="ja-JP" sz="4400" dirty="0" smtClean="0"/>
+          </a:p>
+        </p:txBody>
+      </p:sp>
       <p:sp>
         <p:nvSpPr>
           <p:cNvPr id="5" name="右矢印 4"/>
@@ -5011,7 +5698,7 @@
         </p:nvSpPr>
         <p:spPr>
           <a:xfrm>
-            <a:off x="7862566" y="22682656"/>
+            <a:off x="9085423" y="21815496"/>
             <a:ext cx="3096344" cy="2736304"/>
           </a:xfrm>
           <a:prstGeom prst="rightArrow">
@@ -5021,7 +5708,7 @@
             </a:avLst>
           </a:prstGeom>
           <a:solidFill>
-            <a:srgbClr val="C00000"/>
+            <a:schemeClr val="accent1"/>
           </a:solidFill>
         </p:spPr>
         <p:style>
@@ -5045,139 +5732,11 @@
           <a:lstStyle/>
           <a:p>
             <a:pPr algn="ctr"/>
-            <a:endParaRPr kumimoji="1" lang="ja-JP" altLang="en-US"/>
-          </a:p>
-        </p:txBody>
-      </p:sp>
-      <p:sp>
-        <p:nvSpPr>
-          <p:cNvPr id="15" name="テキスト ボックス 14"/>
-          <p:cNvSpPr txBox="1"/>
-          <p:nvPr/>
-        </p:nvSpPr>
-        <p:spPr>
-          <a:xfrm>
-            <a:off x="13345695" y="3605463"/>
-            <a:ext cx="5917628" cy="1107996"/>
-          </a:xfrm>
-          <a:prstGeom prst="rect">
-            <a:avLst/>
-          </a:prstGeom>
-          <a:noFill/>
-        </p:spPr>
-        <p:txBody>
-          <a:bodyPr wrap="square" rtlCol="0">
-            <a:spAutoFit/>
-          </a:bodyPr>
-          <a:lstStyle/>
-          <a:p>
-            <a:r>
-              <a:rPr kumimoji="1" lang="ja-JP" altLang="en-US" sz="6600" b="1" dirty="0" smtClean="0">
-                <a:ln w="0"/>
-              </a:rPr>
-              <a:t>開発フロー</a:t>
-            </a:r>
-            <a:r>
-              <a:rPr lang="ja-JP" altLang="en-US" sz="4800" b="1" dirty="0" smtClean="0">
-                <a:ln w="0"/>
-              </a:rPr>
-              <a:t>の例</a:t>
-            </a:r>
-            <a:endParaRPr kumimoji="1" lang="ja-JP" altLang="en-US" sz="6600" b="1" dirty="0">
-              <a:ln w="0"/>
+            <a:endParaRPr kumimoji="1" lang="ja-JP" altLang="en-US">
+              <a:solidFill>
+                <a:schemeClr val="bg2"/>
+              </a:solidFill>
             </a:endParaRPr>
-          </a:p>
-        </p:txBody>
-      </p:sp>
-      <p:pic>
-        <p:nvPicPr>
-          <p:cNvPr id="25" name="図 24"/>
-          <p:cNvPicPr>
-            <a:picLocks noChangeAspect="1"/>
-          </p:cNvPicPr>
-          <p:nvPr/>
-        </p:nvPicPr>
-        <p:blipFill>
-          <a:blip r:embed="rId4"/>
-          <a:stretch>
-            <a:fillRect/>
-          </a:stretch>
-        </p:blipFill>
-        <p:spPr>
-          <a:xfrm>
-            <a:off x="12401756" y="5918322"/>
-            <a:ext cx="3232147" cy="6364851"/>
-          </a:xfrm>
-          <a:prstGeom prst="rect">
-            <a:avLst/>
-          </a:prstGeom>
-        </p:spPr>
-      </p:pic>
-      <p:sp>
-        <p:nvSpPr>
-          <p:cNvPr id="26" name="テキスト ボックス 25"/>
-          <p:cNvSpPr txBox="1"/>
-          <p:nvPr/>
-        </p:nvSpPr>
-        <p:spPr>
-          <a:xfrm>
-            <a:off x="12542724" y="4779864"/>
-            <a:ext cx="2615172" cy="584775"/>
-          </a:xfrm>
-          <a:prstGeom prst="rect">
-            <a:avLst/>
-          </a:prstGeom>
-          <a:noFill/>
-        </p:spPr>
-        <p:txBody>
-          <a:bodyPr wrap="square" rtlCol="0">
-            <a:spAutoFit/>
-          </a:bodyPr>
-          <a:lstStyle/>
-          <a:p>
-            <a:r>
-              <a:rPr kumimoji="1" lang="en-US" altLang="ja-JP" sz="3200" dirty="0" smtClean="0"/>
-              <a:t>GitHub Flow</a:t>
-            </a:r>
-            <a:endParaRPr kumimoji="1" lang="ja-JP" altLang="en-US" sz="3200" dirty="0"/>
-          </a:p>
-        </p:txBody>
-      </p:sp>
-      <p:sp>
-        <p:nvSpPr>
-          <p:cNvPr id="27" name="テキスト ボックス 26"/>
-          <p:cNvSpPr txBox="1"/>
-          <p:nvPr/>
-        </p:nvSpPr>
-        <p:spPr>
-          <a:xfrm>
-            <a:off x="14017829" y="5405496"/>
-            <a:ext cx="822196" cy="523220"/>
-          </a:xfrm>
-          <a:prstGeom prst="rect">
-            <a:avLst/>
-          </a:prstGeom>
-          <a:noFill/>
-        </p:spPr>
-        <p:txBody>
-          <a:bodyPr wrap="square" rtlCol="0">
-            <a:spAutoFit/>
-          </a:bodyPr>
-          <a:lstStyle/>
-          <a:p>
-            <a:r>
-              <a:rPr kumimoji="1" lang="en-US" altLang="ja-JP" sz="1400" dirty="0" smtClean="0"/>
-              <a:t>master</a:t>
-            </a:r>
-            <a:r>
-              <a:rPr kumimoji="1" lang="ja-JP" altLang="en-US" sz="1400" dirty="0" smtClean="0"/>
-              <a:t> </a:t>
-            </a:r>
-            <a:r>
-              <a:rPr kumimoji="1" lang="en-US" altLang="ja-JP" sz="1400" dirty="0" smtClean="0"/>
-              <a:t>branch</a:t>
-            </a:r>
-            <a:endParaRPr kumimoji="1" lang="ja-JP" altLang="en-US" sz="1400" dirty="0"/>
           </a:p>
         </p:txBody>
       </p:sp>
@@ -5189,8 +5748,8 @@
         </p:nvSpPr>
         <p:spPr>
           <a:xfrm rot="21434109">
-            <a:off x="1951305" y="6794265"/>
-            <a:ext cx="4283591" cy="2504004"/>
+            <a:off x="960365" y="7348986"/>
+            <a:ext cx="5029865" cy="2653833"/>
           </a:xfrm>
           <a:prstGeom prst="irregularSeal1">
             <a:avLst/>
@@ -5221,18 +5780,34 @@
           <a:p>
             <a:pPr algn="ctr"/>
             <a:r>
-              <a:rPr kumimoji="1" lang="ja-JP" altLang="en-US" sz="2400" b="1" dirty="0" smtClean="0"/>
+              <a:rPr kumimoji="1" lang="ja-JP" altLang="en-US" sz="2800" b="1" dirty="0" smtClean="0">
+                <a:solidFill>
+                  <a:schemeClr val="tx1"/>
+                </a:solidFill>
+              </a:rPr>
               <a:t>学習コストが</a:t>
             </a:r>
-            <a:endParaRPr kumimoji="1" lang="en-US" altLang="ja-JP" sz="2400" b="1" dirty="0" smtClean="0"/>
+            <a:endParaRPr kumimoji="1" lang="en-US" altLang="ja-JP" sz="2800" b="1" dirty="0" smtClean="0">
+              <a:solidFill>
+                <a:schemeClr val="tx1"/>
+              </a:solidFill>
+            </a:endParaRPr>
           </a:p>
           <a:p>
             <a:pPr algn="ctr"/>
             <a:r>
-              <a:rPr kumimoji="1" lang="ja-JP" altLang="en-US" sz="2400" b="1" dirty="0" smtClean="0"/>
+              <a:rPr kumimoji="1" lang="ja-JP" altLang="en-US" sz="2800" b="1" dirty="0" smtClean="0">
+                <a:solidFill>
+                  <a:schemeClr val="tx1"/>
+                </a:solidFill>
+              </a:rPr>
               <a:t>かかりすぎる</a:t>
             </a:r>
-            <a:endParaRPr kumimoji="1" lang="ja-JP" altLang="en-US" sz="2400" b="1" dirty="0"/>
+            <a:endParaRPr kumimoji="1" lang="ja-JP" altLang="en-US" sz="2800" b="1" dirty="0">
+              <a:solidFill>
+                <a:schemeClr val="tx1"/>
+              </a:solidFill>
+            </a:endParaRPr>
           </a:p>
         </p:txBody>
       </p:sp>
@@ -5244,8 +5819,8 @@
         </p:nvSpPr>
         <p:spPr>
           <a:xfrm>
-            <a:off x="7295610" y="6131569"/>
-            <a:ext cx="4047831" cy="2034881"/>
+            <a:off x="6588944" y="7229218"/>
+            <a:ext cx="5541790" cy="2843391"/>
           </a:xfrm>
           <a:prstGeom prst="irregularSeal1">
             <a:avLst/>
@@ -5276,23 +5851,79 @@
           <a:p>
             <a:pPr algn="ctr"/>
             <a:r>
-              <a:rPr lang="ja-JP" altLang="en-US" sz="2400" b="1" dirty="0" smtClean="0"/>
+              <a:rPr lang="ja-JP" altLang="en-US" sz="2800" dirty="0" smtClean="0">
+                <a:solidFill>
+                  <a:schemeClr val="tx1"/>
+                </a:solidFill>
+              </a:rPr>
               <a:t>管理がしづらい</a:t>
             </a:r>
-            <a:endParaRPr kumimoji="1" lang="ja-JP" altLang="en-US" sz="2400" b="1" dirty="0"/>
-          </a:p>
-        </p:txBody>
-      </p:sp>
-      <p:sp>
-        <p:nvSpPr>
-          <p:cNvPr id="32" name="テキスト ボックス 31"/>
+            <a:endParaRPr kumimoji="1" lang="ja-JP" altLang="en-US" sz="2800" dirty="0">
+              <a:solidFill>
+                <a:schemeClr val="tx1"/>
+              </a:solidFill>
+            </a:endParaRPr>
+          </a:p>
+        </p:txBody>
+      </p:sp>
+      <p:pic>
+        <p:nvPicPr>
+          <p:cNvPr id="7" name="図 6"/>
+          <p:cNvPicPr>
+            <a:picLocks noChangeAspect="1"/>
+          </p:cNvPicPr>
+          <p:nvPr/>
+        </p:nvPicPr>
+        <p:blipFill>
+          <a:blip r:embed="rId2"/>
+          <a:stretch>
+            <a:fillRect/>
+          </a:stretch>
+        </p:blipFill>
+        <p:spPr>
+          <a:xfrm>
+            <a:off x="15373920" y="4781464"/>
+            <a:ext cx="4737766" cy="7693938"/>
+          </a:xfrm>
+          <a:prstGeom prst="rect">
+            <a:avLst/>
+          </a:prstGeom>
+        </p:spPr>
+      </p:pic>
+      <p:pic>
+        <p:nvPicPr>
+          <p:cNvPr id="37" name="図 36"/>
+          <p:cNvPicPr>
+            <a:picLocks noChangeAspect="1"/>
+          </p:cNvPicPr>
+          <p:nvPr/>
+        </p:nvPicPr>
+        <p:blipFill>
+          <a:blip r:embed="rId3"/>
+          <a:stretch>
+            <a:fillRect/>
+          </a:stretch>
+        </p:blipFill>
+        <p:spPr>
+          <a:xfrm>
+            <a:off x="978668" y="21397311"/>
+            <a:ext cx="7856709" cy="5768288"/>
+          </a:xfrm>
+          <a:prstGeom prst="rect">
+            <a:avLst/>
+          </a:prstGeom>
+        </p:spPr>
+      </p:pic>
+      <p:sp>
+        <p:nvSpPr>
+          <p:cNvPr id="38" name="テキスト ボックス 37"/>
           <p:cNvSpPr txBox="1"/>
           <p:nvPr/>
         </p:nvSpPr>
         <p:spPr>
           <a:xfrm>
-            <a:off x="16459086" y="4713459"/>
-            <a:ext cx="2219210" cy="584775"/>
+            <a:off x="13025437" y="21397311"/>
+            <a:ext cx="7068785" cy="5386090"/>
           </a:xfrm>
           <a:prstGeom prst="rect">
             <a:avLst/>
@@ -5306,197 +5937,17 @@
           <a:lstStyle/>
           <a:p>
             <a:r>
-              <a:rPr kumimoji="1" lang="en-US" altLang="ja-JP" sz="3200" dirty="0" err="1" smtClean="0"/>
-              <a:t>Git</a:t>
-            </a:r>
-            <a:r>
-              <a:rPr lang="ja-JP" altLang="en-US" sz="3200" dirty="0"/>
-              <a:t> </a:t>
-            </a:r>
-            <a:r>
-              <a:rPr kumimoji="1" lang="en-US" altLang="ja-JP" sz="3200" dirty="0" smtClean="0"/>
-              <a:t>Flow</a:t>
-            </a:r>
-            <a:endParaRPr kumimoji="1" lang="ja-JP" altLang="en-US" sz="3200" dirty="0"/>
-          </a:p>
-        </p:txBody>
-      </p:sp>
-      <p:sp>
-        <p:nvSpPr>
-          <p:cNvPr id="33" name="テキスト ボックス 32"/>
-          <p:cNvSpPr txBox="1"/>
-          <p:nvPr/>
-        </p:nvSpPr>
-        <p:spPr>
-          <a:xfrm>
-            <a:off x="19199592" y="5400106"/>
-            <a:ext cx="822196" cy="523220"/>
-          </a:xfrm>
-          <a:prstGeom prst="rect">
-            <a:avLst/>
-          </a:prstGeom>
-          <a:noFill/>
-        </p:spPr>
-        <p:txBody>
-          <a:bodyPr wrap="square" rtlCol="0">
-            <a:spAutoFit/>
-          </a:bodyPr>
-          <a:lstStyle/>
-          <a:p>
-            <a:r>
-              <a:rPr kumimoji="1" lang="en-US" altLang="ja-JP" sz="1400" dirty="0" err="1" smtClean="0"/>
-              <a:t>maste</a:t>
-            </a:r>
-            <a:r>
-              <a:rPr kumimoji="1" lang="ja-JP" altLang="en-US" sz="1400" dirty="0" smtClean="0"/>
-              <a:t>ｒ </a:t>
-            </a:r>
-            <a:r>
-              <a:rPr kumimoji="1" lang="en-US" altLang="ja-JP" sz="1400" dirty="0" smtClean="0"/>
-              <a:t>branch</a:t>
-            </a:r>
-            <a:endParaRPr kumimoji="1" lang="ja-JP" altLang="en-US" sz="1400" dirty="0"/>
-          </a:p>
-        </p:txBody>
-      </p:sp>
-      <p:pic>
-        <p:nvPicPr>
-          <p:cNvPr id="60" name="図 59"/>
-          <p:cNvPicPr>
-            <a:picLocks noChangeAspect="1"/>
-          </p:cNvPicPr>
-          <p:nvPr/>
-        </p:nvPicPr>
-        <p:blipFill>
-          <a:blip r:embed="rId5"/>
-          <a:stretch>
-            <a:fillRect/>
-          </a:stretch>
-        </p:blipFill>
-        <p:spPr>
-          <a:xfrm>
-            <a:off x="16254897" y="5918323"/>
-            <a:ext cx="3566946" cy="6364851"/>
-          </a:xfrm>
-          <a:prstGeom prst="rect">
-            <a:avLst/>
-          </a:prstGeom>
-        </p:spPr>
-      </p:pic>
-      <p:sp>
-        <p:nvSpPr>
-          <p:cNvPr id="21" name="テキスト ボックス 20"/>
-          <p:cNvSpPr txBox="1"/>
-          <p:nvPr/>
-        </p:nvSpPr>
-        <p:spPr>
-          <a:xfrm>
-            <a:off x="12680778" y="5484937"/>
-            <a:ext cx="822196" cy="523220"/>
-          </a:xfrm>
-          <a:prstGeom prst="rect">
-            <a:avLst/>
-          </a:prstGeom>
-          <a:noFill/>
-        </p:spPr>
-        <p:txBody>
-          <a:bodyPr wrap="square" rtlCol="0">
-            <a:spAutoFit/>
-          </a:bodyPr>
-          <a:lstStyle/>
-          <a:p>
-            <a:r>
-              <a:rPr lang="ja-JP" altLang="en-US" sz="1400" dirty="0"/>
-              <a:t>開発</a:t>
-            </a:r>
-            <a:r>
-              <a:rPr kumimoji="1" lang="ja-JP" altLang="en-US" sz="1400" dirty="0" smtClean="0"/>
-              <a:t> </a:t>
-            </a:r>
-            <a:r>
-              <a:rPr kumimoji="1" lang="en-US" altLang="ja-JP" sz="1400" dirty="0" smtClean="0"/>
-              <a:t>branch</a:t>
-            </a:r>
-            <a:endParaRPr kumimoji="1" lang="ja-JP" altLang="en-US" sz="1400" dirty="0"/>
-          </a:p>
-        </p:txBody>
-      </p:sp>
-      <p:sp>
-        <p:nvSpPr>
-          <p:cNvPr id="22" name="テキスト ボックス 21"/>
-          <p:cNvSpPr txBox="1"/>
-          <p:nvPr/>
-        </p:nvSpPr>
-        <p:spPr>
-          <a:xfrm>
-            <a:off x="16692218" y="5424729"/>
-            <a:ext cx="822196" cy="523220"/>
-          </a:xfrm>
-          <a:prstGeom prst="rect">
-            <a:avLst/>
-          </a:prstGeom>
-          <a:noFill/>
-        </p:spPr>
-        <p:txBody>
-          <a:bodyPr wrap="square" rtlCol="0">
-            <a:spAutoFit/>
-          </a:bodyPr>
-          <a:lstStyle/>
-          <a:p>
-            <a:r>
-              <a:rPr kumimoji="1" lang="ja-JP" altLang="en-US" sz="1400" dirty="0" smtClean="0"/>
-              <a:t>開発</a:t>
-            </a:r>
-            <a:r>
-              <a:rPr kumimoji="1" lang="en-US" altLang="ja-JP" sz="1400" dirty="0" smtClean="0"/>
-              <a:t>branch</a:t>
-            </a:r>
-            <a:endParaRPr kumimoji="1" lang="ja-JP" altLang="en-US" sz="1400" dirty="0"/>
-          </a:p>
-        </p:txBody>
-      </p:sp>
-      <p:sp>
-        <p:nvSpPr>
-          <p:cNvPr id="23" name="テキスト ボックス 22"/>
-          <p:cNvSpPr txBox="1"/>
-          <p:nvPr/>
-        </p:nvSpPr>
-        <p:spPr>
-          <a:xfrm>
-            <a:off x="17862541" y="5395102"/>
-            <a:ext cx="822196" cy="523220"/>
-          </a:xfrm>
-          <a:prstGeom prst="rect">
-            <a:avLst/>
-          </a:prstGeom>
-          <a:noFill/>
-        </p:spPr>
-        <p:txBody>
-          <a:bodyPr wrap="square" rtlCol="0">
-            <a:spAutoFit/>
-          </a:bodyPr>
-          <a:lstStyle/>
-          <a:p>
-            <a:r>
-              <a:rPr kumimoji="1" lang="en-US" altLang="ja-JP" sz="1400" dirty="0" smtClean="0"/>
-              <a:t>develop</a:t>
-            </a:r>
-            <a:r>
-              <a:rPr kumimoji="1" lang="ja-JP" altLang="en-US" sz="1400" dirty="0" smtClean="0"/>
-              <a:t> </a:t>
-            </a:r>
-            <a:r>
-              <a:rPr kumimoji="1" lang="en-US" altLang="ja-JP" sz="1400" dirty="0" smtClean="0"/>
-              <a:t>branch</a:t>
-            </a:r>
-            <a:endParaRPr kumimoji="1" lang="ja-JP" altLang="en-US" sz="1400" dirty="0"/>
+              <a:rPr kumimoji="1" lang="ja-JP" altLang="en-US" sz="34400" b="1" dirty="0" smtClean="0"/>
+              <a:t>？</a:t>
+            </a:r>
+            <a:endParaRPr kumimoji="1" lang="ja-JP" altLang="en-US" b="1" dirty="0"/>
           </a:p>
         </p:txBody>
       </p:sp>
     </p:spTree>
     <p:extLst>
       <p:ext uri="{BB962C8B-B14F-4D97-AF65-F5344CB8AC3E}">
-        <p14:creationId xmlns:p14="http://schemas.microsoft.com/office/powerpoint/2010/main" val="3235452873"/>
+        <p14:creationId xmlns:p14="http://schemas.microsoft.com/office/powerpoint/2010/main" val="1451891837"/>
       </p:ext>
     </p:extLst>
   </p:cSld>
@@ -5516,42 +5967,42 @@
 <file path=ppt/theme/theme1.xml><?xml version="1.0" encoding="utf-8"?>
 <a:theme xmlns:a="http://schemas.openxmlformats.org/drawingml/2006/main" name="レトロスペクト">
   <a:themeElements>
-    <a:clrScheme name="レトロスペクト">
+    <a:clrScheme name="青緑">
       <a:dk1>
-        <a:srgbClr val="000000"/>
+        <a:sysClr val="windowText" lastClr="000000"/>
       </a:dk1>
       <a:lt1>
         <a:sysClr val="window" lastClr="FFFFFF"/>
       </a:lt1>
       <a:dk2>
-        <a:srgbClr val="637052"/>
+        <a:srgbClr val="373545"/>
       </a:dk2>
       <a:lt2>
-        <a:srgbClr val="CCDDEA"/>
+        <a:srgbClr val="CEDBE6"/>
       </a:lt2>
       <a:accent1>
-        <a:srgbClr val="E48312"/>
+        <a:srgbClr val="3494BA"/>
       </a:accent1>
       <a:accent2>
-        <a:srgbClr val="BD582C"/>
+        <a:srgbClr val="58B6C0"/>
       </a:accent2>
       <a:accent3>
-        <a:srgbClr val="865640"/>
+        <a:srgbClr val="75BDA7"/>
       </a:accent3>
       <a:accent4>
-        <a:srgbClr val="9B8357"/>
+        <a:srgbClr val="7A8C8E"/>
       </a:accent4>
       <a:accent5>
-        <a:srgbClr val="C2BC80"/>
+        <a:srgbClr val="84ACB6"/>
       </a:accent5>
       <a:accent6>
-        <a:srgbClr val="94A088"/>
+        <a:srgbClr val="2683C6"/>
       </a:accent6>
       <a:hlink>
-        <a:srgbClr val="2998E3"/>
+        <a:srgbClr val="6B9F25"/>
       </a:hlink>
       <a:folHlink>
-        <a:srgbClr val="8C8C8C"/>
+        <a:srgbClr val="9F6715"/>
       </a:folHlink>
     </a:clrScheme>
     <a:fontScheme name="レトロスペクト">

--- a/課題研究/2014/若月純/課題研究発表ポスター-若月.pptx
+++ b/課題研究/2014/若月純/課題研究発表ポスター-若月.pptx
@@ -2,10 +2,14 @@
 <file path=ppt/presentation.xml><?xml version="1.0" encoding="utf-8"?>
 <p:presentation xmlns:a="http://schemas.openxmlformats.org/drawingml/2006/main" xmlns:r="http://schemas.openxmlformats.org/officeDocument/2006/relationships" xmlns:p="http://schemas.openxmlformats.org/presentationml/2006/main" saveSubsetFonts="1">
   <p:sldMasterIdLst>
-    <p:sldMasterId id="2147483917" r:id="rId1"/>
+    <p:sldMasterId id="2147483953" r:id="rId1"/>
   </p:sldMasterIdLst>
+  <p:notesMasterIdLst>
+    <p:notesMasterId r:id="rId4"/>
+  </p:notesMasterIdLst>
   <p:sldIdLst>
     <p:sldId id="260" r:id="rId2"/>
+    <p:sldId id="264" r:id="rId3"/>
   </p:sldIdLst>
   <p:sldSz cx="21386800" cy="30279975"/>
   <p:notesSz cx="6858000" cy="9144000"/>
@@ -123,6 +127,388 @@
 </p:presentation>
 </file>
 
+<file path=ppt/notesMasters/notesMaster1.xml><?xml version="1.0" encoding="utf-8"?>
+<p:notesMaster xmlns:a="http://schemas.openxmlformats.org/drawingml/2006/main" xmlns:r="http://schemas.openxmlformats.org/officeDocument/2006/relationships" xmlns:p="http://schemas.openxmlformats.org/presentationml/2006/main">
+  <p:cSld>
+    <p:bg>
+      <p:bgRef idx="1001">
+        <a:schemeClr val="bg1"/>
+      </p:bgRef>
+    </p:bg>
+    <p:spTree>
+      <p:nvGrpSpPr>
+        <p:cNvPr id="1" name=""/>
+        <p:cNvGrpSpPr/>
+        <p:nvPr/>
+      </p:nvGrpSpPr>
+      <p:grpSpPr>
+        <a:xfrm>
+          <a:off x="0" y="0"/>
+          <a:ext cx="0" cy="0"/>
+          <a:chOff x="0" y="0"/>
+          <a:chExt cx="0" cy="0"/>
+        </a:xfrm>
+      </p:grpSpPr>
+      <p:sp>
+        <p:nvSpPr>
+          <p:cNvPr id="2" name="ヘッダー プレースホルダー 1"/>
+          <p:cNvSpPr>
+            <a:spLocks noGrp="1"/>
+          </p:cNvSpPr>
+          <p:nvPr>
+            <p:ph type="hdr" sz="quarter"/>
+          </p:nvPr>
+        </p:nvSpPr>
+        <p:spPr>
+          <a:xfrm>
+            <a:off x="0" y="0"/>
+            <a:ext cx="2971800" cy="458788"/>
+          </a:xfrm>
+          <a:prstGeom prst="rect">
+            <a:avLst/>
+          </a:prstGeom>
+        </p:spPr>
+        <p:txBody>
+          <a:bodyPr vert="horz" lIns="91440" tIns="45720" rIns="91440" bIns="45720" rtlCol="0"/>
+          <a:lstStyle>
+            <a:lvl1pPr algn="l">
+              <a:defRPr sz="1200"/>
+            </a:lvl1pPr>
+          </a:lstStyle>
+          <a:p>
+            <a:endParaRPr kumimoji="1" lang="ja-JP" altLang="en-US"/>
+          </a:p>
+        </p:txBody>
+      </p:sp>
+      <p:sp>
+        <p:nvSpPr>
+          <p:cNvPr id="3" name="日付プレースホルダー 2"/>
+          <p:cNvSpPr>
+            <a:spLocks noGrp="1"/>
+          </p:cNvSpPr>
+          <p:nvPr>
+            <p:ph type="dt" idx="1"/>
+          </p:nvPr>
+        </p:nvSpPr>
+        <p:spPr>
+          <a:xfrm>
+            <a:off x="3884613" y="0"/>
+            <a:ext cx="2971800" cy="458788"/>
+          </a:xfrm>
+          <a:prstGeom prst="rect">
+            <a:avLst/>
+          </a:prstGeom>
+        </p:spPr>
+        <p:txBody>
+          <a:bodyPr vert="horz" lIns="91440" tIns="45720" rIns="91440" bIns="45720" rtlCol="0"/>
+          <a:lstStyle>
+            <a:lvl1pPr algn="r">
+              <a:defRPr sz="1200"/>
+            </a:lvl1pPr>
+          </a:lstStyle>
+          <a:p>
+            <a:fld id="{210935E7-A51F-4FE3-8E46-E43B536CCFB8}" type="datetimeFigureOut">
+              <a:rPr kumimoji="1" lang="ja-JP" altLang="en-US" smtClean="0"/>
+              <a:t>2014/12/17</a:t>
+            </a:fld>
+            <a:endParaRPr kumimoji="1" lang="ja-JP" altLang="en-US"/>
+          </a:p>
+        </p:txBody>
+      </p:sp>
+      <p:sp>
+        <p:nvSpPr>
+          <p:cNvPr id="4" name="スライド イメージ プレースホルダー 3"/>
+          <p:cNvSpPr>
+            <a:spLocks noGrp="1" noRot="1" noChangeAspect="1"/>
+          </p:cNvSpPr>
+          <p:nvPr>
+            <p:ph type="sldImg" idx="2"/>
+          </p:nvPr>
+        </p:nvSpPr>
+        <p:spPr>
+          <a:xfrm>
+            <a:off x="2338388" y="1143000"/>
+            <a:ext cx="2181225" cy="3086100"/>
+          </a:xfrm>
+          <a:prstGeom prst="rect">
+            <a:avLst/>
+          </a:prstGeom>
+          <a:noFill/>
+          <a:ln w="12700">
+            <a:solidFill>
+              <a:prstClr val="black"/>
+            </a:solidFill>
+          </a:ln>
+        </p:spPr>
+        <p:txBody>
+          <a:bodyPr vert="horz" lIns="91440" tIns="45720" rIns="91440" bIns="45720" rtlCol="0" anchor="ctr"/>
+          <a:lstStyle/>
+          <a:p>
+            <a:endParaRPr lang="ja-JP" altLang="en-US"/>
+          </a:p>
+        </p:txBody>
+      </p:sp>
+      <p:sp>
+        <p:nvSpPr>
+          <p:cNvPr id="5" name="ノート プレースホルダー 4"/>
+          <p:cNvSpPr>
+            <a:spLocks noGrp="1"/>
+          </p:cNvSpPr>
+          <p:nvPr>
+            <p:ph type="body" sz="quarter" idx="3"/>
+          </p:nvPr>
+        </p:nvSpPr>
+        <p:spPr>
+          <a:xfrm>
+            <a:off x="685800" y="4400550"/>
+            <a:ext cx="5486400" cy="3600450"/>
+          </a:xfrm>
+          <a:prstGeom prst="rect">
+            <a:avLst/>
+          </a:prstGeom>
+        </p:spPr>
+        <p:txBody>
+          <a:bodyPr vert="horz" lIns="91440" tIns="45720" rIns="91440" bIns="45720" rtlCol="0"/>
+          <a:lstStyle/>
+          <a:p>
+            <a:pPr lvl="0"/>
+            <a:r>
+              <a:rPr kumimoji="1" lang="ja-JP" altLang="en-US" smtClean="0"/>
+              <a:t>マスター テキストの書式設定</a:t>
+            </a:r>
+          </a:p>
+          <a:p>
+            <a:pPr lvl="1"/>
+            <a:r>
+              <a:rPr kumimoji="1" lang="ja-JP" altLang="en-US" smtClean="0"/>
+              <a:t>第 </a:t>
+            </a:r>
+            <a:r>
+              <a:rPr kumimoji="1" lang="en-US" altLang="ja-JP" smtClean="0"/>
+              <a:t>2 </a:t>
+            </a:r>
+            <a:r>
+              <a:rPr kumimoji="1" lang="ja-JP" altLang="en-US" smtClean="0"/>
+              <a:t>レベル</a:t>
+            </a:r>
+          </a:p>
+          <a:p>
+            <a:pPr lvl="2"/>
+            <a:r>
+              <a:rPr kumimoji="1" lang="ja-JP" altLang="en-US" smtClean="0"/>
+              <a:t>第 </a:t>
+            </a:r>
+            <a:r>
+              <a:rPr kumimoji="1" lang="en-US" altLang="ja-JP" smtClean="0"/>
+              <a:t>3 </a:t>
+            </a:r>
+            <a:r>
+              <a:rPr kumimoji="1" lang="ja-JP" altLang="en-US" smtClean="0"/>
+              <a:t>レベル</a:t>
+            </a:r>
+          </a:p>
+          <a:p>
+            <a:pPr lvl="3"/>
+            <a:r>
+              <a:rPr kumimoji="1" lang="ja-JP" altLang="en-US" smtClean="0"/>
+              <a:t>第 </a:t>
+            </a:r>
+            <a:r>
+              <a:rPr kumimoji="1" lang="en-US" altLang="ja-JP" smtClean="0"/>
+              <a:t>4 </a:t>
+            </a:r>
+            <a:r>
+              <a:rPr kumimoji="1" lang="ja-JP" altLang="en-US" smtClean="0"/>
+              <a:t>レベル</a:t>
+            </a:r>
+          </a:p>
+          <a:p>
+            <a:pPr lvl="4"/>
+            <a:r>
+              <a:rPr kumimoji="1" lang="ja-JP" altLang="en-US" smtClean="0"/>
+              <a:t>第 </a:t>
+            </a:r>
+            <a:r>
+              <a:rPr kumimoji="1" lang="en-US" altLang="ja-JP" smtClean="0"/>
+              <a:t>5 </a:t>
+            </a:r>
+            <a:r>
+              <a:rPr kumimoji="1" lang="ja-JP" altLang="en-US" smtClean="0"/>
+              <a:t>レベル</a:t>
+            </a:r>
+            <a:endParaRPr kumimoji="1" lang="ja-JP" altLang="en-US"/>
+          </a:p>
+        </p:txBody>
+      </p:sp>
+      <p:sp>
+        <p:nvSpPr>
+          <p:cNvPr id="6" name="フッター プレースホルダー 5"/>
+          <p:cNvSpPr>
+            <a:spLocks noGrp="1"/>
+          </p:cNvSpPr>
+          <p:nvPr>
+            <p:ph type="ftr" sz="quarter" idx="4"/>
+          </p:nvPr>
+        </p:nvSpPr>
+        <p:spPr>
+          <a:xfrm>
+            <a:off x="0" y="8685213"/>
+            <a:ext cx="2971800" cy="458787"/>
+          </a:xfrm>
+          <a:prstGeom prst="rect">
+            <a:avLst/>
+          </a:prstGeom>
+        </p:spPr>
+        <p:txBody>
+          <a:bodyPr vert="horz" lIns="91440" tIns="45720" rIns="91440" bIns="45720" rtlCol="0" anchor="b"/>
+          <a:lstStyle>
+            <a:lvl1pPr algn="l">
+              <a:defRPr sz="1200"/>
+            </a:lvl1pPr>
+          </a:lstStyle>
+          <a:p>
+            <a:endParaRPr kumimoji="1" lang="ja-JP" altLang="en-US"/>
+          </a:p>
+        </p:txBody>
+      </p:sp>
+      <p:sp>
+        <p:nvSpPr>
+          <p:cNvPr id="7" name="スライド番号プレースホルダー 6"/>
+          <p:cNvSpPr>
+            <a:spLocks noGrp="1"/>
+          </p:cNvSpPr>
+          <p:nvPr>
+            <p:ph type="sldNum" sz="quarter" idx="5"/>
+          </p:nvPr>
+        </p:nvSpPr>
+        <p:spPr>
+          <a:xfrm>
+            <a:off x="3884613" y="8685213"/>
+            <a:ext cx="2971800" cy="458787"/>
+          </a:xfrm>
+          <a:prstGeom prst="rect">
+            <a:avLst/>
+          </a:prstGeom>
+        </p:spPr>
+        <p:txBody>
+          <a:bodyPr vert="horz" lIns="91440" tIns="45720" rIns="91440" bIns="45720" rtlCol="0" anchor="b"/>
+          <a:lstStyle>
+            <a:lvl1pPr algn="r">
+              <a:defRPr sz="1200"/>
+            </a:lvl1pPr>
+          </a:lstStyle>
+          <a:p>
+            <a:fld id="{DBD22964-6963-45B4-9F39-6B1745C8229A}" type="slidenum">
+              <a:rPr kumimoji="1" lang="ja-JP" altLang="en-US" smtClean="0"/>
+              <a:t>‹#›</a:t>
+            </a:fld>
+            <a:endParaRPr kumimoji="1" lang="ja-JP" altLang="en-US"/>
+          </a:p>
+        </p:txBody>
+      </p:sp>
+    </p:spTree>
+    <p:extLst>
+      <p:ext uri="{BB962C8B-B14F-4D97-AF65-F5344CB8AC3E}">
+        <p14:creationId xmlns:p14="http://schemas.microsoft.com/office/powerpoint/2010/main" val="1042159261"/>
+      </p:ext>
+    </p:extLst>
+  </p:cSld>
+  <p:clrMap bg1="lt1" tx1="dk1" bg2="lt2" tx2="dk2" accent1="accent1" accent2="accent2" accent3="accent3" accent4="accent4" accent5="accent5" accent6="accent6" hlink="hlink" folHlink="folHlink"/>
+  <p:notesStyle>
+    <a:lvl1pPr marL="0" algn="l" defTabSz="914400" rtl="0" eaLnBrk="1" latinLnBrk="0" hangingPunct="1">
+      <a:defRPr kumimoji="1" sz="1200" kern="1200">
+        <a:solidFill>
+          <a:schemeClr val="tx1"/>
+        </a:solidFill>
+        <a:latin typeface="+mn-lt"/>
+        <a:ea typeface="+mn-ea"/>
+        <a:cs typeface="+mn-cs"/>
+      </a:defRPr>
+    </a:lvl1pPr>
+    <a:lvl2pPr marL="457200" algn="l" defTabSz="914400" rtl="0" eaLnBrk="1" latinLnBrk="0" hangingPunct="1">
+      <a:defRPr kumimoji="1" sz="1200" kern="1200">
+        <a:solidFill>
+          <a:schemeClr val="tx1"/>
+        </a:solidFill>
+        <a:latin typeface="+mn-lt"/>
+        <a:ea typeface="+mn-ea"/>
+        <a:cs typeface="+mn-cs"/>
+      </a:defRPr>
+    </a:lvl2pPr>
+    <a:lvl3pPr marL="914400" algn="l" defTabSz="914400" rtl="0" eaLnBrk="1" latinLnBrk="0" hangingPunct="1">
+      <a:defRPr kumimoji="1" sz="1200" kern="1200">
+        <a:solidFill>
+          <a:schemeClr val="tx1"/>
+        </a:solidFill>
+        <a:latin typeface="+mn-lt"/>
+        <a:ea typeface="+mn-ea"/>
+        <a:cs typeface="+mn-cs"/>
+      </a:defRPr>
+    </a:lvl3pPr>
+    <a:lvl4pPr marL="1371600" algn="l" defTabSz="914400" rtl="0" eaLnBrk="1" latinLnBrk="0" hangingPunct="1">
+      <a:defRPr kumimoji="1" sz="1200" kern="1200">
+        <a:solidFill>
+          <a:schemeClr val="tx1"/>
+        </a:solidFill>
+        <a:latin typeface="+mn-lt"/>
+        <a:ea typeface="+mn-ea"/>
+        <a:cs typeface="+mn-cs"/>
+      </a:defRPr>
+    </a:lvl4pPr>
+    <a:lvl5pPr marL="1828800" algn="l" defTabSz="914400" rtl="0" eaLnBrk="1" latinLnBrk="0" hangingPunct="1">
+      <a:defRPr kumimoji="1" sz="1200" kern="1200">
+        <a:solidFill>
+          <a:schemeClr val="tx1"/>
+        </a:solidFill>
+        <a:latin typeface="+mn-lt"/>
+        <a:ea typeface="+mn-ea"/>
+        <a:cs typeface="+mn-cs"/>
+      </a:defRPr>
+    </a:lvl5pPr>
+    <a:lvl6pPr marL="2286000" algn="l" defTabSz="914400" rtl="0" eaLnBrk="1" latinLnBrk="0" hangingPunct="1">
+      <a:defRPr kumimoji="1" sz="1200" kern="1200">
+        <a:solidFill>
+          <a:schemeClr val="tx1"/>
+        </a:solidFill>
+        <a:latin typeface="+mn-lt"/>
+        <a:ea typeface="+mn-ea"/>
+        <a:cs typeface="+mn-cs"/>
+      </a:defRPr>
+    </a:lvl6pPr>
+    <a:lvl7pPr marL="2743200" algn="l" defTabSz="914400" rtl="0" eaLnBrk="1" latinLnBrk="0" hangingPunct="1">
+      <a:defRPr kumimoji="1" sz="1200" kern="1200">
+        <a:solidFill>
+          <a:schemeClr val="tx1"/>
+        </a:solidFill>
+        <a:latin typeface="+mn-lt"/>
+        <a:ea typeface="+mn-ea"/>
+        <a:cs typeface="+mn-cs"/>
+      </a:defRPr>
+    </a:lvl7pPr>
+    <a:lvl8pPr marL="3200400" algn="l" defTabSz="914400" rtl="0" eaLnBrk="1" latinLnBrk="0" hangingPunct="1">
+      <a:defRPr kumimoji="1" sz="1200" kern="1200">
+        <a:solidFill>
+          <a:schemeClr val="tx1"/>
+        </a:solidFill>
+        <a:latin typeface="+mn-lt"/>
+        <a:ea typeface="+mn-ea"/>
+        <a:cs typeface="+mn-cs"/>
+      </a:defRPr>
+    </a:lvl8pPr>
+    <a:lvl9pPr marL="3657600" algn="l" defTabSz="914400" rtl="0" eaLnBrk="1" latinLnBrk="0" hangingPunct="1">
+      <a:defRPr kumimoji="1" sz="1200" kern="1200">
+        <a:solidFill>
+          <a:schemeClr val="tx1"/>
+        </a:solidFill>
+        <a:latin typeface="+mn-lt"/>
+        <a:ea typeface="+mn-ea"/>
+        <a:cs typeface="+mn-cs"/>
+      </a:defRPr>
+    </a:lvl9pPr>
+  </p:notesStyle>
+</p:notesMaster>
+</file>
+
 <file path=ppt/slideLayouts/slideLayout1.xml><?xml version="1.0" encoding="utf-8"?>
 <p:sldLayout xmlns:a="http://schemas.openxmlformats.org/drawingml/2006/main" xmlns:r="http://schemas.openxmlformats.org/officeDocument/2006/relationships" xmlns:p="http://schemas.openxmlformats.org/presentationml/2006/main" showMasterSp="0" type="title" preserve="1">
   <p:cSld name="タイトル スライド">
@@ -357,7 +743,7 @@
                 </a:solidFill>
               </a:rPr>
               <a:pPr/>
-              <a:t>2014/12/15</a:t>
+              <a:t>2014/12/17</a:t>
             </a:fld>
             <a:endParaRPr lang="ja-JP" altLang="en-US">
               <a:solidFill>
@@ -475,7 +861,7 @@
     </p:spTree>
     <p:extLst>
       <p:ext uri="{BB962C8B-B14F-4D97-AF65-F5344CB8AC3E}">
-        <p14:creationId xmlns:p14="http://schemas.microsoft.com/office/powerpoint/2010/main" val="1634000584"/>
+        <p14:creationId xmlns:p14="http://schemas.microsoft.com/office/powerpoint/2010/main" val="3650606161"/>
       </p:ext>
     </p:extLst>
   </p:cSld>
@@ -634,7 +1020,7 @@
                 </a:solidFill>
               </a:rPr>
               <a:pPr/>
-              <a:t>2014/12/15</a:t>
+              <a:t>2014/12/17</a:t>
             </a:fld>
             <a:endParaRPr lang="ja-JP" altLang="en-US">
               <a:solidFill>
@@ -714,7 +1100,7 @@
     </p:spTree>
     <p:extLst>
       <p:ext uri="{BB962C8B-B14F-4D97-AF65-F5344CB8AC3E}">
-        <p14:creationId xmlns:p14="http://schemas.microsoft.com/office/powerpoint/2010/main" val="4227592839"/>
+        <p14:creationId xmlns:p14="http://schemas.microsoft.com/office/powerpoint/2010/main" val="3474491070"/>
       </p:ext>
     </p:extLst>
   </p:cSld>
@@ -829,8 +1215,8 @@
         </p:nvSpPr>
         <p:spPr>
           <a:xfrm>
-            <a:off x="15304930" y="1831367"/>
-            <a:ext cx="4611529" cy="25420613"/>
+            <a:off x="15304930" y="1820428"/>
+            <a:ext cx="4611529" cy="25431550"/>
           </a:xfrm>
         </p:spPr>
         <p:txBody>
@@ -857,8 +1243,8 @@
         </p:nvSpPr>
         <p:spPr>
           <a:xfrm>
-            <a:off x="1470344" y="1831364"/>
-            <a:ext cx="13567251" cy="25420609"/>
+            <a:off x="1470344" y="1820428"/>
+            <a:ext cx="13567251" cy="25431550"/>
           </a:xfrm>
         </p:spPr>
         <p:txBody>
@@ -959,7 +1345,7 @@
                 </a:solidFill>
               </a:rPr>
               <a:pPr/>
-              <a:t>2014/12/15</a:t>
+              <a:t>2014/12/17</a:t>
             </a:fld>
             <a:endParaRPr lang="ja-JP" altLang="en-US">
               <a:solidFill>
@@ -1039,7 +1425,7 @@
     </p:spTree>
     <p:extLst>
       <p:ext uri="{BB962C8B-B14F-4D97-AF65-F5344CB8AC3E}">
-        <p14:creationId xmlns:p14="http://schemas.microsoft.com/office/powerpoint/2010/main" val="1535842475"/>
+        <p14:creationId xmlns:p14="http://schemas.microsoft.com/office/powerpoint/2010/main" val="2375225171"/>
       </p:ext>
     </p:extLst>
   </p:cSld>
@@ -1198,7 +1584,7 @@
                 </a:solidFill>
               </a:rPr>
               <a:pPr/>
-              <a:t>2014/12/15</a:t>
+              <a:t>2014/12/17</a:t>
             </a:fld>
             <a:endParaRPr lang="ja-JP" altLang="en-US">
               <a:solidFill>
@@ -1278,7 +1664,7 @@
     </p:spTree>
     <p:extLst>
       <p:ext uri="{BB962C8B-B14F-4D97-AF65-F5344CB8AC3E}">
-        <p14:creationId xmlns:p14="http://schemas.microsoft.com/office/powerpoint/2010/main" val="50185577"/>
+        <p14:creationId xmlns:p14="http://schemas.microsoft.com/office/powerpoint/2010/main" val="4119015123"/>
       </p:ext>
     </p:extLst>
   </p:cSld>
@@ -1578,7 +1964,7 @@
                 </a:solidFill>
               </a:rPr>
               <a:pPr/>
-              <a:t>2014/12/15</a:t>
+              <a:t>2014/12/17</a:t>
             </a:fld>
             <a:endParaRPr lang="ja-JP" altLang="en-US">
               <a:solidFill>
@@ -1696,7 +2082,7 @@
     </p:spTree>
     <p:extLst>
       <p:ext uri="{BB962C8B-B14F-4D97-AF65-F5344CB8AC3E}">
-        <p14:creationId xmlns:p14="http://schemas.microsoft.com/office/powerpoint/2010/main" val="3521532568"/>
+        <p14:creationId xmlns:p14="http://schemas.microsoft.com/office/powerpoint/2010/main" val="1480507710"/>
       </p:ext>
     </p:extLst>
   </p:cSld>
@@ -1763,8 +2149,8 @@
         </p:nvSpPr>
         <p:spPr>
           <a:xfrm>
-            <a:off x="1924812" y="8149428"/>
-            <a:ext cx="8661654" cy="17764252"/>
+            <a:off x="1924812" y="8149435"/>
+            <a:ext cx="8661654" cy="17764248"/>
           </a:xfrm>
         </p:spPr>
         <p:txBody>
@@ -1852,8 +2238,8 @@
         </p:nvSpPr>
         <p:spPr>
           <a:xfrm>
-            <a:off x="10907268" y="8149439"/>
-            <a:ext cx="8661654" cy="17764248"/>
+            <a:off x="10907268" y="8149433"/>
+            <a:ext cx="8661654" cy="17764252"/>
           </a:xfrm>
         </p:spPr>
         <p:txBody>
@@ -1954,7 +2340,7 @@
                 </a:solidFill>
               </a:rPr>
               <a:pPr/>
-              <a:t>2014/12/15</a:t>
+              <a:t>2014/12/17</a:t>
             </a:fld>
             <a:endParaRPr lang="ja-JP" altLang="en-US">
               <a:solidFill>
@@ -2034,7 +2420,7 @@
     </p:spTree>
     <p:extLst>
       <p:ext uri="{BB962C8B-B14F-4D97-AF65-F5344CB8AC3E}">
-        <p14:creationId xmlns:p14="http://schemas.microsoft.com/office/powerpoint/2010/main" val="2412599596"/>
+        <p14:creationId xmlns:p14="http://schemas.microsoft.com/office/powerpoint/2010/main" val="4147302343"/>
       </p:ext>
     </p:extLst>
   </p:cSld>
@@ -2172,7 +2558,7 @@
         </p:nvSpPr>
         <p:spPr>
           <a:xfrm>
-            <a:off x="1924812" y="11401722"/>
+            <a:off x="1924812" y="11401727"/>
             <a:ext cx="8661654" cy="14511958"/>
           </a:xfrm>
         </p:spPr>
@@ -2434,7 +2820,7 @@
                 </a:solidFill>
               </a:rPr>
               <a:pPr/>
-              <a:t>2014/12/15</a:t>
+              <a:t>2014/12/17</a:t>
             </a:fld>
             <a:endParaRPr lang="ja-JP" altLang="en-US">
               <a:solidFill>
@@ -2514,7 +2900,7 @@
     </p:spTree>
     <p:extLst>
       <p:ext uri="{BB962C8B-B14F-4D97-AF65-F5344CB8AC3E}">
-        <p14:creationId xmlns:p14="http://schemas.microsoft.com/office/powerpoint/2010/main" val="2703655041"/>
+        <p14:creationId xmlns:p14="http://schemas.microsoft.com/office/powerpoint/2010/main" val="4184957696"/>
       </p:ext>
     </p:extLst>
   </p:cSld>
@@ -2589,7 +2975,7 @@
                 </a:solidFill>
               </a:rPr>
               <a:pPr/>
-              <a:t>2014/12/15</a:t>
+              <a:t>2014/12/17</a:t>
             </a:fld>
             <a:endParaRPr lang="ja-JP" altLang="en-US">
               <a:solidFill>
@@ -2669,7 +3055,7 @@
     </p:spTree>
     <p:extLst>
       <p:ext uri="{BB962C8B-B14F-4D97-AF65-F5344CB8AC3E}">
-        <p14:creationId xmlns:p14="http://schemas.microsoft.com/office/powerpoint/2010/main" val="125347520"/>
+        <p14:creationId xmlns:p14="http://schemas.microsoft.com/office/powerpoint/2010/main" val="396237470"/>
       </p:ext>
     </p:extLst>
   </p:cSld>
@@ -2797,7 +3183,7 @@
                 </a:solidFill>
               </a:rPr>
               <a:pPr/>
-              <a:t>2014/12/15</a:t>
+              <a:t>2014/12/17</a:t>
             </a:fld>
             <a:endParaRPr lang="ja-JP" altLang="en-US">
               <a:solidFill>
@@ -2885,7 +3271,7 @@
     </p:spTree>
     <p:extLst>
       <p:ext uri="{BB962C8B-B14F-4D97-AF65-F5344CB8AC3E}">
-        <p14:creationId xmlns:p14="http://schemas.microsoft.com/office/powerpoint/2010/main" val="1053350822"/>
+        <p14:creationId xmlns:p14="http://schemas.microsoft.com/office/powerpoint/2010/main" val="3618599903"/>
       </p:ext>
     </p:extLst>
   </p:cSld>
@@ -3038,8 +3424,8 @@
         </p:nvSpPr>
         <p:spPr>
           <a:xfrm>
-            <a:off x="8093111" y="3229864"/>
-            <a:ext cx="11716414" cy="23214648"/>
+            <a:off x="8421053" y="3229864"/>
+            <a:ext cx="11388471" cy="23214648"/>
           </a:xfrm>
         </p:spPr>
         <p:txBody>
@@ -3220,7 +3606,7 @@
                 </a:solidFill>
               </a:rPr>
               <a:pPr/>
-              <a:t>2014/12/15</a:t>
+              <a:t>2014/12/17</a:t>
             </a:fld>
             <a:endParaRPr lang="ja-JP" altLang="en-US">
               <a:solidFill>
@@ -3321,7 +3707,7 @@
     </p:spTree>
     <p:extLst>
       <p:ext uri="{BB962C8B-B14F-4D97-AF65-F5344CB8AC3E}">
-        <p14:creationId xmlns:p14="http://schemas.microsoft.com/office/powerpoint/2010/main" val="3477359136"/>
+        <p14:creationId xmlns:p14="http://schemas.microsoft.com/office/powerpoint/2010/main" val="3848387618"/>
       </p:ext>
     </p:extLst>
   </p:cSld>
@@ -3477,23 +3863,18 @@
             <a:off x="29" y="0"/>
             <a:ext cx="21386774" cy="21701426"/>
           </a:xfrm>
-          <a:blipFill>
-            <a:blip r:embed="rId2"/>
-            <a:stretch>
-              <a:fillRect/>
-            </a:stretch>
-          </a:blipFill>
+          <a:solidFill>
+            <a:schemeClr val="bg2">
+              <a:lumMod val="90000"/>
+            </a:schemeClr>
+          </a:solidFill>
         </p:spPr>
         <p:txBody>
           <a:bodyPr lIns="457200" tIns="457200" anchor="t"/>
           <a:lstStyle>
             <a:lvl1pPr marL="0" indent="0">
               <a:buNone/>
-              <a:defRPr sz="7484">
-                <a:solidFill>
-                  <a:schemeClr val="bg1"/>
-                </a:solidFill>
-              </a:defRPr>
+              <a:defRPr sz="7484"/>
             </a:lvl1pPr>
             <a:lvl2pPr marL="1069345" indent="0">
               <a:buNone/>
@@ -3549,7 +3930,7 @@
         </p:nvSpPr>
         <p:spPr>
           <a:xfrm>
-            <a:off x="1924810" y="26081152"/>
+            <a:off x="1924812" y="26081152"/>
             <a:ext cx="17751044" cy="2624265"/>
           </a:xfrm>
         </p:spPr>
@@ -3639,7 +4020,7 @@
                 </a:solidFill>
               </a:rPr>
               <a:pPr/>
-              <a:t>2014/12/15</a:t>
+              <a:t>2014/12/17</a:t>
             </a:fld>
             <a:endParaRPr lang="ja-JP" altLang="en-US">
               <a:solidFill>
@@ -3719,7 +4100,7 @@
     </p:spTree>
     <p:extLst>
       <p:ext uri="{BB962C8B-B14F-4D97-AF65-F5344CB8AC3E}">
-        <p14:creationId xmlns:p14="http://schemas.microsoft.com/office/powerpoint/2010/main" val="2294009961"/>
+        <p14:creationId xmlns:p14="http://schemas.microsoft.com/office/powerpoint/2010/main" val="3865177325"/>
       </p:ext>
     </p:extLst>
   </p:cSld>
@@ -3797,8 +4178,8 @@
         </p:nvSpPr>
         <p:spPr>
           <a:xfrm>
-            <a:off x="1" y="27967762"/>
-            <a:ext cx="21386802" cy="291404"/>
+            <a:off x="1" y="27967765"/>
+            <a:ext cx="21386802" cy="293545"/>
           </a:xfrm>
           <a:prstGeom prst="rect">
             <a:avLst/>
@@ -3996,7 +4377,7 @@
                 </a:solidFill>
               </a:rPr>
               <a:pPr defTabSz="2951897"/>
-              <a:t>2014/12/15</a:t>
+              <a:t>2014/12/17</a:t>
             </a:fld>
             <a:endParaRPr lang="ja-JP" altLang="en-US">
               <a:solidFill>
@@ -4148,23 +4529,23 @@
     </p:spTree>
     <p:extLst>
       <p:ext uri="{BB962C8B-B14F-4D97-AF65-F5344CB8AC3E}">
-        <p14:creationId xmlns:p14="http://schemas.microsoft.com/office/powerpoint/2010/main" val="2577984430"/>
+        <p14:creationId xmlns:p14="http://schemas.microsoft.com/office/powerpoint/2010/main" val="51984782"/>
       </p:ext>
     </p:extLst>
   </p:cSld>
   <p:clrMap bg1="lt1" tx1="dk1" bg2="lt2" tx2="dk2" accent1="accent1" accent2="accent2" accent3="accent3" accent4="accent4" accent5="accent5" accent6="accent6" hlink="hlink" folHlink="folHlink"/>
   <p:sldLayoutIdLst>
-    <p:sldLayoutId id="2147483918" r:id="rId1"/>
-    <p:sldLayoutId id="2147483919" r:id="rId2"/>
-    <p:sldLayoutId id="2147483920" r:id="rId3"/>
-    <p:sldLayoutId id="2147483921" r:id="rId4"/>
-    <p:sldLayoutId id="2147483922" r:id="rId5"/>
-    <p:sldLayoutId id="2147483923" r:id="rId6"/>
-    <p:sldLayoutId id="2147483924" r:id="rId7"/>
-    <p:sldLayoutId id="2147483925" r:id="rId8"/>
-    <p:sldLayoutId id="2147483926" r:id="rId9"/>
-    <p:sldLayoutId id="2147483927" r:id="rId10"/>
-    <p:sldLayoutId id="2147483928" r:id="rId11"/>
+    <p:sldLayoutId id="2147483954" r:id="rId1"/>
+    <p:sldLayoutId id="2147483955" r:id="rId2"/>
+    <p:sldLayoutId id="2147483956" r:id="rId3"/>
+    <p:sldLayoutId id="2147483957" r:id="rId4"/>
+    <p:sldLayoutId id="2147483958" r:id="rId5"/>
+    <p:sldLayoutId id="2147483959" r:id="rId6"/>
+    <p:sldLayoutId id="2147483960" r:id="rId7"/>
+    <p:sldLayoutId id="2147483961" r:id="rId8"/>
+    <p:sldLayoutId id="2147483962" r:id="rId9"/>
+    <p:sldLayoutId id="2147483963" r:id="rId10"/>
+    <p:sldLayoutId id="2147483964" r:id="rId11"/>
   </p:sldLayoutIdLst>
   <p:txStyles>
     <p:titleStyle>
@@ -4553,6 +4934,80 @@
       </p:grpSpPr>
       <p:sp>
         <p:nvSpPr>
+          <p:cNvPr id="3" name="テキスト ボックス 2"/>
+          <p:cNvSpPr txBox="1"/>
+          <p:nvPr/>
+        </p:nvSpPr>
+        <p:spPr>
+          <a:xfrm flipH="1">
+            <a:off x="558544" y="432370"/>
+            <a:ext cx="20431999" cy="4324261"/>
+          </a:xfrm>
+          <a:prstGeom prst="rect">
+            <a:avLst/>
+          </a:prstGeom>
+          <a:noFill/>
+        </p:spPr>
+        <p:txBody>
+          <a:bodyPr wrap="square" rtlCol="0">
+            <a:spAutoFit/>
+          </a:bodyPr>
+          <a:lstStyle/>
+          <a:p>
+            <a:r>
+              <a:rPr lang="en-US" altLang="ja-JP" sz="8800" dirty="0"/>
+              <a:t>GitHub</a:t>
+            </a:r>
+            <a:r>
+              <a:rPr lang="ja-JP" altLang="en-US" sz="8800" dirty="0"/>
+              <a:t>における開発フローの判別</a:t>
+            </a:r>
+            <a:r>
+              <a:rPr lang="ja-JP" altLang="en-US" sz="8800" dirty="0" smtClean="0"/>
+              <a:t>分析</a:t>
+            </a:r>
+            <a:endParaRPr lang="en-US" altLang="ja-JP" sz="8800" dirty="0" smtClean="0"/>
+          </a:p>
+          <a:p>
+            <a:pPr algn="r"/>
+            <a:r>
+              <a:rPr lang="ja-JP" altLang="en-US" sz="7200" dirty="0" smtClean="0">
+                <a:ln w="0"/>
+              </a:rPr>
+              <a:t>矢吹</a:t>
+            </a:r>
+            <a:r>
+              <a:rPr lang="ja-JP" altLang="en-US" sz="7200" dirty="0">
+                <a:ln w="0"/>
+              </a:rPr>
+              <a:t>研究室　</a:t>
+            </a:r>
+            <a:r>
+              <a:rPr lang="en-US" altLang="ja-JP" sz="7200" dirty="0">
+                <a:ln w="0"/>
+              </a:rPr>
+              <a:t>1242132</a:t>
+            </a:r>
+            <a:r>
+              <a:rPr lang="ja-JP" altLang="ja-JP" sz="7200" dirty="0">
+                <a:ln w="0"/>
+              </a:rPr>
+              <a:t>　</a:t>
+            </a:r>
+            <a:r>
+              <a:rPr lang="ja-JP" altLang="en-US" sz="7200" dirty="0">
+                <a:ln w="0"/>
+              </a:rPr>
+              <a:t>若月純</a:t>
+            </a:r>
+          </a:p>
+          <a:p>
+            <a:endParaRPr kumimoji="1" lang="ja-JP" altLang="en-US" sz="11500" dirty="0"/>
+          </a:p>
+        </p:txBody>
+      </p:sp>
+      <p:sp>
+        <p:nvSpPr>
           <p:cNvPr id="16" name="正方形/長方形 15"/>
           <p:cNvSpPr/>
           <p:nvPr/>
@@ -4607,15 +5062,15 @@
         </p:nvSpPr>
         <p:spPr>
           <a:xfrm>
-            <a:off x="14713845" y="3575132"/>
-            <a:ext cx="5916659" cy="9116584"/>
+            <a:off x="13353158" y="3619352"/>
+            <a:ext cx="7273032" cy="8956298"/>
           </a:xfrm>
           <a:prstGeom prst="rect">
             <a:avLst/>
           </a:prstGeom>
           <a:ln>
             <a:solidFill>
-              <a:schemeClr val="accent4"/>
+              <a:schemeClr val="bg2"/>
             </a:solidFill>
           </a:ln>
         </p:spPr>
@@ -4646,6 +5101,15 @@
             <a:endParaRPr kumimoji="1" lang="en-US" altLang="ja-JP" b="1" dirty="0" smtClean="0"/>
           </a:p>
           <a:p>
+            <a:endParaRPr lang="en-US" altLang="ja-JP" b="1" dirty="0" smtClean="0"/>
+          </a:p>
+          <a:p>
+            <a:endParaRPr lang="en-US" altLang="ja-JP" sz="3600" b="1" dirty="0" smtClean="0"/>
+          </a:p>
+          <a:p>
+            <a:endParaRPr lang="en-US" altLang="ja-JP" sz="3200" b="1" dirty="0" smtClean="0"/>
+          </a:p>
+          <a:p>
             <a:endParaRPr lang="en-US" altLang="ja-JP" b="1" dirty="0"/>
           </a:p>
           <a:p>
@@ -4655,16 +5119,10 @@
             <a:endParaRPr lang="en-US" altLang="ja-JP" b="1" dirty="0"/>
           </a:p>
           <a:p>
-            <a:endParaRPr kumimoji="1" lang="en-US" altLang="ja-JP" b="1" dirty="0" smtClean="0"/>
-          </a:p>
-          <a:p>
             <a:endParaRPr lang="en-US" altLang="ja-JP" b="1" dirty="0"/>
           </a:p>
           <a:p>
-            <a:endParaRPr kumimoji="1" lang="en-US" altLang="ja-JP" b="1" dirty="0" smtClean="0"/>
-          </a:p>
-          <a:p>
-            <a:endParaRPr lang="en-US" altLang="ja-JP" b="1" dirty="0"/>
+            <a:endParaRPr kumimoji="1" lang="en-US" altLang="ja-JP" sz="4400" b="1" dirty="0" smtClean="0"/>
           </a:p>
           <a:p>
             <a:endParaRPr kumimoji="1" lang="en-US" altLang="ja-JP" b="1" dirty="0" smtClean="0"/>
@@ -4682,7 +5140,7 @@
         </p:nvSpPr>
         <p:spPr>
           <a:xfrm>
-            <a:off x="589578" y="18165657"/>
+            <a:off x="592149" y="18013214"/>
             <a:ext cx="9162979" cy="9453233"/>
           </a:xfrm>
           <a:prstGeom prst="rect">
@@ -4690,7 +5148,7 @@
           </a:prstGeom>
           <a:ln>
             <a:solidFill>
-              <a:schemeClr val="accent4"/>
+              <a:schemeClr val="bg2"/>
             </a:solidFill>
           </a:ln>
         </p:spPr>
@@ -4715,10 +5173,16 @@
           <a:lstStyle/>
           <a:p>
             <a:r>
-              <a:rPr kumimoji="1" lang="ja-JP" altLang="en-US" b="1" dirty="0" smtClean="0"/>
+              <a:rPr kumimoji="1" lang="ja-JP" altLang="en-US" b="1" dirty="0" smtClean="0">
+                <a:latin typeface="+mj-ea"/>
+                <a:ea typeface="+mj-ea"/>
+              </a:rPr>
               <a:t>現在の進捗状況</a:t>
             </a:r>
-            <a:endParaRPr kumimoji="1" lang="en-US" altLang="ja-JP" b="1" dirty="0" smtClean="0"/>
+            <a:endParaRPr kumimoji="1" lang="en-US" altLang="ja-JP" b="1" dirty="0" smtClean="0">
+              <a:latin typeface="+mj-ea"/>
+              <a:ea typeface="+mj-ea"/>
+            </a:endParaRPr>
           </a:p>
           <a:p>
             <a:r>
@@ -4726,20 +5190,29 @@
               <a:t>　</a:t>
             </a:r>
             <a:r>
-              <a:rPr lang="ja-JP" altLang="en-US" sz="4400" dirty="0" smtClean="0"/>
-              <a:t>行数，人数，規模で</a:t>
-            </a:r>
-            <a:r>
-              <a:rPr kumimoji="1" lang="ja-JP" altLang="en-US" sz="4400" dirty="0" smtClean="0"/>
-              <a:t>開発フローの</a:t>
-            </a:r>
+              <a:rPr lang="en-US" altLang="ja-JP" sz="4400" dirty="0"/>
+              <a:t>32</a:t>
+            </a:r>
+            <a:r>
+              <a:rPr lang="ja-JP" altLang="en-US" sz="4000" dirty="0"/>
+              <a:t>個</a:t>
+            </a:r>
+            <a:r>
+              <a:rPr lang="ja-JP" altLang="en-US" sz="4400" dirty="0"/>
+              <a:t>のプロジェクトを調査し，分析を行った結果，行数，人数，規模で開発フローの判別が出来るようになった</a:t>
+            </a:r>
+            <a:endParaRPr lang="en-US" altLang="ja-JP" sz="4400" dirty="0"/>
+          </a:p>
+          <a:p>
+            <a:endParaRPr lang="en-US" altLang="ja-JP" sz="4400" dirty="0"/>
+          </a:p>
+          <a:p>
             <a:endParaRPr kumimoji="1" lang="en-US" altLang="ja-JP" sz="4400" dirty="0" smtClean="0"/>
           </a:p>
           <a:p>
-            <a:r>
-              <a:rPr kumimoji="1" lang="ja-JP" altLang="en-US" sz="4400" dirty="0" smtClean="0"/>
-              <a:t>判別が出来るが，詳細に分けることが出来ていない</a:t>
-            </a:r>
+            <a:endParaRPr lang="en-US" altLang="ja-JP" sz="4400" dirty="0"/>
+          </a:p>
+          <a:p>
             <a:endParaRPr kumimoji="1" lang="en-US" altLang="ja-JP" sz="4400" dirty="0" smtClean="0"/>
           </a:p>
           <a:p>
@@ -4755,93 +5228,7 @@
             <a:endParaRPr kumimoji="1" lang="en-US" altLang="ja-JP" sz="4400" dirty="0" smtClean="0"/>
           </a:p>
           <a:p>
-            <a:endParaRPr lang="en-US" altLang="ja-JP" sz="4400" dirty="0"/>
-          </a:p>
-          <a:p>
             <a:endParaRPr kumimoji="1" lang="en-US" altLang="ja-JP" sz="4400" dirty="0" smtClean="0"/>
-          </a:p>
-          <a:p>
-            <a:endParaRPr lang="en-US" altLang="ja-JP" sz="4400" dirty="0"/>
-          </a:p>
-          <a:p>
-            <a:endParaRPr kumimoji="1" lang="en-US" altLang="ja-JP" sz="4400" dirty="0" smtClean="0"/>
-          </a:p>
-          <a:p>
-            <a:endParaRPr kumimoji="1" lang="en-US" altLang="ja-JP" sz="4400" dirty="0" smtClean="0"/>
-          </a:p>
-        </p:txBody>
-      </p:sp>
-      <p:sp>
-        <p:nvSpPr>
-          <p:cNvPr id="3" name="テキスト ボックス 2"/>
-          <p:cNvSpPr txBox="1"/>
-          <p:nvPr/>
-        </p:nvSpPr>
-        <p:spPr>
-          <a:xfrm flipH="1">
-            <a:off x="558544" y="432370"/>
-            <a:ext cx="20431999" cy="4324261"/>
-          </a:xfrm>
-          <a:prstGeom prst="rect">
-            <a:avLst/>
-          </a:prstGeom>
-          <a:noFill/>
-        </p:spPr>
-        <p:txBody>
-          <a:bodyPr wrap="square" rtlCol="0">
-            <a:spAutoFit/>
-          </a:bodyPr>
-          <a:lstStyle/>
-          <a:p>
-            <a:r>
-              <a:rPr lang="en-US" altLang="ja-JP" sz="8800" dirty="0"/>
-              <a:t>GitHub</a:t>
-            </a:r>
-            <a:r>
-              <a:rPr lang="ja-JP" altLang="en-US" sz="8800" dirty="0"/>
-              <a:t>における開発フローの判別</a:t>
-            </a:r>
-            <a:r>
-              <a:rPr lang="ja-JP" altLang="en-US" sz="8800" dirty="0" smtClean="0"/>
-              <a:t>分析</a:t>
-            </a:r>
-            <a:endParaRPr lang="en-US" altLang="ja-JP" sz="8800" dirty="0" smtClean="0"/>
-          </a:p>
-          <a:p>
-            <a:pPr algn="r"/>
-            <a:r>
-              <a:rPr lang="ja-JP" altLang="en-US" sz="7200" dirty="0" smtClean="0">
-                <a:ln w="0"/>
-              </a:rPr>
-              <a:t>矢吹</a:t>
-            </a:r>
-            <a:r>
-              <a:rPr lang="ja-JP" altLang="en-US" sz="7200" dirty="0">
-                <a:ln w="0"/>
-              </a:rPr>
-              <a:t>研究室　</a:t>
-            </a:r>
-            <a:r>
-              <a:rPr lang="en-US" altLang="ja-JP" sz="7200" dirty="0">
-                <a:ln w="0"/>
-              </a:rPr>
-              <a:t>1242132</a:t>
-            </a:r>
-            <a:r>
-              <a:rPr lang="ja-JP" altLang="ja-JP" sz="7200" dirty="0">
-                <a:ln w="0"/>
-              </a:rPr>
-              <a:t>　</a:t>
-            </a:r>
-            <a:r>
-              <a:rPr lang="ja-JP" altLang="en-US" sz="7200" dirty="0">
-                <a:ln w="0"/>
-              </a:rPr>
-              <a:t>若月純</a:t>
-            </a:r>
-          </a:p>
-          <a:p>
-            <a:endParaRPr kumimoji="1" lang="ja-JP" altLang="en-US" sz="11500" dirty="0"/>
           </a:p>
         </p:txBody>
       </p:sp>
@@ -4853,15 +5240,15 @@
         </p:nvSpPr>
         <p:spPr>
           <a:xfrm>
-            <a:off x="589579" y="3575131"/>
-            <a:ext cx="13840458" cy="6924973"/>
+            <a:off x="589579" y="3644033"/>
+            <a:ext cx="12265459" cy="6924973"/>
           </a:xfrm>
           <a:prstGeom prst="rect">
             <a:avLst/>
           </a:prstGeom>
           <a:ln>
             <a:solidFill>
-              <a:schemeClr val="accent4"/>
+              <a:schemeClr val="bg2"/>
             </a:solidFill>
           </a:ln>
         </p:spPr>
@@ -4886,10 +5273,16 @@
           <a:lstStyle/>
           <a:p>
             <a:r>
-              <a:rPr kumimoji="1" lang="ja-JP" altLang="en-US" sz="6000" b="1" dirty="0" smtClean="0"/>
+              <a:rPr kumimoji="1" lang="ja-JP" altLang="en-US" sz="6000" b="1" dirty="0" smtClean="0">
+                <a:latin typeface="+mj-ea"/>
+                <a:ea typeface="+mj-ea"/>
+              </a:rPr>
               <a:t>背景</a:t>
             </a:r>
-            <a:endParaRPr lang="en-US" altLang="ja-JP" b="1" dirty="0"/>
+            <a:endParaRPr lang="en-US" altLang="ja-JP" b="1" dirty="0">
+              <a:latin typeface="+mj-ea"/>
+              <a:ea typeface="+mj-ea"/>
+            </a:endParaRPr>
           </a:p>
           <a:p>
             <a:r>
@@ -4914,60 +5307,60 @@
             <a:r>
               <a:rPr lang="ja-JP" altLang="en-US" sz="6600" dirty="0" smtClean="0">
                 <a:solidFill>
-                  <a:srgbClr val="FF0000"/>
+                  <a:schemeClr val="tx1"/>
                 </a:solidFill>
               </a:rPr>
               <a:t>  </a:t>
             </a:r>
             <a:r>
-              <a:rPr lang="ja-JP" altLang="en-US" sz="5400" b="1" dirty="0" smtClean="0">
-                <a:solidFill>
-                  <a:srgbClr val="FF0000"/>
+              <a:rPr lang="ja-JP" altLang="en-US" sz="5400" dirty="0" smtClean="0">
+                <a:solidFill>
+                  <a:schemeClr val="tx1"/>
                 </a:solidFill>
               </a:rPr>
               <a:t>メンバの</a:t>
             </a:r>
             <a:r>
-              <a:rPr lang="ja-JP" altLang="en-US" sz="6600" b="1" dirty="0" smtClean="0">
-                <a:solidFill>
-                  <a:srgbClr val="FF0000"/>
+              <a:rPr lang="ja-JP" altLang="en-US" sz="6600" dirty="0" smtClean="0">
+                <a:solidFill>
+                  <a:schemeClr val="tx1"/>
                 </a:solidFill>
               </a:rPr>
               <a:t>能力</a:t>
             </a:r>
             <a:r>
-              <a:rPr lang="ja-JP" altLang="en-US" sz="5400" b="1" dirty="0" smtClean="0">
-                <a:solidFill>
-                  <a:srgbClr val="FF0000"/>
+              <a:rPr lang="ja-JP" altLang="en-US" sz="5400" dirty="0" smtClean="0">
+                <a:solidFill>
+                  <a:schemeClr val="tx1"/>
                 </a:solidFill>
               </a:rPr>
               <a:t>を</a:t>
             </a:r>
             <a:r>
-              <a:rPr lang="ja-JP" altLang="en-US" sz="6600" b="1" dirty="0" smtClean="0">
-                <a:solidFill>
-                  <a:srgbClr val="FF0000"/>
+              <a:rPr lang="ja-JP" altLang="en-US" sz="6600" dirty="0" smtClean="0">
+                <a:solidFill>
+                  <a:schemeClr val="tx1"/>
                 </a:solidFill>
               </a:rPr>
               <a:t>最大限発揮出来</a:t>
             </a:r>
             <a:r>
-              <a:rPr lang="ja-JP" altLang="en-US" sz="5400" b="1" dirty="0" smtClean="0">
-                <a:solidFill>
-                  <a:srgbClr val="FF0000"/>
+              <a:rPr lang="ja-JP" altLang="en-US" sz="5400" dirty="0" smtClean="0">
+                <a:solidFill>
+                  <a:schemeClr val="tx1"/>
                 </a:solidFill>
               </a:rPr>
               <a:t>る</a:t>
             </a:r>
-            <a:endParaRPr lang="en-US" altLang="ja-JP" sz="5400" b="1" dirty="0">
+            <a:endParaRPr lang="en-US" altLang="ja-JP" sz="5400" dirty="0">
               <a:solidFill>
-                <a:srgbClr val="FF0000"/>
+                <a:schemeClr val="tx1"/>
               </a:solidFill>
             </a:endParaRPr>
           </a:p>
           <a:p>
             <a:r>
-              <a:rPr lang="ja-JP" altLang="en-US" sz="6600" b="1" dirty="0">
+              <a:rPr lang="ja-JP" altLang="en-US" sz="6600" dirty="0">
                 <a:solidFill>
                   <a:srgbClr val="FF0000"/>
                 </a:solidFill>
@@ -4975,7 +5368,7 @@
               <a:t> </a:t>
             </a:r>
             <a:r>
-              <a:rPr lang="ja-JP" altLang="en-US" sz="6600" b="1" dirty="0" smtClean="0">
+              <a:rPr lang="ja-JP" altLang="en-US" sz="6600" dirty="0" smtClean="0">
                 <a:solidFill>
                   <a:srgbClr val="FF0000"/>
                 </a:solidFill>
@@ -4983,7 +5376,7 @@
               <a:t> </a:t>
             </a:r>
             <a:r>
-              <a:rPr lang="ja-JP" altLang="en-US" sz="4800" b="1" dirty="0" smtClean="0"/>
+              <a:rPr lang="ja-JP" altLang="en-US" sz="4800" dirty="0" smtClean="0"/>
               <a:t>しかし</a:t>
             </a:r>
             <a:r>
@@ -5022,15 +5415,15 @@
         </p:nvSpPr>
         <p:spPr>
           <a:xfrm>
-            <a:off x="589578" y="12871900"/>
-            <a:ext cx="20040927" cy="1661993"/>
+            <a:off x="589578" y="12968329"/>
+            <a:ext cx="20040927" cy="1600438"/>
           </a:xfrm>
           <a:prstGeom prst="rect">
             <a:avLst/>
           </a:prstGeom>
           <a:ln>
             <a:solidFill>
-              <a:schemeClr val="accent4"/>
+              <a:schemeClr val="bg2"/>
             </a:solidFill>
           </a:ln>
         </p:spPr>
@@ -5055,10 +5448,16 @@
           <a:lstStyle/>
           <a:p>
             <a:r>
-              <a:rPr kumimoji="1" lang="ja-JP" altLang="en-US" b="1" dirty="0" smtClean="0"/>
+              <a:rPr kumimoji="1" lang="ja-JP" altLang="en-US" b="1" dirty="0" smtClean="0">
+                <a:latin typeface="+mj-ea"/>
+                <a:ea typeface="+mj-ea"/>
+              </a:rPr>
               <a:t>プロジェクトマネジメントとの関連</a:t>
             </a:r>
-            <a:endParaRPr lang="en-US" altLang="ja-JP" b="1" dirty="0"/>
+            <a:endParaRPr lang="en-US" altLang="ja-JP" b="1" dirty="0">
+              <a:latin typeface="+mj-ea"/>
+              <a:ea typeface="+mj-ea"/>
+            </a:endParaRPr>
           </a:p>
           <a:p>
             <a:r>
@@ -5071,35 +5470,11 @@
             </a:r>
             <a:r>
               <a:rPr lang="ja-JP" altLang="en-US" sz="4000" b="1" dirty="0" smtClean="0"/>
-              <a:t> 品質管理</a:t>
+              <a:t> </a:t>
             </a:r>
             <a:r>
               <a:rPr lang="ja-JP" altLang="en-US" sz="4000" dirty="0" smtClean="0"/>
-              <a:t>，</a:t>
-            </a:r>
-            <a:r>
-              <a:rPr lang="ja-JP" altLang="en-US" sz="4000" b="1" dirty="0" smtClean="0"/>
-              <a:t>納期管理</a:t>
-            </a:r>
-            <a:r>
-              <a:rPr lang="ja-JP" altLang="en-US" sz="4000" dirty="0" smtClean="0"/>
-              <a:t>，</a:t>
-            </a:r>
-            <a:r>
-              <a:rPr lang="ja-JP" altLang="en-US" sz="4000" b="1" dirty="0" smtClean="0"/>
-              <a:t>コスト管理</a:t>
-            </a:r>
-            <a:r>
-              <a:rPr lang="ja-JP" altLang="en-US" sz="4000" dirty="0" smtClean="0"/>
-              <a:t>を効率的に行う</a:t>
-            </a:r>
-            <a:r>
-              <a:rPr lang="ja-JP" altLang="en-US" sz="4400" b="1" dirty="0" smtClean="0"/>
-              <a:t>補助</a:t>
-            </a:r>
-            <a:r>
-              <a:rPr lang="ja-JP" altLang="en-US" sz="4000" dirty="0" smtClean="0"/>
-              <a:t>が出来るようになる．</a:t>
+              <a:t>品質管理，納期管理，コスト管理を効率的に行う補助が出来るようになる．</a:t>
             </a:r>
             <a:endParaRPr kumimoji="1" lang="ja-JP" altLang="en-US" sz="4000" dirty="0"/>
           </a:p>
@@ -5113,15 +5488,15 @@
         </p:nvSpPr>
         <p:spPr>
           <a:xfrm>
-            <a:off x="558545" y="14802660"/>
-            <a:ext cx="20071960" cy="3016210"/>
+            <a:off x="589578" y="15159555"/>
+            <a:ext cx="20071960" cy="2339102"/>
           </a:xfrm>
           <a:prstGeom prst="rect">
             <a:avLst/>
           </a:prstGeom>
           <a:ln>
             <a:solidFill>
-              <a:schemeClr val="accent4"/>
+              <a:schemeClr val="bg2"/>
             </a:solidFill>
           </a:ln>
         </p:spPr>
@@ -5146,10 +5521,16 @@
           <a:lstStyle/>
           <a:p>
             <a:r>
-              <a:rPr kumimoji="1" lang="ja-JP" altLang="en-US" b="1" dirty="0" smtClean="0"/>
+              <a:rPr kumimoji="1" lang="ja-JP" altLang="en-US" b="1" dirty="0" smtClean="0">
+                <a:latin typeface="+mj-ea"/>
+                <a:ea typeface="+mj-ea"/>
+              </a:rPr>
               <a:t>研究方法</a:t>
             </a:r>
-            <a:endParaRPr kumimoji="1" lang="en-US" altLang="ja-JP" b="1" dirty="0" smtClean="0"/>
+            <a:endParaRPr kumimoji="1" lang="en-US" altLang="ja-JP" b="1" dirty="0" smtClean="0">
+              <a:latin typeface="+mj-ea"/>
+              <a:ea typeface="+mj-ea"/>
+            </a:endParaRPr>
           </a:p>
           <a:p>
             <a:pPr marL="914400" indent="-914400">
@@ -5162,7 +5543,7 @@
             </a:r>
             <a:r>
               <a:rPr lang="ja-JP" altLang="en-US" sz="4400" dirty="0"/>
-              <a:t>を用いた開発フローの調査</a:t>
+              <a:t>上のプロジェクトからプロジェクトの性質と開発フローを調査する</a:t>
             </a:r>
             <a:endParaRPr lang="en-US" altLang="ja-JP" sz="4400" dirty="0"/>
           </a:p>
@@ -5172,25 +5553,9 @@
               <a:buAutoNum type="arabicPeriod"/>
             </a:pPr>
             <a:r>
-              <a:rPr lang="en-US" altLang="ja-JP" sz="4400" dirty="0" smtClean="0"/>
-              <a:t>GitHub</a:t>
-            </a:r>
-            <a:r>
-              <a:rPr lang="ja-JP" altLang="en-US" sz="4400" dirty="0" smtClean="0"/>
-              <a:t>上のプロジェクトから性質と使われている開発フローの調査</a:t>
-            </a:r>
-            <a:endParaRPr lang="en-US" altLang="ja-JP" sz="4400" dirty="0" smtClean="0"/>
-          </a:p>
-          <a:p>
-            <a:pPr marL="914400" indent="-914400">
-              <a:buFont typeface="+mj-lt"/>
-              <a:buAutoNum type="arabicPeriod"/>
-            </a:pPr>
-            <a:r>
-              <a:rPr lang="ja-JP" altLang="en-US" sz="4400" dirty="0" smtClean="0"/>
-              <a:t>調査したデータを分析</a:t>
-            </a:r>
-            <a:endParaRPr kumimoji="1" lang="ja-JP" altLang="en-US" sz="4400" dirty="0"/>
+              <a:rPr lang="ja-JP" altLang="en-US" sz="4400" dirty="0"/>
+              <a:t>調査したデータの分析をする</a:t>
+            </a:r>
           </a:p>
         </p:txBody>
       </p:sp>
@@ -5202,15 +5567,15 @@
         </p:nvSpPr>
         <p:spPr>
           <a:xfrm>
-            <a:off x="589578" y="10679655"/>
-            <a:ext cx="13840459" cy="2000548"/>
+            <a:off x="589578" y="10854962"/>
+            <a:ext cx="12265460" cy="1723549"/>
           </a:xfrm>
           <a:prstGeom prst="rect">
             <a:avLst/>
           </a:prstGeom>
           <a:ln>
             <a:solidFill>
-              <a:schemeClr val="accent4"/>
+              <a:schemeClr val="bg2"/>
             </a:solidFill>
           </a:ln>
         </p:spPr>
@@ -5235,10 +5600,16 @@
           <a:lstStyle/>
           <a:p>
             <a:r>
-              <a:rPr kumimoji="1" lang="ja-JP" altLang="en-US" b="1" dirty="0" smtClean="0"/>
+              <a:rPr kumimoji="1" lang="ja-JP" altLang="en-US" b="1" dirty="0" smtClean="0">
+                <a:latin typeface="+mj-ea"/>
+                <a:ea typeface="+mj-ea"/>
+              </a:rPr>
               <a:t>目的</a:t>
             </a:r>
-            <a:endParaRPr lang="en-US" altLang="ja-JP" b="1" dirty="0" smtClean="0"/>
+            <a:endParaRPr lang="en-US" altLang="ja-JP" b="1" dirty="0" smtClean="0">
+              <a:latin typeface="+mj-ea"/>
+              <a:ea typeface="+mj-ea"/>
+            </a:endParaRPr>
           </a:p>
           <a:p>
             <a:r>
@@ -5250,44 +5621,32 @@
               <a:t>　</a:t>
             </a:r>
             <a:r>
-              <a:rPr kumimoji="1" lang="ja-JP" altLang="en-US" sz="4800" dirty="0" smtClean="0"/>
-              <a:t>開発フローの</a:t>
-            </a:r>
-            <a:r>
-              <a:rPr kumimoji="1" lang="ja-JP" altLang="en-US" sz="6600" b="1" dirty="0" smtClean="0">
-                <a:solidFill>
-                  <a:srgbClr val="FF0000"/>
+              <a:rPr kumimoji="1" lang="ja-JP" altLang="en-US" sz="4000" dirty="0" smtClean="0"/>
+              <a:t>開発フロー</a:t>
+            </a:r>
+            <a:r>
+              <a:rPr kumimoji="1" lang="ja-JP" altLang="en-US" sz="3600" dirty="0" smtClean="0"/>
+              <a:t>の</a:t>
+            </a:r>
+            <a:r>
+              <a:rPr kumimoji="1" lang="ja-JP" altLang="en-US" sz="4000" dirty="0" smtClean="0">
+                <a:solidFill>
+                  <a:schemeClr val="tx1"/>
                 </a:solidFill>
               </a:rPr>
               <a:t>選択基準</a:t>
             </a:r>
             <a:r>
-              <a:rPr kumimoji="1" lang="ja-JP" altLang="en-US" sz="5400" b="1" dirty="0" smtClean="0">
-                <a:solidFill>
-                  <a:srgbClr val="FF0000"/>
-                </a:solidFill>
-              </a:rPr>
-              <a:t>を</a:t>
-            </a:r>
-            <a:r>
-              <a:rPr kumimoji="1" lang="ja-JP" altLang="en-US" sz="6600" b="1" dirty="0" smtClean="0">
-                <a:solidFill>
-                  <a:srgbClr val="FF0000"/>
-                </a:solidFill>
-              </a:rPr>
-              <a:t>明確</a:t>
-            </a:r>
-            <a:r>
-              <a:rPr kumimoji="1" lang="ja-JP" altLang="en-US" sz="5400" b="1" dirty="0" smtClean="0">
-                <a:solidFill>
-                  <a:srgbClr val="FF0000"/>
-                </a:solidFill>
-              </a:rPr>
-              <a:t>にする</a:t>
-            </a:r>
-            <a:endParaRPr kumimoji="1" lang="en-US" altLang="ja-JP" sz="5400" b="1" dirty="0" smtClean="0">
+              <a:rPr kumimoji="1" lang="ja-JP" altLang="en-US" sz="3600" dirty="0" smtClean="0">
+                <a:solidFill>
+                  <a:schemeClr val="tx1"/>
+                </a:solidFill>
+              </a:rPr>
+              <a:t>を提供する</a:t>
+            </a:r>
+            <a:endParaRPr kumimoji="1" lang="en-US" altLang="ja-JP" sz="3600" dirty="0" smtClean="0">
               <a:solidFill>
-                <a:srgbClr val="FF0000"/>
+                <a:schemeClr val="tx1"/>
               </a:solidFill>
             </a:endParaRPr>
           </a:p>
@@ -5301,7 +5660,7 @@
         </p:nvSpPr>
         <p:spPr>
           <a:xfrm>
-            <a:off x="11437723" y="18165657"/>
+            <a:off x="11433409" y="18013214"/>
             <a:ext cx="9192781" cy="9571851"/>
           </a:xfrm>
           <a:prstGeom prst="rect">
@@ -5309,7 +5668,7 @@
           </a:prstGeom>
           <a:ln>
             <a:solidFill>
-              <a:schemeClr val="accent4"/>
+              <a:schemeClr val="bg2"/>
             </a:solidFill>
           </a:ln>
         </p:spPr>
@@ -5334,10 +5693,16 @@
           <a:lstStyle/>
           <a:p>
             <a:r>
-              <a:rPr kumimoji="1" lang="ja-JP" altLang="en-US" b="1" dirty="0" smtClean="0"/>
+              <a:rPr kumimoji="1" lang="ja-JP" altLang="en-US" b="1" dirty="0" smtClean="0">
+                <a:latin typeface="+mj-ea"/>
+                <a:ea typeface="+mj-ea"/>
+              </a:rPr>
               <a:t>今後の計画</a:t>
             </a:r>
-            <a:endParaRPr kumimoji="1" lang="en-US" altLang="ja-JP" b="1" dirty="0" smtClean="0"/>
+            <a:endParaRPr kumimoji="1" lang="en-US" altLang="ja-JP" b="1" dirty="0" smtClean="0">
+              <a:latin typeface="+mj-ea"/>
+              <a:ea typeface="+mj-ea"/>
+            </a:endParaRPr>
           </a:p>
           <a:p>
             <a:r>
@@ -5373,146 +5738,139 @@
               <a:t>　　</a:t>
             </a:r>
             <a:r>
-              <a:rPr lang="ja-JP" altLang="en-US" sz="4800" dirty="0" smtClean="0">
-                <a:solidFill>
-                  <a:schemeClr val="accent4"/>
-                </a:solidFill>
-              </a:rPr>
+              <a:rPr lang="ja-JP" altLang="en-US" sz="4800" dirty="0" smtClean="0"/>
               <a:t> </a:t>
             </a:r>
             <a:r>
-              <a:rPr lang="en-US" altLang="ja-JP" sz="4800" dirty="0" smtClean="0">
-                <a:solidFill>
-                  <a:schemeClr val="accent4"/>
-                </a:solidFill>
-              </a:rPr>
+              <a:rPr lang="en-US" altLang="ja-JP" sz="4800" dirty="0" smtClean="0"/>
               <a:t>5</a:t>
             </a:r>
             <a:r>
-              <a:rPr lang="ja-JP" altLang="en-US" sz="4800" dirty="0" smtClean="0">
-                <a:solidFill>
-                  <a:schemeClr val="accent4"/>
-                </a:solidFill>
-              </a:rPr>
+              <a:rPr lang="ja-JP" altLang="en-US" sz="4800" dirty="0" smtClean="0"/>
               <a:t>人</a:t>
             </a:r>
             <a:r>
-              <a:rPr lang="ja-JP" altLang="en-US" sz="3600" dirty="0" smtClean="0">
-                <a:solidFill>
-                  <a:schemeClr val="accent4"/>
-                </a:solidFill>
-              </a:rPr>
+              <a:rPr lang="ja-JP" altLang="en-US" sz="3600" dirty="0" smtClean="0"/>
               <a:t>の</a:t>
             </a:r>
             <a:r>
-              <a:rPr lang="ja-JP" altLang="en-US" sz="4000" dirty="0" smtClean="0">
-                <a:solidFill>
-                  <a:schemeClr val="accent4"/>
-                </a:solidFill>
-              </a:rPr>
+              <a:rPr lang="ja-JP" altLang="en-US" sz="4000" dirty="0" smtClean="0"/>
               <a:t>場合</a:t>
             </a:r>
             <a:r>
-              <a:rPr lang="ja-JP" altLang="en-US" sz="4400" dirty="0">
-                <a:solidFill>
-                  <a:schemeClr val="accent4"/>
-                </a:solidFill>
-              </a:rPr>
+              <a:rPr lang="ja-JP" altLang="en-US" sz="4400" dirty="0"/>
               <a:t>　</a:t>
             </a:r>
             <a:r>
+              <a:rPr lang="ja-JP" altLang="en-US" sz="4400" dirty="0" smtClean="0"/>
+              <a:t>　　  </a:t>
+            </a:r>
+            <a:r>
+              <a:rPr lang="en-US" altLang="ja-JP" sz="4400" dirty="0" smtClean="0">
+                <a:solidFill>
+                  <a:schemeClr val="bg2"/>
+                </a:solidFill>
+              </a:rPr>
+              <a:t>GitHub</a:t>
+            </a:r>
+            <a:r>
               <a:rPr lang="ja-JP" altLang="en-US" sz="4400" dirty="0" smtClean="0">
                 <a:solidFill>
-                  <a:schemeClr val="accent4"/>
-                </a:solidFill>
-              </a:rPr>
-              <a:t>　　  </a:t>
+                  <a:schemeClr val="bg2"/>
+                </a:solidFill>
+              </a:rPr>
+              <a:t> </a:t>
             </a:r>
             <a:r>
               <a:rPr lang="en-US" altLang="ja-JP" sz="4400" dirty="0" smtClean="0">
                 <a:solidFill>
-                  <a:schemeClr val="accent4"/>
-                </a:solidFill>
-              </a:rPr>
-              <a:t>GitHub</a:t>
-            </a:r>
-            <a:r>
-              <a:rPr lang="ja-JP" altLang="en-US" sz="4400" dirty="0" smtClean="0">
-                <a:solidFill>
-                  <a:schemeClr val="accent4"/>
-                </a:solidFill>
-              </a:rPr>
-              <a:t> </a:t>
+                  <a:schemeClr val="bg2"/>
+                </a:solidFill>
+              </a:rPr>
+              <a:t>Flow</a:t>
+            </a:r>
+          </a:p>
+          <a:p>
+            <a:endParaRPr kumimoji="1" lang="en-US" altLang="ja-JP" sz="4400" dirty="0"/>
+          </a:p>
+          <a:p>
+            <a:r>
+              <a:rPr lang="ja-JP" altLang="en-US" sz="4400" dirty="0" smtClean="0"/>
+              <a:t>　　</a:t>
+            </a:r>
+            <a:r>
+              <a:rPr lang="en-US" altLang="ja-JP" sz="4800" dirty="0" smtClean="0"/>
+              <a:t>10</a:t>
+            </a:r>
+            <a:r>
+              <a:rPr lang="ja-JP" altLang="en-US" sz="4800" dirty="0" smtClean="0"/>
+              <a:t>人</a:t>
+            </a:r>
+            <a:r>
+              <a:rPr lang="ja-JP" altLang="en-US" sz="3600" dirty="0" smtClean="0"/>
+              <a:t>の</a:t>
+            </a:r>
+            <a:r>
+              <a:rPr lang="ja-JP" altLang="en-US" sz="4000" dirty="0" smtClean="0"/>
+              <a:t>場合　</a:t>
+            </a:r>
+            <a:r>
+              <a:rPr lang="ja-JP" altLang="en-US" sz="4400" dirty="0" smtClean="0"/>
+              <a:t>　　 </a:t>
+            </a:r>
+            <a:r>
+              <a:rPr lang="en-US" altLang="ja-JP" sz="4400" dirty="0" err="1" smtClean="0">
+                <a:solidFill>
+                  <a:schemeClr val="bg2"/>
+                </a:solidFill>
+              </a:rPr>
+              <a:t>Git</a:t>
             </a:r>
             <a:r>
               <a:rPr lang="en-US" altLang="ja-JP" sz="4400" dirty="0" smtClean="0">
                 <a:solidFill>
-                  <a:schemeClr val="accent4"/>
-                </a:solidFill>
-              </a:rPr>
-              <a:t>Flow</a:t>
-            </a:r>
-          </a:p>
-          <a:p>
-            <a:endParaRPr kumimoji="1" lang="en-US" altLang="ja-JP" sz="4400" dirty="0">
-              <a:solidFill>
-                <a:schemeClr val="accent4"/>
-              </a:solidFill>
-            </a:endParaRPr>
-          </a:p>
-          <a:p>
-            <a:r>
-              <a:rPr lang="ja-JP" altLang="en-US" sz="4400" dirty="0" smtClean="0">
-                <a:solidFill>
-                  <a:schemeClr val="accent4"/>
-                </a:solidFill>
-              </a:rPr>
+                  <a:schemeClr val="bg2"/>
+                </a:solidFill>
+              </a:rPr>
+              <a:t> Flow</a:t>
+            </a:r>
+          </a:p>
+          <a:p>
+            <a:endParaRPr kumimoji="1" lang="en-US" altLang="ja-JP" sz="4400" dirty="0"/>
+          </a:p>
+          <a:p>
+            <a:r>
+              <a:rPr lang="ja-JP" altLang="en-US" sz="4400" dirty="0" smtClean="0"/>
               <a:t>　　</a:t>
             </a:r>
             <a:r>
-              <a:rPr lang="en-US" altLang="ja-JP" sz="4800" dirty="0" smtClean="0">
-                <a:solidFill>
-                  <a:schemeClr val="accent4"/>
-                </a:solidFill>
-              </a:rPr>
-              <a:t>10</a:t>
-            </a:r>
-            <a:r>
-              <a:rPr lang="ja-JP" altLang="en-US" sz="4800" dirty="0" smtClean="0">
-                <a:solidFill>
-                  <a:schemeClr val="accent4"/>
-                </a:solidFill>
-              </a:rPr>
+              <a:rPr lang="en-US" altLang="ja-JP" sz="4800" dirty="0" smtClean="0"/>
+              <a:t>15</a:t>
+            </a:r>
+            <a:r>
+              <a:rPr lang="ja-JP" altLang="en-US" sz="4800" dirty="0" smtClean="0"/>
               <a:t>人</a:t>
             </a:r>
             <a:r>
-              <a:rPr lang="ja-JP" altLang="en-US" sz="3600" dirty="0" smtClean="0">
-                <a:solidFill>
-                  <a:schemeClr val="accent4"/>
-                </a:solidFill>
-              </a:rPr>
+              <a:rPr lang="ja-JP" altLang="en-US" sz="3600" dirty="0" smtClean="0"/>
               <a:t>の</a:t>
             </a:r>
             <a:r>
-              <a:rPr lang="ja-JP" altLang="en-US" sz="4000" dirty="0" smtClean="0">
-                <a:solidFill>
-                  <a:schemeClr val="accent4"/>
-                </a:solidFill>
-              </a:rPr>
-              <a:t>場合　</a:t>
-            </a:r>
-            <a:r>
-              <a:rPr lang="ja-JP" altLang="en-US" sz="4400" dirty="0" smtClean="0">
-                <a:solidFill>
-                  <a:schemeClr val="accent4"/>
-                </a:solidFill>
-              </a:rPr>
+              <a:rPr lang="ja-JP" altLang="en-US" sz="4000" dirty="0" smtClean="0"/>
+              <a:t>場合</a:t>
+            </a:r>
+            <a:r>
+              <a:rPr lang="ja-JP" altLang="en-US" sz="4400" dirty="0"/>
+              <a:t>　</a:t>
+            </a:r>
+            <a:r>
+              <a:rPr lang="ja-JP" altLang="en-US" sz="4400" dirty="0" smtClean="0"/>
               <a:t>　　 </a:t>
             </a:r>
             <a:r>
               <a:rPr lang="en-US" altLang="ja-JP" sz="4400" dirty="0" err="1" smtClean="0">
                 <a:solidFill>
-                  <a:schemeClr val="accent4"/>
+                  <a:schemeClr val="bg2"/>
                 </a:solidFill>
               </a:rPr>
               <a:t>Git</a:t>
@@ -5520,170 +5878,53 @@
             <a:r>
               <a:rPr lang="en-US" altLang="ja-JP" sz="4400" dirty="0" smtClean="0">
                 <a:solidFill>
-                  <a:schemeClr val="accent4"/>
+                  <a:schemeClr val="bg2"/>
                 </a:solidFill>
               </a:rPr>
               <a:t> Flow</a:t>
             </a:r>
           </a:p>
           <a:p>
-            <a:endParaRPr kumimoji="1" lang="en-US" altLang="ja-JP" sz="4400" dirty="0">
-              <a:solidFill>
-                <a:schemeClr val="accent4"/>
-              </a:solidFill>
-            </a:endParaRPr>
-          </a:p>
-          <a:p>
-            <a:r>
-              <a:rPr lang="ja-JP" altLang="en-US" sz="4400" dirty="0" smtClean="0">
-                <a:solidFill>
-                  <a:schemeClr val="accent4"/>
-                </a:solidFill>
-              </a:rPr>
+            <a:endParaRPr kumimoji="1" lang="en-US" altLang="ja-JP" sz="4400" dirty="0"/>
+          </a:p>
+          <a:p>
+            <a:r>
+              <a:rPr lang="ja-JP" altLang="en-US" sz="4400" dirty="0" smtClean="0"/>
               <a:t>　　</a:t>
             </a:r>
             <a:r>
-              <a:rPr lang="en-US" altLang="ja-JP" sz="4800" dirty="0" smtClean="0">
-                <a:solidFill>
-                  <a:schemeClr val="accent4"/>
-                </a:solidFill>
-              </a:rPr>
-              <a:t>15</a:t>
-            </a:r>
-            <a:r>
-              <a:rPr lang="ja-JP" altLang="en-US" sz="4800" dirty="0" smtClean="0">
-                <a:solidFill>
-                  <a:schemeClr val="accent4"/>
-                </a:solidFill>
-              </a:rPr>
+              <a:rPr lang="en-US" altLang="ja-JP" sz="4800" dirty="0" smtClean="0"/>
+              <a:t>20</a:t>
+            </a:r>
+            <a:r>
+              <a:rPr lang="ja-JP" altLang="en-US" sz="4800" dirty="0" smtClean="0"/>
               <a:t>人</a:t>
             </a:r>
             <a:r>
-              <a:rPr lang="ja-JP" altLang="en-US" sz="3600" dirty="0" smtClean="0">
-                <a:solidFill>
-                  <a:schemeClr val="accent4"/>
-                </a:solidFill>
-              </a:rPr>
+              <a:rPr lang="ja-JP" altLang="en-US" sz="3600" dirty="0" smtClean="0"/>
               <a:t>の</a:t>
             </a:r>
             <a:r>
-              <a:rPr lang="ja-JP" altLang="en-US" sz="4000" dirty="0" smtClean="0">
-                <a:solidFill>
-                  <a:schemeClr val="accent4"/>
-                </a:solidFill>
-              </a:rPr>
+              <a:rPr lang="ja-JP" altLang="en-US" sz="4000" dirty="0" smtClean="0"/>
               <a:t>場合</a:t>
             </a:r>
             <a:r>
-              <a:rPr lang="ja-JP" altLang="en-US" sz="4400" dirty="0">
-                <a:solidFill>
-                  <a:schemeClr val="accent4"/>
-                </a:solidFill>
-              </a:rPr>
+              <a:rPr lang="ja-JP" altLang="en-US" sz="4400" dirty="0"/>
               <a:t>　</a:t>
             </a:r>
             <a:r>
-              <a:rPr lang="ja-JP" altLang="en-US" sz="4400" dirty="0" smtClean="0">
-                <a:solidFill>
-                  <a:schemeClr val="accent4"/>
-                </a:solidFill>
-              </a:rPr>
+              <a:rPr lang="ja-JP" altLang="en-US" sz="4400" dirty="0" smtClean="0"/>
               <a:t>　　 </a:t>
             </a:r>
             <a:r>
-              <a:rPr lang="en-US" altLang="ja-JP" sz="4400" dirty="0" err="1" smtClean="0">
-                <a:solidFill>
-                  <a:schemeClr val="accent4"/>
-                </a:solidFill>
-              </a:rPr>
-              <a:t>Git</a:t>
-            </a:r>
-            <a:r>
               <a:rPr lang="en-US" altLang="ja-JP" sz="4400" dirty="0" smtClean="0">
                 <a:solidFill>
-                  <a:schemeClr val="accent4"/>
-                </a:solidFill>
-              </a:rPr>
-              <a:t> Flow</a:t>
-            </a:r>
-          </a:p>
-          <a:p>
-            <a:endParaRPr kumimoji="1" lang="en-US" altLang="ja-JP" sz="4400" dirty="0">
-              <a:solidFill>
-                <a:schemeClr val="accent4"/>
-              </a:solidFill>
-            </a:endParaRPr>
-          </a:p>
-          <a:p>
-            <a:r>
-              <a:rPr lang="ja-JP" altLang="en-US" sz="4400" dirty="0" smtClean="0">
-                <a:solidFill>
-                  <a:schemeClr val="accent4"/>
-                </a:solidFill>
-              </a:rPr>
-              <a:t>　　</a:t>
-            </a:r>
-            <a:r>
-              <a:rPr lang="en-US" altLang="ja-JP" sz="4800" dirty="0" smtClean="0">
-                <a:solidFill>
-                  <a:schemeClr val="accent4"/>
-                </a:solidFill>
-              </a:rPr>
-              <a:t>20</a:t>
-            </a:r>
-            <a:r>
-              <a:rPr lang="ja-JP" altLang="en-US" sz="4800" dirty="0" smtClean="0">
-                <a:solidFill>
-                  <a:schemeClr val="accent4"/>
-                </a:solidFill>
-              </a:rPr>
-              <a:t>人</a:t>
-            </a:r>
-            <a:r>
-              <a:rPr lang="ja-JP" altLang="en-US" sz="3600" dirty="0" smtClean="0">
-                <a:solidFill>
-                  <a:schemeClr val="accent4"/>
-                </a:solidFill>
-              </a:rPr>
-              <a:t>の</a:t>
-            </a:r>
-            <a:r>
-              <a:rPr lang="ja-JP" altLang="en-US" sz="4000" dirty="0" smtClean="0">
-                <a:solidFill>
-                  <a:schemeClr val="accent4"/>
-                </a:solidFill>
-              </a:rPr>
-              <a:t>場合</a:t>
-            </a:r>
-            <a:r>
-              <a:rPr lang="ja-JP" altLang="en-US" sz="4400" dirty="0">
-                <a:solidFill>
-                  <a:schemeClr val="accent4"/>
-                </a:solidFill>
-              </a:rPr>
-              <a:t>　</a:t>
-            </a:r>
-            <a:r>
-              <a:rPr lang="ja-JP" altLang="en-US" sz="4400" dirty="0" smtClean="0">
-                <a:solidFill>
-                  <a:schemeClr val="accent4"/>
-                </a:solidFill>
-              </a:rPr>
-              <a:t>　　 </a:t>
-            </a:r>
-            <a:r>
-              <a:rPr lang="en-US" altLang="ja-JP" sz="4400" dirty="0" smtClean="0">
-                <a:solidFill>
-                  <a:schemeClr val="accent4"/>
+                  <a:schemeClr val="bg2"/>
                 </a:solidFill>
               </a:rPr>
               <a:t>GitHub Flow</a:t>
             </a:r>
-            <a:endParaRPr lang="en-US" altLang="ja-JP" sz="5400" dirty="0">
-              <a:solidFill>
-                <a:schemeClr val="accent4"/>
-              </a:solidFill>
-            </a:endParaRPr>
+            <a:endParaRPr lang="en-US" altLang="ja-JP" sz="5400" dirty="0"/>
           </a:p>
           <a:p>
             <a:endParaRPr kumimoji="1" lang="en-US" altLang="ja-JP" sz="4400" dirty="0" smtClean="0"/>
@@ -5708,7 +5949,7 @@
             </a:avLst>
           </a:prstGeom>
           <a:solidFill>
-            <a:schemeClr val="accent1"/>
+            <a:schemeClr val="accent2"/>
           </a:solidFill>
         </p:spPr>
         <p:style>
@@ -5742,20 +5983,20 @@
       </p:sp>
       <p:sp>
         <p:nvSpPr>
-          <p:cNvPr id="29" name="爆発 1 28"/>
+          <p:cNvPr id="30" name="爆発 1 29"/>
           <p:cNvSpPr/>
           <p:nvPr/>
         </p:nvSpPr>
         <p:spPr>
-          <a:xfrm rot="21434109">
-            <a:off x="960365" y="7348986"/>
-            <a:ext cx="5029865" cy="2653833"/>
+          <a:xfrm>
+            <a:off x="7597056" y="7318993"/>
+            <a:ext cx="5257982" cy="2971395"/>
           </a:xfrm>
           <a:prstGeom prst="irregularSeal1">
             <a:avLst/>
           </a:prstGeom>
           <a:solidFill>
-            <a:srgbClr val="FF0000"/>
+            <a:schemeClr val="bg2"/>
           </a:solidFill>
         </p:spPr>
         <p:style>
@@ -5780,53 +6021,93 @@
           <a:p>
             <a:pPr algn="ctr"/>
             <a:r>
-              <a:rPr kumimoji="1" lang="ja-JP" altLang="en-US" sz="2800" b="1" dirty="0" smtClean="0">
+              <a:rPr lang="ja-JP" altLang="en-US" sz="3200" b="1" dirty="0" smtClean="0">
                 <a:solidFill>
                   <a:schemeClr val="tx1"/>
                 </a:solidFill>
-              </a:rPr>
-              <a:t>学習コストが</a:t>
-            </a:r>
-            <a:endParaRPr kumimoji="1" lang="en-US" altLang="ja-JP" sz="2800" b="1" dirty="0" smtClean="0">
+                <a:latin typeface="+mn-ea"/>
+              </a:rPr>
+              <a:t>管理がしづらい</a:t>
+            </a:r>
+            <a:endParaRPr kumimoji="1" lang="ja-JP" altLang="en-US" sz="3200" b="1" dirty="0">
               <a:solidFill>
                 <a:schemeClr val="tx1"/>
               </a:solidFill>
+              <a:latin typeface="+mn-ea"/>
             </a:endParaRPr>
           </a:p>
-          <a:p>
-            <a:pPr algn="ctr"/>
-            <a:r>
-              <a:rPr kumimoji="1" lang="ja-JP" altLang="en-US" sz="2800" b="1" dirty="0" smtClean="0">
-                <a:solidFill>
-                  <a:schemeClr val="tx1"/>
-                </a:solidFill>
-              </a:rPr>
-              <a:t>かかりすぎる</a:t>
-            </a:r>
-            <a:endParaRPr kumimoji="1" lang="ja-JP" altLang="en-US" sz="2800" b="1" dirty="0">
-              <a:solidFill>
-                <a:schemeClr val="tx1"/>
-              </a:solidFill>
-            </a:endParaRPr>
-          </a:p>
-        </p:txBody>
-      </p:sp>
-      <p:sp>
-        <p:nvSpPr>
-          <p:cNvPr id="30" name="爆発 1 29"/>
+        </p:txBody>
+      </p:sp>
+      <p:pic>
+        <p:nvPicPr>
+          <p:cNvPr id="37" name="図 36"/>
+          <p:cNvPicPr>
+            <a:picLocks noChangeAspect="1"/>
+          </p:cNvPicPr>
+          <p:nvPr/>
+        </p:nvPicPr>
+        <p:blipFill>
+          <a:blip r:embed="rId2"/>
+          <a:stretch>
+            <a:fillRect/>
+          </a:stretch>
+        </p:blipFill>
+        <p:spPr>
+          <a:xfrm>
+            <a:off x="978668" y="21397311"/>
+            <a:ext cx="7856709" cy="5768288"/>
+          </a:xfrm>
+          <a:prstGeom prst="rect">
+            <a:avLst/>
+          </a:prstGeom>
+        </p:spPr>
+      </p:pic>
+      <p:sp>
+        <p:nvSpPr>
+          <p:cNvPr id="38" name="テキスト ボックス 37"/>
+          <p:cNvSpPr txBox="1"/>
+          <p:nvPr/>
+        </p:nvSpPr>
+        <p:spPr>
+          <a:xfrm>
+            <a:off x="15235686" y="21397311"/>
+            <a:ext cx="7068785" cy="5386090"/>
+          </a:xfrm>
+          <a:prstGeom prst="rect">
+            <a:avLst/>
+          </a:prstGeom>
+          <a:noFill/>
+        </p:spPr>
+        <p:txBody>
+          <a:bodyPr wrap="square" rtlCol="0">
+            <a:spAutoFit/>
+          </a:bodyPr>
+          <a:lstStyle/>
+          <a:p>
+            <a:r>
+              <a:rPr kumimoji="1" lang="ja-JP" altLang="en-US" sz="34400" b="1" dirty="0" smtClean="0"/>
+              <a:t>？</a:t>
+            </a:r>
+            <a:endParaRPr kumimoji="1" lang="ja-JP" altLang="en-US" b="1" dirty="0"/>
+          </a:p>
+        </p:txBody>
+      </p:sp>
+      <p:sp>
+        <p:nvSpPr>
+          <p:cNvPr id="17" name="爆発 1 16"/>
           <p:cNvSpPr/>
           <p:nvPr/>
         </p:nvSpPr>
         <p:spPr>
           <a:xfrm>
-            <a:off x="6588944" y="7229218"/>
-            <a:ext cx="5541790" cy="2843391"/>
+            <a:off x="1675893" y="7318993"/>
+            <a:ext cx="4605686" cy="2971395"/>
           </a:xfrm>
           <a:prstGeom prst="irregularSeal1">
             <a:avLst/>
           </a:prstGeom>
           <a:solidFill>
-            <a:srgbClr val="FF0000"/>
+            <a:schemeClr val="bg2"/>
           </a:solidFill>
         </p:spPr>
         <p:style>
@@ -5851,99 +6132,216 @@
           <a:p>
             <a:pPr algn="ctr"/>
             <a:r>
-              <a:rPr lang="ja-JP" altLang="en-US" sz="2800" dirty="0" smtClean="0">
+              <a:rPr lang="ja-JP" altLang="en-US" sz="3200" b="1" dirty="0" smtClean="0">
                 <a:solidFill>
                   <a:schemeClr val="tx1"/>
                 </a:solidFill>
-              </a:rPr>
-              <a:t>管理がしづらい</a:t>
-            </a:r>
-            <a:endParaRPr kumimoji="1" lang="ja-JP" altLang="en-US" sz="2800" dirty="0">
+                <a:latin typeface="+mn-ea"/>
+              </a:rPr>
+              <a:t>学習コストがかかりすぎる</a:t>
+            </a:r>
+            <a:endParaRPr kumimoji="1" lang="ja-JP" altLang="en-US" sz="3200" b="1" dirty="0">
               <a:solidFill>
                 <a:schemeClr val="tx1"/>
               </a:solidFill>
+              <a:latin typeface="+mn-ea"/>
             </a:endParaRPr>
+          </a:p>
+        </p:txBody>
+      </p:sp>
+      <p:sp>
+        <p:nvSpPr>
+          <p:cNvPr id="4" name="正方形/長方形 3"/>
+          <p:cNvSpPr/>
+          <p:nvPr/>
+        </p:nvSpPr>
+        <p:spPr>
+          <a:xfrm>
+            <a:off x="1675893" y="22617153"/>
+            <a:ext cx="1584176" cy="363975"/>
+          </a:xfrm>
+          <a:prstGeom prst="rect">
+            <a:avLst/>
+          </a:prstGeom>
+          <a:solidFill>
+            <a:schemeClr val="bg1"/>
+          </a:solidFill>
+          <a:ln>
+            <a:solidFill>
+              <a:schemeClr val="bg1"/>
+            </a:solidFill>
+          </a:ln>
+        </p:spPr>
+        <p:style>
+          <a:lnRef idx="2">
+            <a:schemeClr val="accent1">
+              <a:shade val="50000"/>
+            </a:schemeClr>
+          </a:lnRef>
+          <a:fillRef idx="1">
+            <a:schemeClr val="accent1"/>
+          </a:fillRef>
+          <a:effectRef idx="0">
+            <a:schemeClr val="accent1"/>
+          </a:effectRef>
+          <a:fontRef idx="minor">
+            <a:schemeClr val="lt1"/>
+          </a:fontRef>
+        </p:style>
+        <p:txBody>
+          <a:bodyPr rtlCol="0" anchor="ctr"/>
+          <a:lstStyle/>
+          <a:p>
+            <a:pPr algn="ctr"/>
+            <a:endParaRPr kumimoji="1" lang="ja-JP" altLang="en-US"/>
+          </a:p>
+        </p:txBody>
+      </p:sp>
+      <p:sp>
+        <p:nvSpPr>
+          <p:cNvPr id="2" name="テキスト ボックス 1"/>
+          <p:cNvSpPr txBox="1"/>
+          <p:nvPr/>
+        </p:nvSpPr>
+        <p:spPr>
+          <a:xfrm>
+            <a:off x="1570727" y="22545043"/>
+            <a:ext cx="1973266" cy="584775"/>
+          </a:xfrm>
+          <a:prstGeom prst="rect">
+            <a:avLst/>
+          </a:prstGeom>
+          <a:noFill/>
+        </p:spPr>
+        <p:txBody>
+          <a:bodyPr wrap="square" rtlCol="0">
+            <a:spAutoFit/>
+          </a:bodyPr>
+          <a:lstStyle/>
+          <a:p>
+            <a:r>
+              <a:rPr kumimoji="1" lang="en-US" altLang="ja-JP" sz="3200" b="1" dirty="0" smtClean="0"/>
+              <a:t>21</a:t>
+            </a:r>
+            <a:r>
+              <a:rPr kumimoji="1" lang="ja-JP" altLang="en-US" sz="3200" b="1" dirty="0" smtClean="0"/>
+              <a:t>人以下</a:t>
+            </a:r>
+            <a:endParaRPr kumimoji="1" lang="ja-JP" altLang="en-US" sz="3200" b="1" dirty="0"/>
+          </a:p>
+        </p:txBody>
+      </p:sp>
+      <p:sp>
+        <p:nvSpPr>
+          <p:cNvPr id="20" name="正方形/長方形 19"/>
+          <p:cNvSpPr/>
+          <p:nvPr/>
+        </p:nvSpPr>
+        <p:spPr>
+          <a:xfrm>
+            <a:off x="3513156" y="22617153"/>
+            <a:ext cx="1584176" cy="363975"/>
+          </a:xfrm>
+          <a:prstGeom prst="rect">
+            <a:avLst/>
+          </a:prstGeom>
+          <a:solidFill>
+            <a:schemeClr val="bg1"/>
+          </a:solidFill>
+          <a:ln>
+            <a:solidFill>
+              <a:schemeClr val="bg1"/>
+            </a:solidFill>
+          </a:ln>
+        </p:spPr>
+        <p:style>
+          <a:lnRef idx="2">
+            <a:schemeClr val="accent1">
+              <a:shade val="50000"/>
+            </a:schemeClr>
+          </a:lnRef>
+          <a:fillRef idx="1">
+            <a:schemeClr val="accent1"/>
+          </a:fillRef>
+          <a:effectRef idx="0">
+            <a:schemeClr val="accent1"/>
+          </a:effectRef>
+          <a:fontRef idx="minor">
+            <a:schemeClr val="lt1"/>
+          </a:fontRef>
+        </p:style>
+        <p:txBody>
+          <a:bodyPr rtlCol="0" anchor="ctr"/>
+          <a:lstStyle/>
+          <a:p>
+            <a:pPr algn="ctr"/>
+            <a:endParaRPr kumimoji="1" lang="ja-JP" altLang="en-US"/>
+          </a:p>
+        </p:txBody>
+      </p:sp>
+      <p:sp>
+        <p:nvSpPr>
+          <p:cNvPr id="21" name="テキスト ボックス 20"/>
+          <p:cNvSpPr txBox="1"/>
+          <p:nvPr/>
+        </p:nvSpPr>
+        <p:spPr>
+          <a:xfrm>
+            <a:off x="3403709" y="22545042"/>
+            <a:ext cx="1857317" cy="584775"/>
+          </a:xfrm>
+          <a:prstGeom prst="rect">
+            <a:avLst/>
+          </a:prstGeom>
+          <a:noFill/>
+        </p:spPr>
+        <p:txBody>
+          <a:bodyPr wrap="square" rtlCol="0">
+            <a:spAutoFit/>
+          </a:bodyPr>
+          <a:lstStyle/>
+          <a:p>
+            <a:r>
+              <a:rPr kumimoji="1" lang="en-US" altLang="ja-JP" sz="3200" b="1" dirty="0" smtClean="0"/>
+              <a:t>22</a:t>
+            </a:r>
+            <a:r>
+              <a:rPr kumimoji="1" lang="ja-JP" altLang="en-US" sz="3200" b="1" dirty="0" smtClean="0"/>
+              <a:t>人以上</a:t>
+            </a:r>
+            <a:endParaRPr kumimoji="1" lang="ja-JP" altLang="en-US" sz="3200" b="1" dirty="0"/>
           </a:p>
         </p:txBody>
       </p:sp>
       <p:pic>
         <p:nvPicPr>
-          <p:cNvPr id="7" name="図 6"/>
+          <p:cNvPr id="15" name="図 14"/>
           <p:cNvPicPr>
             <a:picLocks noChangeAspect="1"/>
           </p:cNvPicPr>
           <p:nvPr/>
         </p:nvPicPr>
-        <p:blipFill>
-          <a:blip r:embed="rId2"/>
-          <a:stretch>
-            <a:fillRect/>
-          </a:stretch>
+        <p:blipFill rotWithShape="1">
+          <a:blip r:embed="rId3">
+            <a:extLst>
+              <a:ext uri="{28A0092B-C50C-407E-A947-70E740481C1C}">
+                <a14:useLocalDpi xmlns:a14="http://schemas.microsoft.com/office/drawing/2010/main" val="0"/>
+              </a:ext>
+            </a:extLst>
+          </a:blip>
+          <a:srcRect l="4351" t="3569" r="66165" b="76214"/>
+          <a:stretch/>
         </p:blipFill>
         <p:spPr>
           <a:xfrm>
-            <a:off x="15373920" y="4781464"/>
-            <a:ext cx="4737766" cy="7693938"/>
+            <a:off x="13533290" y="4458893"/>
+            <a:ext cx="6912768" cy="7707772"/>
           </a:xfrm>
           <a:prstGeom prst="rect">
             <a:avLst/>
           </a:prstGeom>
         </p:spPr>
       </p:pic>
-      <p:pic>
-        <p:nvPicPr>
-          <p:cNvPr id="37" name="図 36"/>
-          <p:cNvPicPr>
-            <a:picLocks noChangeAspect="1"/>
-          </p:cNvPicPr>
-          <p:nvPr/>
-        </p:nvPicPr>
-        <p:blipFill>
-          <a:blip r:embed="rId3"/>
-          <a:stretch>
-            <a:fillRect/>
-          </a:stretch>
-        </p:blipFill>
-        <p:spPr>
-          <a:xfrm>
-            <a:off x="978668" y="21397311"/>
-            <a:ext cx="7856709" cy="5768288"/>
-          </a:xfrm>
-          <a:prstGeom prst="rect">
-            <a:avLst/>
-          </a:prstGeom>
-        </p:spPr>
-      </p:pic>
-      <p:sp>
-        <p:nvSpPr>
-          <p:cNvPr id="38" name="テキスト ボックス 37"/>
-          <p:cNvSpPr txBox="1"/>
-          <p:nvPr/>
-        </p:nvSpPr>
-        <p:spPr>
-          <a:xfrm>
-            <a:off x="13025437" y="21397311"/>
-            <a:ext cx="7068785" cy="5386090"/>
-          </a:xfrm>
-          <a:prstGeom prst="rect">
-            <a:avLst/>
-          </a:prstGeom>
-          <a:noFill/>
-        </p:spPr>
-        <p:txBody>
-          <a:bodyPr wrap="square" rtlCol="0">
-            <a:spAutoFit/>
-          </a:bodyPr>
-          <a:lstStyle/>
-          <a:p>
-            <a:r>
-              <a:rPr kumimoji="1" lang="ja-JP" altLang="en-US" sz="34400" b="1" dirty="0" smtClean="0"/>
-              <a:t>？</a:t>
-            </a:r>
-            <a:endParaRPr kumimoji="1" lang="ja-JP" altLang="en-US" b="1" dirty="0"/>
-          </a:p>
-        </p:txBody>
-      </p:sp>
     </p:spTree>
     <p:extLst>
       <p:ext uri="{BB962C8B-B14F-4D97-AF65-F5344CB8AC3E}">
@@ -5964,10 +6362,1477 @@
 </p:sld>
 </file>
 
+<file path=ppt/slides/slide2.xml><?xml version="1.0" encoding="utf-8"?>
+<p:sld xmlns:a="http://schemas.openxmlformats.org/drawingml/2006/main" xmlns:r="http://schemas.openxmlformats.org/officeDocument/2006/relationships" xmlns:p="http://schemas.openxmlformats.org/presentationml/2006/main">
+  <p:cSld>
+    <p:spTree>
+      <p:nvGrpSpPr>
+        <p:cNvPr id="1" name=""/>
+        <p:cNvGrpSpPr/>
+        <p:nvPr/>
+      </p:nvGrpSpPr>
+      <p:grpSpPr>
+        <a:xfrm>
+          <a:off x="0" y="0"/>
+          <a:ext cx="0" cy="0"/>
+          <a:chOff x="0" y="0"/>
+          <a:chExt cx="0" cy="0"/>
+        </a:xfrm>
+      </p:grpSpPr>
+      <p:sp>
+        <p:nvSpPr>
+          <p:cNvPr id="3" name="テキスト ボックス 2"/>
+          <p:cNvSpPr txBox="1"/>
+          <p:nvPr/>
+        </p:nvSpPr>
+        <p:spPr>
+          <a:xfrm flipH="1">
+            <a:off x="558544" y="432370"/>
+            <a:ext cx="20431999" cy="4324261"/>
+          </a:xfrm>
+          <a:prstGeom prst="rect">
+            <a:avLst/>
+          </a:prstGeom>
+          <a:noFill/>
+        </p:spPr>
+        <p:txBody>
+          <a:bodyPr wrap="square" rtlCol="0">
+            <a:spAutoFit/>
+          </a:bodyPr>
+          <a:lstStyle/>
+          <a:p>
+            <a:r>
+              <a:rPr lang="en-US" altLang="ja-JP" sz="8800" dirty="0"/>
+              <a:t>GitHub</a:t>
+            </a:r>
+            <a:r>
+              <a:rPr lang="ja-JP" altLang="en-US" sz="8800" dirty="0"/>
+              <a:t>における開発フローの判別</a:t>
+            </a:r>
+            <a:r>
+              <a:rPr lang="ja-JP" altLang="en-US" sz="8800" dirty="0" smtClean="0"/>
+              <a:t>分析</a:t>
+            </a:r>
+            <a:endParaRPr lang="en-US" altLang="ja-JP" sz="8800" dirty="0" smtClean="0"/>
+          </a:p>
+          <a:p>
+            <a:pPr algn="r"/>
+            <a:r>
+              <a:rPr lang="ja-JP" altLang="en-US" sz="7200" dirty="0" smtClean="0">
+                <a:ln w="0"/>
+              </a:rPr>
+              <a:t>矢吹</a:t>
+            </a:r>
+            <a:r>
+              <a:rPr lang="ja-JP" altLang="en-US" sz="7200" dirty="0">
+                <a:ln w="0"/>
+              </a:rPr>
+              <a:t>研究室　</a:t>
+            </a:r>
+            <a:r>
+              <a:rPr lang="en-US" altLang="ja-JP" sz="7200" dirty="0">
+                <a:ln w="0"/>
+              </a:rPr>
+              <a:t>1242132</a:t>
+            </a:r>
+            <a:r>
+              <a:rPr lang="ja-JP" altLang="ja-JP" sz="7200" dirty="0">
+                <a:ln w="0"/>
+              </a:rPr>
+              <a:t>　</a:t>
+            </a:r>
+            <a:r>
+              <a:rPr lang="ja-JP" altLang="en-US" sz="7200" dirty="0">
+                <a:ln w="0"/>
+              </a:rPr>
+              <a:t>若月純</a:t>
+            </a:r>
+          </a:p>
+          <a:p>
+            <a:endParaRPr kumimoji="1" lang="ja-JP" altLang="en-US" sz="11500" dirty="0"/>
+          </a:p>
+        </p:txBody>
+      </p:sp>
+      <p:sp>
+        <p:nvSpPr>
+          <p:cNvPr id="16" name="正方形/長方形 15"/>
+          <p:cNvSpPr/>
+          <p:nvPr/>
+        </p:nvSpPr>
+        <p:spPr>
+          <a:xfrm>
+            <a:off x="14928149" y="4781463"/>
+            <a:ext cx="5486331" cy="7707041"/>
+          </a:xfrm>
+          <a:prstGeom prst="rect">
+            <a:avLst/>
+          </a:prstGeom>
+          <a:solidFill>
+            <a:schemeClr val="bg1"/>
+          </a:solidFill>
+          <a:ln>
+            <a:solidFill>
+              <a:schemeClr val="bg1"/>
+            </a:solidFill>
+          </a:ln>
+        </p:spPr>
+        <p:style>
+          <a:lnRef idx="2">
+            <a:schemeClr val="accent1">
+              <a:shade val="50000"/>
+            </a:schemeClr>
+          </a:lnRef>
+          <a:fillRef idx="1002">
+            <a:schemeClr val="lt2"/>
+          </a:fillRef>
+          <a:effectRef idx="0">
+            <a:schemeClr val="accent1"/>
+          </a:effectRef>
+          <a:fontRef idx="minor">
+            <a:schemeClr val="lt1"/>
+          </a:fontRef>
+        </p:style>
+        <p:txBody>
+          <a:bodyPr rtlCol="0" anchor="ctr"/>
+          <a:lstStyle/>
+          <a:p>
+            <a:pPr algn="ctr"/>
+            <a:endParaRPr kumimoji="1" lang="ja-JP" altLang="en-US"/>
+          </a:p>
+        </p:txBody>
+      </p:sp>
+      <p:sp>
+        <p:nvSpPr>
+          <p:cNvPr id="14" name="テキスト ボックス 13"/>
+          <p:cNvSpPr txBox="1"/>
+          <p:nvPr/>
+        </p:nvSpPr>
+        <p:spPr>
+          <a:xfrm>
+            <a:off x="13353158" y="3619352"/>
+            <a:ext cx="7273032" cy="9017853"/>
+          </a:xfrm>
+          <a:prstGeom prst="rect">
+            <a:avLst/>
+          </a:prstGeom>
+          <a:ln>
+            <a:solidFill>
+              <a:schemeClr val="bg2"/>
+            </a:solidFill>
+          </a:ln>
+        </p:spPr>
+        <p:style>
+          <a:lnRef idx="2">
+            <a:schemeClr val="dk1"/>
+          </a:lnRef>
+          <a:fillRef idx="1">
+            <a:schemeClr val="lt1"/>
+          </a:fillRef>
+          <a:effectRef idx="0">
+            <a:schemeClr val="dk1"/>
+          </a:effectRef>
+          <a:fontRef idx="minor">
+            <a:schemeClr val="dk1"/>
+          </a:fontRef>
+        </p:style>
+        <p:txBody>
+          <a:bodyPr wrap="square" rtlCol="0">
+            <a:spAutoFit/>
+          </a:bodyPr>
+          <a:lstStyle/>
+          <a:p>
+            <a:r>
+              <a:rPr kumimoji="1" lang="ja-JP" altLang="en-US" b="1" dirty="0" smtClean="0"/>
+              <a:t>フローの例</a:t>
+            </a:r>
+            <a:endParaRPr kumimoji="1" lang="en-US" altLang="ja-JP" b="1" dirty="0" smtClean="0"/>
+          </a:p>
+          <a:p>
+            <a:r>
+              <a:rPr lang="ja-JP" altLang="en-US" sz="4000" b="1" dirty="0" smtClean="0"/>
+              <a:t>　着替えの場合</a:t>
+            </a:r>
+            <a:endParaRPr lang="en-US" altLang="ja-JP" sz="4000" b="1" dirty="0" smtClean="0"/>
+          </a:p>
+          <a:p>
+            <a:endParaRPr lang="en-US" altLang="ja-JP" sz="4000" b="1" dirty="0"/>
+          </a:p>
+          <a:p>
+            <a:endParaRPr kumimoji="1" lang="en-US" altLang="ja-JP" b="1" dirty="0" smtClean="0"/>
+          </a:p>
+          <a:p>
+            <a:endParaRPr lang="en-US" altLang="ja-JP" sz="5400" b="1" dirty="0"/>
+          </a:p>
+          <a:p>
+            <a:endParaRPr kumimoji="1" lang="en-US" altLang="ja-JP" sz="5400" b="1" dirty="0" smtClean="0"/>
+          </a:p>
+          <a:p>
+            <a:endParaRPr lang="en-US" altLang="ja-JP" b="1" dirty="0"/>
+          </a:p>
+          <a:p>
+            <a:endParaRPr lang="en-US" altLang="ja-JP" b="1" dirty="0"/>
+          </a:p>
+          <a:p>
+            <a:endParaRPr kumimoji="1" lang="en-US" altLang="ja-JP" sz="4400" b="1" dirty="0" smtClean="0"/>
+          </a:p>
+          <a:p>
+            <a:endParaRPr kumimoji="1" lang="en-US" altLang="ja-JP" b="1" dirty="0" smtClean="0"/>
+          </a:p>
+          <a:p>
+            <a:endParaRPr kumimoji="1" lang="ja-JP" altLang="en-US" b="1" dirty="0"/>
+          </a:p>
+        </p:txBody>
+      </p:sp>
+      <p:sp>
+        <p:nvSpPr>
+          <p:cNvPr id="11" name="テキスト ボックス 10"/>
+          <p:cNvSpPr txBox="1"/>
+          <p:nvPr/>
+        </p:nvSpPr>
+        <p:spPr>
+          <a:xfrm>
+            <a:off x="592149" y="18013214"/>
+            <a:ext cx="9162979" cy="8648521"/>
+          </a:xfrm>
+          <a:prstGeom prst="rect">
+            <a:avLst/>
+          </a:prstGeom>
+          <a:ln>
+            <a:solidFill>
+              <a:schemeClr val="bg2"/>
+            </a:solidFill>
+          </a:ln>
+        </p:spPr>
+        <p:style>
+          <a:lnRef idx="2">
+            <a:schemeClr val="dk1"/>
+          </a:lnRef>
+          <a:fillRef idx="1">
+            <a:schemeClr val="lt1"/>
+          </a:fillRef>
+          <a:effectRef idx="0">
+            <a:schemeClr val="dk1"/>
+          </a:effectRef>
+          <a:fontRef idx="minor">
+            <a:schemeClr val="dk1"/>
+          </a:fontRef>
+        </p:style>
+        <p:txBody>
+          <a:bodyPr wrap="square" rtlCol="0">
+            <a:spAutoFit/>
+          </a:bodyPr>
+          <a:lstStyle/>
+          <a:p>
+            <a:r>
+              <a:rPr kumimoji="1" lang="ja-JP" altLang="en-US" b="1" dirty="0" smtClean="0">
+                <a:latin typeface="+mj-ea"/>
+                <a:ea typeface="+mj-ea"/>
+              </a:rPr>
+              <a:t>現在の進捗状況</a:t>
+            </a:r>
+            <a:endParaRPr kumimoji="1" lang="en-US" altLang="ja-JP" b="1" dirty="0" smtClean="0">
+              <a:latin typeface="+mj-ea"/>
+              <a:ea typeface="+mj-ea"/>
+            </a:endParaRPr>
+          </a:p>
+          <a:p>
+            <a:r>
+              <a:rPr lang="ja-JP" altLang="en-US" dirty="0" smtClean="0"/>
+              <a:t>　</a:t>
+            </a:r>
+            <a:r>
+              <a:rPr lang="en-US" altLang="ja-JP" sz="4400" dirty="0" smtClean="0"/>
+              <a:t>32</a:t>
+            </a:r>
+            <a:r>
+              <a:rPr lang="ja-JP" altLang="en-US" sz="4400" dirty="0" smtClean="0"/>
+              <a:t>個のプロジェクトを調査し，分析を行った結果，行数，人数，規模で</a:t>
+            </a:r>
+            <a:r>
+              <a:rPr kumimoji="1" lang="ja-JP" altLang="en-US" sz="4400" dirty="0" smtClean="0"/>
+              <a:t>開発フローの判別が出来るようになった</a:t>
+            </a:r>
+            <a:endParaRPr lang="en-US" altLang="ja-JP" sz="4400" dirty="0"/>
+          </a:p>
+          <a:p>
+            <a:endParaRPr kumimoji="1" lang="en-US" altLang="ja-JP" sz="4400" dirty="0" smtClean="0"/>
+          </a:p>
+          <a:p>
+            <a:endParaRPr lang="en-US" altLang="ja-JP" sz="4400" dirty="0"/>
+          </a:p>
+          <a:p>
+            <a:endParaRPr kumimoji="1" lang="en-US" altLang="ja-JP" sz="4400" dirty="0" smtClean="0"/>
+          </a:p>
+          <a:p>
+            <a:endParaRPr lang="en-US" altLang="ja-JP" sz="4400" dirty="0"/>
+          </a:p>
+          <a:p>
+            <a:endParaRPr kumimoji="1" lang="en-US" altLang="ja-JP" sz="4400" dirty="0" smtClean="0"/>
+          </a:p>
+          <a:p>
+            <a:endParaRPr lang="en-US" altLang="ja-JP" sz="4400" dirty="0"/>
+          </a:p>
+          <a:p>
+            <a:endParaRPr kumimoji="1" lang="en-US" altLang="ja-JP" sz="4400" dirty="0" smtClean="0"/>
+          </a:p>
+          <a:p>
+            <a:endParaRPr kumimoji="1" lang="en-US" altLang="ja-JP" sz="4400" dirty="0" smtClean="0"/>
+          </a:p>
+        </p:txBody>
+      </p:sp>
+      <p:sp>
+        <p:nvSpPr>
+          <p:cNvPr id="6" name="テキスト ボックス 5"/>
+          <p:cNvSpPr txBox="1"/>
+          <p:nvPr/>
+        </p:nvSpPr>
+        <p:spPr>
+          <a:xfrm>
+            <a:off x="589579" y="3644033"/>
+            <a:ext cx="12265459" cy="6924973"/>
+          </a:xfrm>
+          <a:prstGeom prst="rect">
+            <a:avLst/>
+          </a:prstGeom>
+          <a:ln>
+            <a:solidFill>
+              <a:schemeClr val="bg2"/>
+            </a:solidFill>
+          </a:ln>
+        </p:spPr>
+        <p:style>
+          <a:lnRef idx="2">
+            <a:schemeClr val="dk1"/>
+          </a:lnRef>
+          <a:fillRef idx="1">
+            <a:schemeClr val="lt1"/>
+          </a:fillRef>
+          <a:effectRef idx="0">
+            <a:schemeClr val="dk1"/>
+          </a:effectRef>
+          <a:fontRef idx="minor">
+            <a:schemeClr val="dk1"/>
+          </a:fontRef>
+        </p:style>
+        <p:txBody>
+          <a:bodyPr wrap="square" rtlCol="0">
+            <a:spAutoFit/>
+          </a:bodyPr>
+          <a:lstStyle/>
+          <a:p>
+            <a:r>
+              <a:rPr kumimoji="1" lang="ja-JP" altLang="en-US" sz="6000" b="1" dirty="0" smtClean="0">
+                <a:latin typeface="+mj-ea"/>
+                <a:ea typeface="+mj-ea"/>
+              </a:rPr>
+              <a:t>背景</a:t>
+            </a:r>
+            <a:endParaRPr lang="en-US" altLang="ja-JP" b="1" dirty="0">
+              <a:latin typeface="+mj-ea"/>
+              <a:ea typeface="+mj-ea"/>
+            </a:endParaRPr>
+          </a:p>
+          <a:p>
+            <a:r>
+              <a:rPr lang="ja-JP" altLang="en-US" sz="6000" b="1" dirty="0"/>
+              <a:t> </a:t>
+            </a:r>
+            <a:r>
+              <a:rPr lang="ja-JP" altLang="en-US" sz="6000" b="1" dirty="0" smtClean="0"/>
+              <a:t>　</a:t>
+            </a:r>
+            <a:r>
+              <a:rPr lang="en-US" altLang="ja-JP" sz="4400" dirty="0" smtClean="0"/>
+              <a:t>GitHub</a:t>
+            </a:r>
+            <a:r>
+              <a:rPr lang="ja-JP" altLang="en-US" sz="4400" dirty="0" smtClean="0"/>
+              <a:t>を用いた開発フローを導入すると</a:t>
+            </a:r>
+            <a:endParaRPr lang="en-US" altLang="ja-JP" sz="4400" dirty="0" smtClean="0"/>
+          </a:p>
+          <a:p>
+            <a:r>
+              <a:rPr lang="ja-JP" altLang="en-US" sz="6600" dirty="0" smtClean="0">
+                <a:solidFill>
+                  <a:schemeClr val="tx1"/>
+                </a:solidFill>
+              </a:rPr>
+              <a:t>  </a:t>
+            </a:r>
+            <a:r>
+              <a:rPr lang="ja-JP" altLang="en-US" sz="5400" dirty="0" smtClean="0">
+                <a:solidFill>
+                  <a:schemeClr val="tx1"/>
+                </a:solidFill>
+              </a:rPr>
+              <a:t>メンバの</a:t>
+            </a:r>
+            <a:r>
+              <a:rPr lang="ja-JP" altLang="en-US" sz="6600" dirty="0" smtClean="0">
+                <a:solidFill>
+                  <a:schemeClr val="tx1"/>
+                </a:solidFill>
+              </a:rPr>
+              <a:t>能力</a:t>
+            </a:r>
+            <a:r>
+              <a:rPr lang="ja-JP" altLang="en-US" sz="5400" dirty="0" smtClean="0">
+                <a:solidFill>
+                  <a:schemeClr val="tx1"/>
+                </a:solidFill>
+              </a:rPr>
+              <a:t>を</a:t>
+            </a:r>
+            <a:r>
+              <a:rPr lang="ja-JP" altLang="en-US" sz="6600" dirty="0" smtClean="0">
+                <a:solidFill>
+                  <a:schemeClr val="tx1"/>
+                </a:solidFill>
+              </a:rPr>
+              <a:t>最大限発揮出来</a:t>
+            </a:r>
+            <a:r>
+              <a:rPr lang="ja-JP" altLang="en-US" sz="5400" dirty="0" smtClean="0">
+                <a:solidFill>
+                  <a:schemeClr val="tx1"/>
+                </a:solidFill>
+              </a:rPr>
+              <a:t>る</a:t>
+            </a:r>
+            <a:endParaRPr lang="en-US" altLang="ja-JP" sz="5400" dirty="0">
+              <a:solidFill>
+                <a:schemeClr val="tx1"/>
+              </a:solidFill>
+            </a:endParaRPr>
+          </a:p>
+          <a:p>
+            <a:r>
+              <a:rPr lang="ja-JP" altLang="en-US" sz="6600" dirty="0">
+                <a:solidFill>
+                  <a:srgbClr val="FF0000"/>
+                </a:solidFill>
+              </a:rPr>
+              <a:t> </a:t>
+            </a:r>
+            <a:r>
+              <a:rPr lang="ja-JP" altLang="en-US" sz="6600" dirty="0" smtClean="0">
+                <a:solidFill>
+                  <a:srgbClr val="FF0000"/>
+                </a:solidFill>
+              </a:rPr>
+              <a:t> </a:t>
+            </a:r>
+            <a:r>
+              <a:rPr lang="ja-JP" altLang="en-US" sz="4800" dirty="0" smtClean="0"/>
+              <a:t>しかし</a:t>
+            </a:r>
+            <a:r>
+              <a:rPr lang="ja-JP" altLang="en-US" sz="5400" b="1" dirty="0" smtClean="0"/>
+              <a:t>　</a:t>
+            </a:r>
+            <a:r>
+              <a:rPr lang="ja-JP" altLang="en-US" sz="4400" dirty="0" smtClean="0"/>
+              <a:t>間違った開発フローを導入すると・・・</a:t>
+            </a:r>
+            <a:endParaRPr lang="en-US" altLang="ja-JP" sz="4400" dirty="0" smtClean="0"/>
+          </a:p>
+          <a:p>
+            <a:pPr algn="ctr"/>
+            <a:endParaRPr lang="en-US" altLang="ja-JP" sz="4800" dirty="0"/>
+          </a:p>
+          <a:p>
+            <a:pPr algn="ctr"/>
+            <a:endParaRPr lang="en-US" altLang="ja-JP" sz="4800" dirty="0" smtClean="0"/>
+          </a:p>
+          <a:p>
+            <a:pPr algn="ctr"/>
+            <a:endParaRPr kumimoji="1" lang="en-US" altLang="ja-JP" sz="4800" dirty="0"/>
+          </a:p>
+          <a:p>
+            <a:pPr algn="ctr"/>
+            <a:endParaRPr lang="en-US" altLang="ja-JP" sz="4800" dirty="0" smtClean="0"/>
+          </a:p>
+        </p:txBody>
+      </p:sp>
+      <p:sp>
+        <p:nvSpPr>
+          <p:cNvPr id="8" name="テキスト ボックス 7"/>
+          <p:cNvSpPr txBox="1"/>
+          <p:nvPr/>
+        </p:nvSpPr>
+        <p:spPr>
+          <a:xfrm>
+            <a:off x="589578" y="12968329"/>
+            <a:ext cx="20040927" cy="1600438"/>
+          </a:xfrm>
+          <a:prstGeom prst="rect">
+            <a:avLst/>
+          </a:prstGeom>
+          <a:ln>
+            <a:solidFill>
+              <a:schemeClr val="bg2"/>
+            </a:solidFill>
+          </a:ln>
+        </p:spPr>
+        <p:style>
+          <a:lnRef idx="2">
+            <a:schemeClr val="dk1"/>
+          </a:lnRef>
+          <a:fillRef idx="1">
+            <a:schemeClr val="lt1"/>
+          </a:fillRef>
+          <a:effectRef idx="0">
+            <a:schemeClr val="dk1"/>
+          </a:effectRef>
+          <a:fontRef idx="minor">
+            <a:schemeClr val="dk1"/>
+          </a:fontRef>
+        </p:style>
+        <p:txBody>
+          <a:bodyPr wrap="square" rtlCol="0">
+            <a:spAutoFit/>
+          </a:bodyPr>
+          <a:lstStyle/>
+          <a:p>
+            <a:r>
+              <a:rPr kumimoji="1" lang="ja-JP" altLang="en-US" b="1" dirty="0" smtClean="0">
+                <a:latin typeface="+mj-ea"/>
+                <a:ea typeface="+mj-ea"/>
+              </a:rPr>
+              <a:t>プロジェクトマネジメントとの関連</a:t>
+            </a:r>
+            <a:endParaRPr lang="en-US" altLang="ja-JP" b="1" dirty="0">
+              <a:latin typeface="+mj-ea"/>
+              <a:ea typeface="+mj-ea"/>
+            </a:endParaRPr>
+          </a:p>
+          <a:p>
+            <a:r>
+              <a:rPr lang="ja-JP" altLang="en-US" sz="4000" b="1" dirty="0" smtClean="0"/>
+              <a:t>　</a:t>
+            </a:r>
+            <a:r>
+              <a:rPr lang="ja-JP" altLang="en-US" sz="4000" b="1" dirty="0"/>
+              <a:t> </a:t>
+            </a:r>
+            <a:r>
+              <a:rPr lang="ja-JP" altLang="en-US" sz="4000" b="1" dirty="0" smtClean="0"/>
+              <a:t> </a:t>
+            </a:r>
+            <a:r>
+              <a:rPr lang="ja-JP" altLang="en-US" sz="4000" dirty="0" smtClean="0"/>
+              <a:t>品質管理，納期管理，コスト管理を効率的に行う補助が出来るようになる．</a:t>
+            </a:r>
+            <a:endParaRPr kumimoji="1" lang="ja-JP" altLang="en-US" sz="4000" dirty="0"/>
+          </a:p>
+        </p:txBody>
+      </p:sp>
+      <p:sp>
+        <p:nvSpPr>
+          <p:cNvPr id="9" name="テキスト ボックス 8"/>
+          <p:cNvSpPr txBox="1"/>
+          <p:nvPr/>
+        </p:nvSpPr>
+        <p:spPr>
+          <a:xfrm>
+            <a:off x="589578" y="15159555"/>
+            <a:ext cx="20071960" cy="2339102"/>
+          </a:xfrm>
+          <a:prstGeom prst="rect">
+            <a:avLst/>
+          </a:prstGeom>
+          <a:ln>
+            <a:solidFill>
+              <a:schemeClr val="bg2"/>
+            </a:solidFill>
+          </a:ln>
+        </p:spPr>
+        <p:style>
+          <a:lnRef idx="2">
+            <a:schemeClr val="dk1"/>
+          </a:lnRef>
+          <a:fillRef idx="1">
+            <a:schemeClr val="lt1"/>
+          </a:fillRef>
+          <a:effectRef idx="0">
+            <a:schemeClr val="dk1"/>
+          </a:effectRef>
+          <a:fontRef idx="minor">
+            <a:schemeClr val="dk1"/>
+          </a:fontRef>
+        </p:style>
+        <p:txBody>
+          <a:bodyPr wrap="square" rtlCol="0">
+            <a:spAutoFit/>
+          </a:bodyPr>
+          <a:lstStyle/>
+          <a:p>
+            <a:r>
+              <a:rPr kumimoji="1" lang="ja-JP" altLang="en-US" b="1" dirty="0" smtClean="0">
+                <a:latin typeface="+mj-ea"/>
+                <a:ea typeface="+mj-ea"/>
+              </a:rPr>
+              <a:t>研究方法</a:t>
+            </a:r>
+            <a:endParaRPr kumimoji="1" lang="en-US" altLang="ja-JP" b="1" dirty="0" smtClean="0">
+              <a:latin typeface="+mj-ea"/>
+              <a:ea typeface="+mj-ea"/>
+            </a:endParaRPr>
+          </a:p>
+          <a:p>
+            <a:pPr marL="914400" indent="-914400">
+              <a:buFont typeface="+mj-lt"/>
+              <a:buAutoNum type="arabicPeriod"/>
+            </a:pPr>
+            <a:r>
+              <a:rPr lang="en-US" altLang="ja-JP" sz="4400" dirty="0"/>
+              <a:t>GitHub</a:t>
+            </a:r>
+            <a:r>
+              <a:rPr lang="ja-JP" altLang="en-US" sz="4400" dirty="0"/>
+              <a:t>上のプロジェクトからプロジェクトの性質と開発フローを調査する</a:t>
+            </a:r>
+            <a:endParaRPr lang="en-US" altLang="ja-JP" sz="4400" dirty="0"/>
+          </a:p>
+          <a:p>
+            <a:pPr marL="914400" indent="-914400">
+              <a:buFont typeface="+mj-lt"/>
+              <a:buAutoNum type="arabicPeriod"/>
+            </a:pPr>
+            <a:r>
+              <a:rPr lang="ja-JP" altLang="en-US" sz="4400" dirty="0"/>
+              <a:t>調査したデータの分析をする</a:t>
+            </a:r>
+          </a:p>
+        </p:txBody>
+      </p:sp>
+      <p:sp>
+        <p:nvSpPr>
+          <p:cNvPr id="12" name="テキスト ボックス 11"/>
+          <p:cNvSpPr txBox="1"/>
+          <p:nvPr/>
+        </p:nvSpPr>
+        <p:spPr>
+          <a:xfrm>
+            <a:off x="11433409" y="18013214"/>
+            <a:ext cx="9192781" cy="9571851"/>
+          </a:xfrm>
+          <a:prstGeom prst="rect">
+            <a:avLst/>
+          </a:prstGeom>
+          <a:ln>
+            <a:solidFill>
+              <a:schemeClr val="bg2"/>
+            </a:solidFill>
+          </a:ln>
+        </p:spPr>
+        <p:style>
+          <a:lnRef idx="2">
+            <a:schemeClr val="dk1"/>
+          </a:lnRef>
+          <a:fillRef idx="1">
+            <a:schemeClr val="lt1"/>
+          </a:fillRef>
+          <a:effectRef idx="0">
+            <a:schemeClr val="dk1"/>
+          </a:effectRef>
+          <a:fontRef idx="minor">
+            <a:schemeClr val="dk1"/>
+          </a:fontRef>
+        </p:style>
+        <p:txBody>
+          <a:bodyPr wrap="square" rtlCol="0">
+            <a:spAutoFit/>
+          </a:bodyPr>
+          <a:lstStyle/>
+          <a:p>
+            <a:r>
+              <a:rPr kumimoji="1" lang="ja-JP" altLang="en-US" b="1" dirty="0" smtClean="0">
+                <a:latin typeface="+mj-ea"/>
+                <a:ea typeface="+mj-ea"/>
+              </a:rPr>
+              <a:t>今後の計画</a:t>
+            </a:r>
+            <a:endParaRPr kumimoji="1" lang="en-US" altLang="ja-JP" b="1" dirty="0" smtClean="0">
+              <a:latin typeface="+mj-ea"/>
+              <a:ea typeface="+mj-ea"/>
+            </a:endParaRPr>
+          </a:p>
+          <a:p>
+            <a:r>
+              <a:rPr lang="ja-JP" altLang="en-US" dirty="0"/>
+              <a:t>　</a:t>
+            </a:r>
+            <a:r>
+              <a:rPr kumimoji="1" lang="ja-JP" altLang="en-US" sz="4400" dirty="0" smtClean="0"/>
+              <a:t>より詳細なプロジェクトの性質で</a:t>
+            </a:r>
+            <a:endParaRPr kumimoji="1" lang="en-US" altLang="ja-JP" sz="4400" dirty="0" smtClean="0"/>
+          </a:p>
+          <a:p>
+            <a:r>
+              <a:rPr kumimoji="1" lang="ja-JP" altLang="en-US" sz="4400" dirty="0" smtClean="0"/>
+              <a:t>開発フローを選択する基準を明確に</a:t>
+            </a:r>
+            <a:endParaRPr kumimoji="1" lang="en-US" altLang="ja-JP" sz="4400" dirty="0" smtClean="0"/>
+          </a:p>
+          <a:p>
+            <a:r>
+              <a:rPr kumimoji="1" lang="ja-JP" altLang="en-US" sz="4400" dirty="0" smtClean="0"/>
+              <a:t>出来ることを目指す</a:t>
+            </a:r>
+            <a:endParaRPr kumimoji="1" lang="en-US" altLang="ja-JP" sz="4400" dirty="0" smtClean="0"/>
+          </a:p>
+          <a:p>
+            <a:endParaRPr lang="en-US" altLang="ja-JP" sz="4400" dirty="0"/>
+          </a:p>
+          <a:p>
+            <a:r>
+              <a:rPr lang="ja-JP" altLang="en-US" sz="4400" dirty="0" smtClean="0"/>
+              <a:t>　　</a:t>
+            </a:r>
+            <a:r>
+              <a:rPr lang="ja-JP" altLang="en-US" sz="4800" dirty="0" smtClean="0"/>
+              <a:t> </a:t>
+            </a:r>
+            <a:r>
+              <a:rPr lang="en-US" altLang="ja-JP" sz="4800" dirty="0" smtClean="0"/>
+              <a:t>5</a:t>
+            </a:r>
+            <a:r>
+              <a:rPr lang="ja-JP" altLang="en-US" sz="4800" dirty="0" smtClean="0"/>
+              <a:t>人</a:t>
+            </a:r>
+            <a:r>
+              <a:rPr lang="ja-JP" altLang="en-US" sz="3600" dirty="0" smtClean="0"/>
+              <a:t>の</a:t>
+            </a:r>
+            <a:r>
+              <a:rPr lang="ja-JP" altLang="en-US" sz="4000" dirty="0" smtClean="0"/>
+              <a:t>場合</a:t>
+            </a:r>
+            <a:r>
+              <a:rPr lang="ja-JP" altLang="en-US" sz="4400" dirty="0"/>
+              <a:t>　</a:t>
+            </a:r>
+            <a:r>
+              <a:rPr lang="ja-JP" altLang="en-US" sz="4400" dirty="0" smtClean="0"/>
+              <a:t>　　  </a:t>
+            </a:r>
+            <a:r>
+              <a:rPr lang="en-US" altLang="ja-JP" sz="4400" dirty="0" smtClean="0">
+                <a:solidFill>
+                  <a:schemeClr val="bg2"/>
+                </a:solidFill>
+              </a:rPr>
+              <a:t>GitHub</a:t>
+            </a:r>
+            <a:r>
+              <a:rPr lang="ja-JP" altLang="en-US" sz="4400" dirty="0" smtClean="0">
+                <a:solidFill>
+                  <a:schemeClr val="bg2"/>
+                </a:solidFill>
+              </a:rPr>
+              <a:t> </a:t>
+            </a:r>
+            <a:r>
+              <a:rPr lang="en-US" altLang="ja-JP" sz="4400" dirty="0" smtClean="0">
+                <a:solidFill>
+                  <a:schemeClr val="bg2"/>
+                </a:solidFill>
+              </a:rPr>
+              <a:t>Flow</a:t>
+            </a:r>
+          </a:p>
+          <a:p>
+            <a:endParaRPr kumimoji="1" lang="en-US" altLang="ja-JP" sz="4400" dirty="0"/>
+          </a:p>
+          <a:p>
+            <a:r>
+              <a:rPr lang="ja-JP" altLang="en-US" sz="4400" dirty="0" smtClean="0"/>
+              <a:t>　　</a:t>
+            </a:r>
+            <a:r>
+              <a:rPr lang="en-US" altLang="ja-JP" sz="4800" dirty="0" smtClean="0"/>
+              <a:t>10</a:t>
+            </a:r>
+            <a:r>
+              <a:rPr lang="ja-JP" altLang="en-US" sz="4800" dirty="0" smtClean="0"/>
+              <a:t>人</a:t>
+            </a:r>
+            <a:r>
+              <a:rPr lang="ja-JP" altLang="en-US" sz="3600" dirty="0" smtClean="0"/>
+              <a:t>の</a:t>
+            </a:r>
+            <a:r>
+              <a:rPr lang="ja-JP" altLang="en-US" sz="4000" dirty="0" smtClean="0"/>
+              <a:t>場合　</a:t>
+            </a:r>
+            <a:r>
+              <a:rPr lang="ja-JP" altLang="en-US" sz="4400" dirty="0" smtClean="0"/>
+              <a:t>　　 </a:t>
+            </a:r>
+            <a:r>
+              <a:rPr lang="en-US" altLang="ja-JP" sz="4400" dirty="0" err="1" smtClean="0">
+                <a:solidFill>
+                  <a:schemeClr val="bg2"/>
+                </a:solidFill>
+              </a:rPr>
+              <a:t>Git</a:t>
+            </a:r>
+            <a:r>
+              <a:rPr lang="en-US" altLang="ja-JP" sz="4400" dirty="0" smtClean="0">
+                <a:solidFill>
+                  <a:schemeClr val="bg2"/>
+                </a:solidFill>
+              </a:rPr>
+              <a:t> Flow</a:t>
+            </a:r>
+          </a:p>
+          <a:p>
+            <a:endParaRPr kumimoji="1" lang="en-US" altLang="ja-JP" sz="4400" dirty="0"/>
+          </a:p>
+          <a:p>
+            <a:r>
+              <a:rPr lang="ja-JP" altLang="en-US" sz="4400" dirty="0" smtClean="0"/>
+              <a:t>　　</a:t>
+            </a:r>
+            <a:r>
+              <a:rPr lang="en-US" altLang="ja-JP" sz="4800" dirty="0" smtClean="0"/>
+              <a:t>15</a:t>
+            </a:r>
+            <a:r>
+              <a:rPr lang="ja-JP" altLang="en-US" sz="4800" dirty="0" smtClean="0"/>
+              <a:t>人</a:t>
+            </a:r>
+            <a:r>
+              <a:rPr lang="ja-JP" altLang="en-US" sz="3600" dirty="0" smtClean="0"/>
+              <a:t>の</a:t>
+            </a:r>
+            <a:r>
+              <a:rPr lang="ja-JP" altLang="en-US" sz="4000" dirty="0" smtClean="0"/>
+              <a:t>場合</a:t>
+            </a:r>
+            <a:r>
+              <a:rPr lang="ja-JP" altLang="en-US" sz="4400" dirty="0"/>
+              <a:t>　</a:t>
+            </a:r>
+            <a:r>
+              <a:rPr lang="ja-JP" altLang="en-US" sz="4400" dirty="0" smtClean="0"/>
+              <a:t>　　 </a:t>
+            </a:r>
+            <a:r>
+              <a:rPr lang="en-US" altLang="ja-JP" sz="4400" dirty="0" err="1" smtClean="0">
+                <a:solidFill>
+                  <a:schemeClr val="bg2"/>
+                </a:solidFill>
+              </a:rPr>
+              <a:t>Git</a:t>
+            </a:r>
+            <a:r>
+              <a:rPr lang="en-US" altLang="ja-JP" sz="4400" dirty="0" smtClean="0">
+                <a:solidFill>
+                  <a:schemeClr val="bg2"/>
+                </a:solidFill>
+              </a:rPr>
+              <a:t> Flow</a:t>
+            </a:r>
+          </a:p>
+          <a:p>
+            <a:endParaRPr kumimoji="1" lang="en-US" altLang="ja-JP" sz="4400" dirty="0"/>
+          </a:p>
+          <a:p>
+            <a:r>
+              <a:rPr lang="ja-JP" altLang="en-US" sz="4400" dirty="0" smtClean="0"/>
+              <a:t>　　</a:t>
+            </a:r>
+            <a:r>
+              <a:rPr lang="en-US" altLang="ja-JP" sz="4800" dirty="0" smtClean="0"/>
+              <a:t>20</a:t>
+            </a:r>
+            <a:r>
+              <a:rPr lang="ja-JP" altLang="en-US" sz="4800" dirty="0" smtClean="0"/>
+              <a:t>人</a:t>
+            </a:r>
+            <a:r>
+              <a:rPr lang="ja-JP" altLang="en-US" sz="3600" dirty="0" smtClean="0"/>
+              <a:t>の</a:t>
+            </a:r>
+            <a:r>
+              <a:rPr lang="ja-JP" altLang="en-US" sz="4000" dirty="0" smtClean="0"/>
+              <a:t>場合</a:t>
+            </a:r>
+            <a:r>
+              <a:rPr lang="ja-JP" altLang="en-US" sz="4400" dirty="0"/>
+              <a:t>　</a:t>
+            </a:r>
+            <a:r>
+              <a:rPr lang="ja-JP" altLang="en-US" sz="4400" dirty="0" smtClean="0"/>
+              <a:t>　　 </a:t>
+            </a:r>
+            <a:r>
+              <a:rPr lang="en-US" altLang="ja-JP" sz="4400" dirty="0" smtClean="0">
+                <a:solidFill>
+                  <a:schemeClr val="bg2"/>
+                </a:solidFill>
+              </a:rPr>
+              <a:t>GitHub Flow</a:t>
+            </a:r>
+            <a:endParaRPr lang="en-US" altLang="ja-JP" sz="5400" dirty="0"/>
+          </a:p>
+          <a:p>
+            <a:endParaRPr kumimoji="1" lang="en-US" altLang="ja-JP" sz="4400" dirty="0" smtClean="0"/>
+          </a:p>
+        </p:txBody>
+      </p:sp>
+      <p:sp>
+        <p:nvSpPr>
+          <p:cNvPr id="5" name="右矢印 4"/>
+          <p:cNvSpPr/>
+          <p:nvPr/>
+        </p:nvSpPr>
+        <p:spPr>
+          <a:xfrm>
+            <a:off x="9085423" y="21815496"/>
+            <a:ext cx="3096344" cy="2736304"/>
+          </a:xfrm>
+          <a:prstGeom prst="rightArrow">
+            <a:avLst>
+              <a:gd name="adj1" fmla="val 44431"/>
+              <a:gd name="adj2" fmla="val 50000"/>
+            </a:avLst>
+          </a:prstGeom>
+          <a:solidFill>
+            <a:schemeClr val="accent2"/>
+          </a:solidFill>
+        </p:spPr>
+        <p:style>
+          <a:lnRef idx="2">
+            <a:schemeClr val="accent1">
+              <a:shade val="50000"/>
+            </a:schemeClr>
+          </a:lnRef>
+          <a:fillRef idx="1">
+            <a:schemeClr val="accent1"/>
+          </a:fillRef>
+          <a:effectRef idx="0">
+            <a:schemeClr val="accent1"/>
+          </a:effectRef>
+          <a:fontRef idx="minor">
+            <a:schemeClr val="lt1"/>
+          </a:fontRef>
+        </p:style>
+        <p:txBody>
+          <a:bodyPr rtlCol="0" anchor="ctr"/>
+          <a:lstStyle/>
+          <a:p>
+            <a:pPr algn="ctr"/>
+            <a:endParaRPr kumimoji="1" lang="ja-JP" altLang="en-US">
+              <a:solidFill>
+                <a:schemeClr val="bg2"/>
+              </a:solidFill>
+            </a:endParaRPr>
+          </a:p>
+        </p:txBody>
+      </p:sp>
+      <p:sp>
+        <p:nvSpPr>
+          <p:cNvPr id="30" name="爆発 1 29"/>
+          <p:cNvSpPr/>
+          <p:nvPr/>
+        </p:nvSpPr>
+        <p:spPr>
+          <a:xfrm>
+            <a:off x="7597056" y="7318993"/>
+            <a:ext cx="5257982" cy="2971395"/>
+          </a:xfrm>
+          <a:prstGeom prst="irregularSeal1">
+            <a:avLst/>
+          </a:prstGeom>
+          <a:solidFill>
+            <a:schemeClr val="bg2"/>
+          </a:solidFill>
+        </p:spPr>
+        <p:style>
+          <a:lnRef idx="2">
+            <a:schemeClr val="accent1">
+              <a:shade val="50000"/>
+            </a:schemeClr>
+          </a:lnRef>
+          <a:fillRef idx="1">
+            <a:schemeClr val="accent1"/>
+          </a:fillRef>
+          <a:effectRef idx="0">
+            <a:schemeClr val="accent1"/>
+          </a:effectRef>
+          <a:fontRef idx="minor">
+            <a:schemeClr val="lt1"/>
+          </a:fontRef>
+        </p:style>
+        <p:txBody>
+          <a:bodyPr rtlCol="0" anchor="ctr"/>
+          <a:lstStyle/>
+          <a:p>
+            <a:pPr algn="ctr"/>
+            <a:r>
+              <a:rPr lang="ja-JP" altLang="en-US" sz="3200" b="1" dirty="0" smtClean="0">
+                <a:solidFill>
+                  <a:schemeClr val="tx1"/>
+                </a:solidFill>
+                <a:latin typeface="+mn-ea"/>
+              </a:rPr>
+              <a:t>管理がしづらい</a:t>
+            </a:r>
+            <a:endParaRPr kumimoji="1" lang="ja-JP" altLang="en-US" sz="3200" b="1" dirty="0">
+              <a:solidFill>
+                <a:schemeClr val="tx1"/>
+              </a:solidFill>
+              <a:latin typeface="+mn-ea"/>
+            </a:endParaRPr>
+          </a:p>
+        </p:txBody>
+      </p:sp>
+      <p:pic>
+        <p:nvPicPr>
+          <p:cNvPr id="37" name="図 36"/>
+          <p:cNvPicPr>
+            <a:picLocks noChangeAspect="1"/>
+          </p:cNvPicPr>
+          <p:nvPr/>
+        </p:nvPicPr>
+        <p:blipFill>
+          <a:blip r:embed="rId2"/>
+          <a:stretch>
+            <a:fillRect/>
+          </a:stretch>
+        </p:blipFill>
+        <p:spPr>
+          <a:xfrm>
+            <a:off x="978668" y="21397311"/>
+            <a:ext cx="7856709" cy="5768288"/>
+          </a:xfrm>
+          <a:prstGeom prst="rect">
+            <a:avLst/>
+          </a:prstGeom>
+        </p:spPr>
+      </p:pic>
+      <p:sp>
+        <p:nvSpPr>
+          <p:cNvPr id="38" name="テキスト ボックス 37"/>
+          <p:cNvSpPr txBox="1"/>
+          <p:nvPr/>
+        </p:nvSpPr>
+        <p:spPr>
+          <a:xfrm>
+            <a:off x="15235686" y="21397311"/>
+            <a:ext cx="7068785" cy="5386090"/>
+          </a:xfrm>
+          <a:prstGeom prst="rect">
+            <a:avLst/>
+          </a:prstGeom>
+          <a:noFill/>
+        </p:spPr>
+        <p:txBody>
+          <a:bodyPr wrap="square" rtlCol="0">
+            <a:spAutoFit/>
+          </a:bodyPr>
+          <a:lstStyle/>
+          <a:p>
+            <a:r>
+              <a:rPr kumimoji="1" lang="ja-JP" altLang="en-US" sz="34400" b="1" dirty="0" smtClean="0"/>
+              <a:t>？</a:t>
+            </a:r>
+            <a:endParaRPr kumimoji="1" lang="ja-JP" altLang="en-US" b="1" dirty="0"/>
+          </a:p>
+        </p:txBody>
+      </p:sp>
+      <p:sp>
+        <p:nvSpPr>
+          <p:cNvPr id="17" name="爆発 1 16"/>
+          <p:cNvSpPr/>
+          <p:nvPr/>
+        </p:nvSpPr>
+        <p:spPr>
+          <a:xfrm>
+            <a:off x="1675893" y="7318993"/>
+            <a:ext cx="4605686" cy="2971395"/>
+          </a:xfrm>
+          <a:prstGeom prst="irregularSeal1">
+            <a:avLst/>
+          </a:prstGeom>
+          <a:solidFill>
+            <a:schemeClr val="bg2"/>
+          </a:solidFill>
+        </p:spPr>
+        <p:style>
+          <a:lnRef idx="2">
+            <a:schemeClr val="accent1">
+              <a:shade val="50000"/>
+            </a:schemeClr>
+          </a:lnRef>
+          <a:fillRef idx="1">
+            <a:schemeClr val="accent1"/>
+          </a:fillRef>
+          <a:effectRef idx="0">
+            <a:schemeClr val="accent1"/>
+          </a:effectRef>
+          <a:fontRef idx="minor">
+            <a:schemeClr val="lt1"/>
+          </a:fontRef>
+        </p:style>
+        <p:txBody>
+          <a:bodyPr rtlCol="0" anchor="ctr"/>
+          <a:lstStyle/>
+          <a:p>
+            <a:pPr algn="ctr"/>
+            <a:r>
+              <a:rPr lang="ja-JP" altLang="en-US" sz="3200" b="1" dirty="0" smtClean="0">
+                <a:solidFill>
+                  <a:schemeClr val="tx1"/>
+                </a:solidFill>
+                <a:latin typeface="+mn-ea"/>
+              </a:rPr>
+              <a:t>学習コストがかかりすぎる</a:t>
+            </a:r>
+            <a:endParaRPr kumimoji="1" lang="ja-JP" altLang="en-US" sz="3200" b="1" dirty="0">
+              <a:solidFill>
+                <a:schemeClr val="tx1"/>
+              </a:solidFill>
+              <a:latin typeface="+mn-ea"/>
+            </a:endParaRPr>
+          </a:p>
+        </p:txBody>
+      </p:sp>
+      <p:sp>
+        <p:nvSpPr>
+          <p:cNvPr id="4" name="正方形/長方形 3"/>
+          <p:cNvSpPr/>
+          <p:nvPr/>
+        </p:nvSpPr>
+        <p:spPr>
+          <a:xfrm>
+            <a:off x="1675893" y="22617153"/>
+            <a:ext cx="1584176" cy="363975"/>
+          </a:xfrm>
+          <a:prstGeom prst="rect">
+            <a:avLst/>
+          </a:prstGeom>
+          <a:solidFill>
+            <a:schemeClr val="bg1"/>
+          </a:solidFill>
+          <a:ln>
+            <a:solidFill>
+              <a:schemeClr val="bg1"/>
+            </a:solidFill>
+          </a:ln>
+        </p:spPr>
+        <p:style>
+          <a:lnRef idx="2">
+            <a:schemeClr val="accent1">
+              <a:shade val="50000"/>
+            </a:schemeClr>
+          </a:lnRef>
+          <a:fillRef idx="1">
+            <a:schemeClr val="accent1"/>
+          </a:fillRef>
+          <a:effectRef idx="0">
+            <a:schemeClr val="accent1"/>
+          </a:effectRef>
+          <a:fontRef idx="minor">
+            <a:schemeClr val="lt1"/>
+          </a:fontRef>
+        </p:style>
+        <p:txBody>
+          <a:bodyPr rtlCol="0" anchor="ctr"/>
+          <a:lstStyle/>
+          <a:p>
+            <a:pPr algn="ctr"/>
+            <a:endParaRPr kumimoji="1" lang="ja-JP" altLang="en-US"/>
+          </a:p>
+        </p:txBody>
+      </p:sp>
+      <p:sp>
+        <p:nvSpPr>
+          <p:cNvPr id="2" name="テキスト ボックス 1"/>
+          <p:cNvSpPr txBox="1"/>
+          <p:nvPr/>
+        </p:nvSpPr>
+        <p:spPr>
+          <a:xfrm>
+            <a:off x="1570727" y="22545043"/>
+            <a:ext cx="1973266" cy="584775"/>
+          </a:xfrm>
+          <a:prstGeom prst="rect">
+            <a:avLst/>
+          </a:prstGeom>
+          <a:noFill/>
+        </p:spPr>
+        <p:txBody>
+          <a:bodyPr wrap="square" rtlCol="0">
+            <a:spAutoFit/>
+          </a:bodyPr>
+          <a:lstStyle/>
+          <a:p>
+            <a:r>
+              <a:rPr kumimoji="1" lang="en-US" altLang="ja-JP" sz="3200" b="1" dirty="0" smtClean="0"/>
+              <a:t>21</a:t>
+            </a:r>
+            <a:r>
+              <a:rPr kumimoji="1" lang="ja-JP" altLang="en-US" sz="3200" b="1" dirty="0" smtClean="0"/>
+              <a:t>人以下</a:t>
+            </a:r>
+            <a:endParaRPr kumimoji="1" lang="ja-JP" altLang="en-US" sz="3200" b="1" dirty="0"/>
+          </a:p>
+        </p:txBody>
+      </p:sp>
+      <p:sp>
+        <p:nvSpPr>
+          <p:cNvPr id="20" name="正方形/長方形 19"/>
+          <p:cNvSpPr/>
+          <p:nvPr/>
+        </p:nvSpPr>
+        <p:spPr>
+          <a:xfrm>
+            <a:off x="3513156" y="22617153"/>
+            <a:ext cx="1584176" cy="363975"/>
+          </a:xfrm>
+          <a:prstGeom prst="rect">
+            <a:avLst/>
+          </a:prstGeom>
+          <a:solidFill>
+            <a:schemeClr val="bg1"/>
+          </a:solidFill>
+          <a:ln>
+            <a:solidFill>
+              <a:schemeClr val="bg1"/>
+            </a:solidFill>
+          </a:ln>
+        </p:spPr>
+        <p:style>
+          <a:lnRef idx="2">
+            <a:schemeClr val="accent1">
+              <a:shade val="50000"/>
+            </a:schemeClr>
+          </a:lnRef>
+          <a:fillRef idx="1">
+            <a:schemeClr val="accent1"/>
+          </a:fillRef>
+          <a:effectRef idx="0">
+            <a:schemeClr val="accent1"/>
+          </a:effectRef>
+          <a:fontRef idx="minor">
+            <a:schemeClr val="lt1"/>
+          </a:fontRef>
+        </p:style>
+        <p:txBody>
+          <a:bodyPr rtlCol="0" anchor="ctr"/>
+          <a:lstStyle/>
+          <a:p>
+            <a:pPr algn="ctr"/>
+            <a:endParaRPr kumimoji="1" lang="ja-JP" altLang="en-US"/>
+          </a:p>
+        </p:txBody>
+      </p:sp>
+      <p:sp>
+        <p:nvSpPr>
+          <p:cNvPr id="21" name="テキスト ボックス 20"/>
+          <p:cNvSpPr txBox="1"/>
+          <p:nvPr/>
+        </p:nvSpPr>
+        <p:spPr>
+          <a:xfrm>
+            <a:off x="3403709" y="22545042"/>
+            <a:ext cx="1857317" cy="584775"/>
+          </a:xfrm>
+          <a:prstGeom prst="rect">
+            <a:avLst/>
+          </a:prstGeom>
+          <a:noFill/>
+        </p:spPr>
+        <p:txBody>
+          <a:bodyPr wrap="square" rtlCol="0">
+            <a:spAutoFit/>
+          </a:bodyPr>
+          <a:lstStyle/>
+          <a:p>
+            <a:r>
+              <a:rPr kumimoji="1" lang="en-US" altLang="ja-JP" sz="3200" b="1" dirty="0" smtClean="0"/>
+              <a:t>22</a:t>
+            </a:r>
+            <a:r>
+              <a:rPr kumimoji="1" lang="ja-JP" altLang="en-US" sz="3200" b="1" dirty="0" smtClean="0"/>
+              <a:t>人以上</a:t>
+            </a:r>
+            <a:endParaRPr kumimoji="1" lang="ja-JP" altLang="en-US" sz="3200" b="1" dirty="0"/>
+          </a:p>
+        </p:txBody>
+      </p:sp>
+      <p:pic>
+        <p:nvPicPr>
+          <p:cNvPr id="23" name="図 22"/>
+          <p:cNvPicPr>
+            <a:picLocks noChangeAspect="1"/>
+          </p:cNvPicPr>
+          <p:nvPr/>
+        </p:nvPicPr>
+        <p:blipFill>
+          <a:blip r:embed="rId3"/>
+          <a:stretch>
+            <a:fillRect/>
+          </a:stretch>
+        </p:blipFill>
+        <p:spPr>
+          <a:xfrm>
+            <a:off x="13968046" y="5441373"/>
+            <a:ext cx="2535279" cy="6725292"/>
+          </a:xfrm>
+          <a:prstGeom prst="rect">
+            <a:avLst/>
+          </a:prstGeom>
+        </p:spPr>
+      </p:pic>
+      <p:pic>
+        <p:nvPicPr>
+          <p:cNvPr id="24" name="図 23"/>
+          <p:cNvPicPr>
+            <a:picLocks noChangeAspect="1"/>
+          </p:cNvPicPr>
+          <p:nvPr/>
+        </p:nvPicPr>
+        <p:blipFill>
+          <a:blip r:embed="rId4"/>
+          <a:stretch>
+            <a:fillRect/>
+          </a:stretch>
+        </p:blipFill>
+        <p:spPr>
+          <a:xfrm>
+            <a:off x="17400856" y="5441373"/>
+            <a:ext cx="2535278" cy="6725292"/>
+          </a:xfrm>
+          <a:prstGeom prst="rect">
+            <a:avLst/>
+          </a:prstGeom>
+        </p:spPr>
+      </p:pic>
+      <p:sp>
+        <p:nvSpPr>
+          <p:cNvPr id="22" name="テキスト ボックス 21"/>
+          <p:cNvSpPr txBox="1"/>
+          <p:nvPr/>
+        </p:nvSpPr>
+        <p:spPr>
+          <a:xfrm>
+            <a:off x="589578" y="10854962"/>
+            <a:ext cx="12265460" cy="1723549"/>
+          </a:xfrm>
+          <a:prstGeom prst="rect">
+            <a:avLst/>
+          </a:prstGeom>
+          <a:ln>
+            <a:solidFill>
+              <a:schemeClr val="bg2"/>
+            </a:solidFill>
+          </a:ln>
+        </p:spPr>
+        <p:style>
+          <a:lnRef idx="2">
+            <a:schemeClr val="dk1"/>
+          </a:lnRef>
+          <a:fillRef idx="1">
+            <a:schemeClr val="lt1"/>
+          </a:fillRef>
+          <a:effectRef idx="0">
+            <a:schemeClr val="dk1"/>
+          </a:effectRef>
+          <a:fontRef idx="minor">
+            <a:schemeClr val="dk1"/>
+          </a:fontRef>
+        </p:style>
+        <p:txBody>
+          <a:bodyPr wrap="square" rtlCol="0">
+            <a:spAutoFit/>
+          </a:bodyPr>
+          <a:lstStyle/>
+          <a:p>
+            <a:r>
+              <a:rPr kumimoji="1" lang="ja-JP" altLang="en-US" b="1" dirty="0" smtClean="0">
+                <a:latin typeface="+mj-ea"/>
+                <a:ea typeface="+mj-ea"/>
+              </a:rPr>
+              <a:t>目的</a:t>
+            </a:r>
+            <a:endParaRPr lang="en-US" altLang="ja-JP" b="1" dirty="0" smtClean="0">
+              <a:latin typeface="+mj-ea"/>
+              <a:ea typeface="+mj-ea"/>
+            </a:endParaRPr>
+          </a:p>
+          <a:p>
+            <a:r>
+              <a:rPr kumimoji="1" lang="en-US" altLang="ja-JP" sz="4800" b="1" dirty="0"/>
+              <a:t> </a:t>
+            </a:r>
+            <a:r>
+              <a:rPr kumimoji="1" lang="ja-JP" altLang="en-US" sz="4800" b="1" dirty="0" smtClean="0"/>
+              <a:t>　</a:t>
+            </a:r>
+            <a:r>
+              <a:rPr kumimoji="1" lang="ja-JP" altLang="en-US" sz="4000" dirty="0" smtClean="0"/>
+              <a:t>開発フロー</a:t>
+            </a:r>
+            <a:r>
+              <a:rPr kumimoji="1" lang="ja-JP" altLang="en-US" sz="3600" dirty="0" smtClean="0"/>
+              <a:t>の</a:t>
+            </a:r>
+            <a:r>
+              <a:rPr kumimoji="1" lang="ja-JP" altLang="en-US" sz="4000" dirty="0" smtClean="0">
+                <a:solidFill>
+                  <a:schemeClr val="tx1"/>
+                </a:solidFill>
+              </a:rPr>
+              <a:t>選択基準</a:t>
+            </a:r>
+            <a:r>
+              <a:rPr kumimoji="1" lang="ja-JP" altLang="en-US" sz="3600" dirty="0" smtClean="0">
+                <a:solidFill>
+                  <a:schemeClr val="tx1"/>
+                </a:solidFill>
+              </a:rPr>
+              <a:t>を提供する</a:t>
+            </a:r>
+            <a:endParaRPr kumimoji="1" lang="en-US" altLang="ja-JP" sz="3600" dirty="0" smtClean="0">
+              <a:solidFill>
+                <a:schemeClr val="tx1"/>
+              </a:solidFill>
+            </a:endParaRPr>
+          </a:p>
+        </p:txBody>
+      </p:sp>
+    </p:spTree>
+    <p:extLst>
+      <p:ext uri="{BB962C8B-B14F-4D97-AF65-F5344CB8AC3E}">
+        <p14:creationId xmlns:p14="http://schemas.microsoft.com/office/powerpoint/2010/main" val="2042564024"/>
+      </p:ext>
+    </p:extLst>
+  </p:cSld>
+  <p:clrMapOvr>
+    <a:masterClrMapping/>
+  </p:clrMapOvr>
+  <p:timing>
+    <p:tnLst>
+      <p:par>
+        <p:cTn id="1" dur="indefinite" restart="never" nodeType="tmRoot"/>
+      </p:par>
+    </p:tnLst>
+  </p:timing>
+</p:sld>
+</file>
+
 <file path=ppt/theme/theme1.xml><?xml version="1.0" encoding="utf-8"?>
 <a:theme xmlns:a="http://schemas.openxmlformats.org/drawingml/2006/main" name="レトロスペクト">
   <a:themeElements>
-    <a:clrScheme name="青緑">
+    <a:clrScheme name="レトロスペクト">
       <a:dk1>
         <a:sysClr val="windowText" lastClr="000000"/>
       </a:dk1>
@@ -5975,34 +7840,34 @@
         <a:sysClr val="window" lastClr="FFFFFF"/>
       </a:lt1>
       <a:dk2>
-        <a:srgbClr val="373545"/>
+        <a:srgbClr val="344068"/>
       </a:dk2>
       <a:lt2>
-        <a:srgbClr val="CEDBE6"/>
+        <a:srgbClr val="D9E0E6"/>
       </a:lt2>
       <a:accent1>
-        <a:srgbClr val="3494BA"/>
+        <a:srgbClr val="1CADE4"/>
       </a:accent1>
       <a:accent2>
-        <a:srgbClr val="58B6C0"/>
+        <a:srgbClr val="2683C6"/>
       </a:accent2>
       <a:accent3>
-        <a:srgbClr val="75BDA7"/>
+        <a:srgbClr val="28C4CC"/>
       </a:accent3>
       <a:accent4>
-        <a:srgbClr val="7A8C8E"/>
+        <a:srgbClr val="42BA97"/>
       </a:accent4>
       <a:accent5>
-        <a:srgbClr val="84ACB6"/>
+        <a:srgbClr val="3E8853"/>
       </a:accent5>
       <a:accent6>
-        <a:srgbClr val="2683C6"/>
+        <a:srgbClr val="62A39F"/>
       </a:accent6>
       <a:hlink>
-        <a:srgbClr val="6B9F25"/>
+        <a:srgbClr val="6EAC1C"/>
       </a:hlink>
       <a:folHlink>
-        <a:srgbClr val="9F6715"/>
+        <a:srgbClr val="B26B02"/>
       </a:folHlink>
     </a:clrScheme>
     <a:fontScheme name="レトロスペクト">
@@ -6241,7 +8106,268 @@
   <a:extraClrSchemeLst/>
   <a:extLst>
     <a:ext uri="{05A4C25C-085E-4340-85A3-A5531E510DB2}">
-      <thm15:themeFamily xmlns:thm15="http://schemas.microsoft.com/office/thememl/2012/main" name="Retrospect" id="{5F128B03-DCCA-4EEB-AB3B-CF2899314A46}" vid="{3F1AAB62-24C6-49D2-8E01-B56FAC9A3DCD}"/>
+      <thm15:themeFamily xmlns:thm15="http://schemas.microsoft.com/office/thememl/2012/main" name="Retrospect" id="{5F128B03-DCCA-4EEB-AB3B-CF2899314A46}" vid="{9CC26709-368C-4D72-9060-94E5B3FF3CD6}"/>
+    </a:ext>
+  </a:extLst>
+</a:theme>
+</file>
+
+<file path=ppt/theme/theme2.xml><?xml version="1.0" encoding="utf-8"?>
+<a:theme xmlns:a="http://schemas.openxmlformats.org/drawingml/2006/main" name="Office テーマ">
+  <a:themeElements>
+    <a:clrScheme name="Office">
+      <a:dk1>
+        <a:sysClr val="windowText" lastClr="000000"/>
+      </a:dk1>
+      <a:lt1>
+        <a:sysClr val="window" lastClr="FFFFFF"/>
+      </a:lt1>
+      <a:dk2>
+        <a:srgbClr val="44546A"/>
+      </a:dk2>
+      <a:lt2>
+        <a:srgbClr val="E7E6E6"/>
+      </a:lt2>
+      <a:accent1>
+        <a:srgbClr val="5B9BD5"/>
+      </a:accent1>
+      <a:accent2>
+        <a:srgbClr val="ED7D31"/>
+      </a:accent2>
+      <a:accent3>
+        <a:srgbClr val="A5A5A5"/>
+      </a:accent3>
+      <a:accent4>
+        <a:srgbClr val="FFC000"/>
+      </a:accent4>
+      <a:accent5>
+        <a:srgbClr val="4472C4"/>
+      </a:accent5>
+      <a:accent6>
+        <a:srgbClr val="70AD47"/>
+      </a:accent6>
+      <a:hlink>
+        <a:srgbClr val="0563C1"/>
+      </a:hlink>
+      <a:folHlink>
+        <a:srgbClr val="954F72"/>
+      </a:folHlink>
+    </a:clrScheme>
+    <a:fontScheme name="Office">
+      <a:majorFont>
+        <a:latin typeface="Calibri Light" panose="020F0302020204030204"/>
+        <a:ea typeface=""/>
+        <a:cs typeface=""/>
+        <a:font script="Jpan" typeface="ＭＳ Ｐゴシック"/>
+        <a:font script="Hang" typeface="맑은 고딕"/>
+        <a:font script="Hans" typeface="宋体"/>
+        <a:font script="Hant" typeface="新細明體"/>
+        <a:font script="Arab" typeface="Times New Roman"/>
+        <a:font script="Hebr" typeface="Times New Roman"/>
+        <a:font script="Thai" typeface="Angsana New"/>
+        <a:font script="Ethi" typeface="Nyala"/>
+        <a:font script="Beng" typeface="Vrinda"/>
+        <a:font script="Gujr" typeface="Shruti"/>
+        <a:font script="Khmr" typeface="MoolBoran"/>
+        <a:font script="Knda" typeface="Tunga"/>
+        <a:font script="Guru" typeface="Raavi"/>
+        <a:font script="Cans" typeface="Euphemia"/>
+        <a:font script="Cher" typeface="Plantagenet Cherokee"/>
+        <a:font script="Yiii" typeface="Microsoft Yi Baiti"/>
+        <a:font script="Tibt" typeface="Microsoft Himalaya"/>
+        <a:font script="Thaa" typeface="MV Boli"/>
+        <a:font script="Deva" typeface="Mangal"/>
+        <a:font script="Telu" typeface="Gautami"/>
+        <a:font script="Taml" typeface="Latha"/>
+        <a:font script="Syrc" typeface="Estrangelo Edessa"/>
+        <a:font script="Orya" typeface="Kalinga"/>
+        <a:font script="Mlym" typeface="Kartika"/>
+        <a:font script="Laoo" typeface="DokChampa"/>
+        <a:font script="Sinh" typeface="Iskoola Pota"/>
+        <a:font script="Mong" typeface="Mongolian Baiti"/>
+        <a:font script="Viet" typeface="Times New Roman"/>
+        <a:font script="Uigh" typeface="Microsoft Uighur"/>
+        <a:font script="Geor" typeface="Sylfaen"/>
+      </a:majorFont>
+      <a:minorFont>
+        <a:latin typeface="Calibri" panose="020F0502020204030204"/>
+        <a:ea typeface=""/>
+        <a:cs typeface=""/>
+        <a:font script="Jpan" typeface="ＭＳ Ｐゴシック"/>
+        <a:font script="Hang" typeface="맑은 고딕"/>
+        <a:font script="Hans" typeface="宋体"/>
+        <a:font script="Hant" typeface="新細明體"/>
+        <a:font script="Arab" typeface="Arial"/>
+        <a:font script="Hebr" typeface="Arial"/>
+        <a:font script="Thai" typeface="Cordia New"/>
+        <a:font script="Ethi" typeface="Nyala"/>
+        <a:font script="Beng" typeface="Vrinda"/>
+        <a:font script="Gujr" typeface="Shruti"/>
+        <a:font script="Khmr" typeface="DaunPenh"/>
+        <a:font script="Knda" typeface="Tunga"/>
+        <a:font script="Guru" typeface="Raavi"/>
+        <a:font script="Cans" typeface="Euphemia"/>
+        <a:font script="Cher" typeface="Plantagenet Cherokee"/>
+        <a:font script="Yiii" typeface="Microsoft Yi Baiti"/>
+        <a:font script="Tibt" typeface="Microsoft Himalaya"/>
+        <a:font script="Thaa" typeface="MV Boli"/>
+        <a:font script="Deva" typeface="Mangal"/>
+        <a:font script="Telu" typeface="Gautami"/>
+        <a:font script="Taml" typeface="Latha"/>
+        <a:font script="Syrc" typeface="Estrangelo Edessa"/>
+        <a:font script="Orya" typeface="Kalinga"/>
+        <a:font script="Mlym" typeface="Kartika"/>
+        <a:font script="Laoo" typeface="DokChampa"/>
+        <a:font script="Sinh" typeface="Iskoola Pota"/>
+        <a:font script="Mong" typeface="Mongolian Baiti"/>
+        <a:font script="Viet" typeface="Arial"/>
+        <a:font script="Uigh" typeface="Microsoft Uighur"/>
+        <a:font script="Geor" typeface="Sylfaen"/>
+      </a:minorFont>
+    </a:fontScheme>
+    <a:fmtScheme name="Office">
+      <a:fillStyleLst>
+        <a:solidFill>
+          <a:schemeClr val="phClr"/>
+        </a:solidFill>
+        <a:gradFill rotWithShape="1">
+          <a:gsLst>
+            <a:gs pos="0">
+              <a:schemeClr val="phClr">
+                <a:lumMod val="110000"/>
+                <a:satMod val="105000"/>
+                <a:tint val="67000"/>
+              </a:schemeClr>
+            </a:gs>
+            <a:gs pos="50000">
+              <a:schemeClr val="phClr">
+                <a:lumMod val="105000"/>
+                <a:satMod val="103000"/>
+                <a:tint val="73000"/>
+              </a:schemeClr>
+            </a:gs>
+            <a:gs pos="100000">
+              <a:schemeClr val="phClr">
+                <a:lumMod val="105000"/>
+                <a:satMod val="109000"/>
+                <a:tint val="81000"/>
+              </a:schemeClr>
+            </a:gs>
+          </a:gsLst>
+          <a:lin ang="5400000" scaled="0"/>
+        </a:gradFill>
+        <a:gradFill rotWithShape="1">
+          <a:gsLst>
+            <a:gs pos="0">
+              <a:schemeClr val="phClr">
+                <a:satMod val="103000"/>
+                <a:lumMod val="102000"/>
+                <a:tint val="94000"/>
+              </a:schemeClr>
+            </a:gs>
+            <a:gs pos="50000">
+              <a:schemeClr val="phClr">
+                <a:satMod val="110000"/>
+                <a:lumMod val="100000"/>
+                <a:shade val="100000"/>
+              </a:schemeClr>
+            </a:gs>
+            <a:gs pos="100000">
+              <a:schemeClr val="phClr">
+                <a:lumMod val="99000"/>
+                <a:satMod val="120000"/>
+                <a:shade val="78000"/>
+              </a:schemeClr>
+            </a:gs>
+          </a:gsLst>
+          <a:lin ang="5400000" scaled="0"/>
+        </a:gradFill>
+      </a:fillStyleLst>
+      <a:lnStyleLst>
+        <a:ln w="6350" cap="flat" cmpd="sng" algn="ctr">
+          <a:solidFill>
+            <a:schemeClr val="phClr"/>
+          </a:solidFill>
+          <a:prstDash val="solid"/>
+          <a:miter lim="800000"/>
+        </a:ln>
+        <a:ln w="12700" cap="flat" cmpd="sng" algn="ctr">
+          <a:solidFill>
+            <a:schemeClr val="phClr"/>
+          </a:solidFill>
+          <a:prstDash val="solid"/>
+          <a:miter lim="800000"/>
+        </a:ln>
+        <a:ln w="19050" cap="flat" cmpd="sng" algn="ctr">
+          <a:solidFill>
+            <a:schemeClr val="phClr"/>
+          </a:solidFill>
+          <a:prstDash val="solid"/>
+          <a:miter lim="800000"/>
+        </a:ln>
+      </a:lnStyleLst>
+      <a:effectStyleLst>
+        <a:effectStyle>
+          <a:effectLst/>
+        </a:effectStyle>
+        <a:effectStyle>
+          <a:effectLst/>
+        </a:effectStyle>
+        <a:effectStyle>
+          <a:effectLst>
+            <a:outerShdw blurRad="57150" dist="19050" dir="5400000" algn="ctr" rotWithShape="0">
+              <a:srgbClr val="000000">
+                <a:alpha val="63000"/>
+              </a:srgbClr>
+            </a:outerShdw>
+          </a:effectLst>
+        </a:effectStyle>
+      </a:effectStyleLst>
+      <a:bgFillStyleLst>
+        <a:solidFill>
+          <a:schemeClr val="phClr"/>
+        </a:solidFill>
+        <a:solidFill>
+          <a:schemeClr val="phClr">
+            <a:tint val="95000"/>
+            <a:satMod val="170000"/>
+          </a:schemeClr>
+        </a:solidFill>
+        <a:gradFill rotWithShape="1">
+          <a:gsLst>
+            <a:gs pos="0">
+              <a:schemeClr val="phClr">
+                <a:tint val="93000"/>
+                <a:satMod val="150000"/>
+                <a:shade val="98000"/>
+                <a:lumMod val="102000"/>
+              </a:schemeClr>
+            </a:gs>
+            <a:gs pos="50000">
+              <a:schemeClr val="phClr">
+                <a:tint val="98000"/>
+                <a:satMod val="130000"/>
+                <a:shade val="90000"/>
+                <a:lumMod val="103000"/>
+              </a:schemeClr>
+            </a:gs>
+            <a:gs pos="100000">
+              <a:schemeClr val="phClr">
+                <a:shade val="63000"/>
+                <a:satMod val="120000"/>
+              </a:schemeClr>
+            </a:gs>
+          </a:gsLst>
+          <a:lin ang="5400000" scaled="0"/>
+        </a:gradFill>
+      </a:bgFillStyleLst>
+    </a:fmtScheme>
+  </a:themeElements>
+  <a:objectDefaults/>
+  <a:extraClrSchemeLst/>
+  <a:extLst>
+    <a:ext uri="{05A4C25C-085E-4340-85A3-A5531E510DB2}">
+      <thm15:themeFamily xmlns:thm15="http://schemas.microsoft.com/office/thememl/2012/main" name="Office Theme" id="{62F939B6-93AF-4DB8-9C6B-D6C7DFDC589F}" vid="{4A3C46E8-61CC-4603-A589-7422A47A8E4A}"/>
     </a:ext>
   </a:extLst>
 </a:theme>

--- a/課題研究/2014/若月純/課題研究発表ポスター-若月.pptx
+++ b/課題研究/2014/若月純/課題研究発表ポスター-若月.pptx
@@ -5,11 +5,10 @@
     <p:sldMasterId id="2147483953" r:id="rId1"/>
   </p:sldMasterIdLst>
   <p:notesMasterIdLst>
-    <p:notesMasterId r:id="rId4"/>
+    <p:notesMasterId r:id="rId3"/>
   </p:notesMasterIdLst>
   <p:sldIdLst>
-    <p:sldId id="260" r:id="rId2"/>
-    <p:sldId id="264" r:id="rId3"/>
+    <p:sldId id="264" r:id="rId2"/>
   </p:sldIdLst>
   <p:sldSz cx="21386800" cy="30279975"/>
   <p:notesSz cx="6858000" cy="9144000"/>
@@ -5063,7 +5062,7 @@
         <p:spPr>
           <a:xfrm>
             <a:off x="13353158" y="3619352"/>
-            <a:ext cx="7273032" cy="8956298"/>
+            <a:ext cx="7273032" cy="9017853"/>
           </a:xfrm>
           <a:prstGeom prst="rect">
             <a:avLst/>
@@ -5096,24 +5095,28 @@
           <a:p>
             <a:r>
               <a:rPr kumimoji="1" lang="ja-JP" altLang="en-US" b="1" dirty="0" smtClean="0"/>
-              <a:t>開発フローの例</a:t>
+              <a:t>フローの例</a:t>
             </a:r>
             <a:endParaRPr kumimoji="1" lang="en-US" altLang="ja-JP" b="1" dirty="0" smtClean="0"/>
           </a:p>
           <a:p>
-            <a:endParaRPr lang="en-US" altLang="ja-JP" b="1" dirty="0" smtClean="0"/>
-          </a:p>
-          <a:p>
-            <a:endParaRPr lang="en-US" altLang="ja-JP" sz="3600" b="1" dirty="0" smtClean="0"/>
-          </a:p>
-          <a:p>
-            <a:endParaRPr lang="en-US" altLang="ja-JP" sz="3200" b="1" dirty="0" smtClean="0"/>
-          </a:p>
-          <a:p>
-            <a:endParaRPr lang="en-US" altLang="ja-JP" b="1" dirty="0"/>
+            <a:r>
+              <a:rPr lang="ja-JP" altLang="en-US" sz="4000" b="1" dirty="0" smtClean="0"/>
+              <a:t>　着替えの場合</a:t>
+            </a:r>
+            <a:endParaRPr lang="en-US" altLang="ja-JP" sz="4000" b="1" dirty="0" smtClean="0"/>
+          </a:p>
+          <a:p>
+            <a:endParaRPr lang="en-US" altLang="ja-JP" sz="4000" b="1" dirty="0"/>
           </a:p>
           <a:p>
             <a:endParaRPr kumimoji="1" lang="en-US" altLang="ja-JP" b="1" dirty="0" smtClean="0"/>
+          </a:p>
+          <a:p>
+            <a:endParaRPr lang="en-US" altLang="ja-JP" sz="5400" b="1" dirty="0"/>
+          </a:p>
+          <a:p>
+            <a:endParaRPr kumimoji="1" lang="en-US" altLang="ja-JP" sz="5400" b="1" dirty="0" smtClean="0"/>
           </a:p>
           <a:p>
             <a:endParaRPr lang="en-US" altLang="ja-JP" b="1" dirty="0"/>
@@ -5141,7 +5144,7 @@
         <p:spPr>
           <a:xfrm>
             <a:off x="592149" y="18013214"/>
-            <a:ext cx="9162979" cy="9453233"/>
+            <a:ext cx="9162979" cy="9571851"/>
           </a:xfrm>
           <a:prstGeom prst="rect">
             <a:avLst/>
@@ -5190,30 +5193,30 @@
               <a:t>　</a:t>
             </a:r>
             <a:r>
-              <a:rPr lang="en-US" altLang="ja-JP" sz="4400" dirty="0"/>
+              <a:rPr lang="en-US" altLang="ja-JP" sz="4400" dirty="0" smtClean="0"/>
               <a:t>32</a:t>
             </a:r>
             <a:r>
-              <a:rPr lang="ja-JP" altLang="en-US" sz="4000" dirty="0"/>
-              <a:t>個</a:t>
-            </a:r>
-            <a:r>
-              <a:rPr lang="ja-JP" altLang="en-US" sz="4400" dirty="0"/>
-              <a:t>のプロジェクトを調査し，分析を行った結果，行数，人数，規模で開発フローの判別が出来るようになった</a:t>
-            </a:r>
-            <a:endParaRPr lang="en-US" altLang="ja-JP" sz="4400" dirty="0"/>
-          </a:p>
-          <a:p>
-            <a:endParaRPr lang="en-US" altLang="ja-JP" sz="4400" dirty="0"/>
-          </a:p>
-          <a:p>
-            <a:endParaRPr kumimoji="1" lang="en-US" altLang="ja-JP" sz="4400" dirty="0" smtClean="0"/>
-          </a:p>
-          <a:p>
-            <a:endParaRPr lang="en-US" altLang="ja-JP" sz="4400" dirty="0"/>
-          </a:p>
-          <a:p>
-            <a:endParaRPr kumimoji="1" lang="en-US" altLang="ja-JP" sz="4400" dirty="0" smtClean="0"/>
+              <a:rPr lang="ja-JP" altLang="en-US" sz="4400" dirty="0" smtClean="0"/>
+              <a:t>個のプロジェクトを調査し，分析を行った結果，行数，人数，規模で</a:t>
+            </a:r>
+            <a:r>
+              <a:rPr kumimoji="1" lang="ja-JP" altLang="en-US" sz="4400" dirty="0" smtClean="0"/>
+              <a:t>開発フローの判別が出来るようになった</a:t>
+            </a:r>
+            <a:endParaRPr lang="en-US" altLang="ja-JP" sz="4800" dirty="0" smtClean="0"/>
+          </a:p>
+          <a:p>
+            <a:endParaRPr kumimoji="1" lang="en-US" altLang="ja-JP" sz="4800" dirty="0"/>
+          </a:p>
+          <a:p>
+            <a:endParaRPr lang="en-US" altLang="ja-JP" sz="4800" dirty="0" smtClean="0"/>
+          </a:p>
+          <a:p>
+            <a:endParaRPr kumimoji="1" lang="en-US" altLang="ja-JP" sz="4800" dirty="0"/>
+          </a:p>
+          <a:p>
+            <a:endParaRPr kumimoji="1" lang="en-US" altLang="ja-JP" sz="4800" dirty="0" smtClean="0"/>
           </a:p>
           <a:p>
             <a:endParaRPr lang="en-US" altLang="ja-JP" sz="4400" dirty="0"/>
@@ -5561,1462 +5564,14 @@
       </p:sp>
       <p:sp>
         <p:nvSpPr>
-          <p:cNvPr id="10" name="テキスト ボックス 9"/>
-          <p:cNvSpPr txBox="1"/>
-          <p:nvPr/>
-        </p:nvSpPr>
-        <p:spPr>
-          <a:xfrm>
-            <a:off x="589578" y="10854962"/>
-            <a:ext cx="12265460" cy="1723549"/>
-          </a:xfrm>
-          <a:prstGeom prst="rect">
-            <a:avLst/>
-          </a:prstGeom>
-          <a:ln>
-            <a:solidFill>
-              <a:schemeClr val="bg2"/>
-            </a:solidFill>
-          </a:ln>
-        </p:spPr>
-        <p:style>
-          <a:lnRef idx="2">
-            <a:schemeClr val="dk1"/>
-          </a:lnRef>
-          <a:fillRef idx="1">
-            <a:schemeClr val="lt1"/>
-          </a:fillRef>
-          <a:effectRef idx="0">
-            <a:schemeClr val="dk1"/>
-          </a:effectRef>
-          <a:fontRef idx="minor">
-            <a:schemeClr val="dk1"/>
-          </a:fontRef>
-        </p:style>
-        <p:txBody>
-          <a:bodyPr wrap="square" rtlCol="0">
-            <a:spAutoFit/>
-          </a:bodyPr>
-          <a:lstStyle/>
-          <a:p>
-            <a:r>
-              <a:rPr kumimoji="1" lang="ja-JP" altLang="en-US" b="1" dirty="0" smtClean="0">
-                <a:latin typeface="+mj-ea"/>
-                <a:ea typeface="+mj-ea"/>
-              </a:rPr>
-              <a:t>目的</a:t>
-            </a:r>
-            <a:endParaRPr lang="en-US" altLang="ja-JP" b="1" dirty="0" smtClean="0">
-              <a:latin typeface="+mj-ea"/>
-              <a:ea typeface="+mj-ea"/>
-            </a:endParaRPr>
-          </a:p>
-          <a:p>
-            <a:r>
-              <a:rPr kumimoji="1" lang="en-US" altLang="ja-JP" sz="4800" b="1" dirty="0"/>
-              <a:t> </a:t>
-            </a:r>
-            <a:r>
-              <a:rPr kumimoji="1" lang="ja-JP" altLang="en-US" sz="4800" b="1" dirty="0" smtClean="0"/>
-              <a:t>　</a:t>
-            </a:r>
-            <a:r>
-              <a:rPr kumimoji="1" lang="ja-JP" altLang="en-US" sz="4000" dirty="0" smtClean="0"/>
-              <a:t>開発フロー</a:t>
-            </a:r>
-            <a:r>
-              <a:rPr kumimoji="1" lang="ja-JP" altLang="en-US" sz="3600" dirty="0" smtClean="0"/>
-              <a:t>の</a:t>
-            </a:r>
-            <a:r>
-              <a:rPr kumimoji="1" lang="ja-JP" altLang="en-US" sz="4000" dirty="0" smtClean="0">
-                <a:solidFill>
-                  <a:schemeClr val="tx1"/>
-                </a:solidFill>
-              </a:rPr>
-              <a:t>選択基準</a:t>
-            </a:r>
-            <a:r>
-              <a:rPr kumimoji="1" lang="ja-JP" altLang="en-US" sz="3600" dirty="0" smtClean="0">
-                <a:solidFill>
-                  <a:schemeClr val="tx1"/>
-                </a:solidFill>
-              </a:rPr>
-              <a:t>を提供する</a:t>
-            </a:r>
-            <a:endParaRPr kumimoji="1" lang="en-US" altLang="ja-JP" sz="3600" dirty="0" smtClean="0">
-              <a:solidFill>
-                <a:schemeClr val="tx1"/>
-              </a:solidFill>
-            </a:endParaRPr>
-          </a:p>
-        </p:txBody>
-      </p:sp>
-      <p:sp>
-        <p:nvSpPr>
           <p:cNvPr id="12" name="テキスト ボックス 11"/>
           <p:cNvSpPr txBox="1"/>
           <p:nvPr/>
         </p:nvSpPr>
         <p:spPr>
           <a:xfrm>
-            <a:off x="11433409" y="18013214"/>
-            <a:ext cx="9192781" cy="9571851"/>
-          </a:xfrm>
-          <a:prstGeom prst="rect">
-            <a:avLst/>
-          </a:prstGeom>
-          <a:ln>
-            <a:solidFill>
-              <a:schemeClr val="bg2"/>
-            </a:solidFill>
-          </a:ln>
-        </p:spPr>
-        <p:style>
-          <a:lnRef idx="2">
-            <a:schemeClr val="dk1"/>
-          </a:lnRef>
-          <a:fillRef idx="1">
-            <a:schemeClr val="lt1"/>
-          </a:fillRef>
-          <a:effectRef idx="0">
-            <a:schemeClr val="dk1"/>
-          </a:effectRef>
-          <a:fontRef idx="minor">
-            <a:schemeClr val="dk1"/>
-          </a:fontRef>
-        </p:style>
-        <p:txBody>
-          <a:bodyPr wrap="square" rtlCol="0">
-            <a:spAutoFit/>
-          </a:bodyPr>
-          <a:lstStyle/>
-          <a:p>
-            <a:r>
-              <a:rPr kumimoji="1" lang="ja-JP" altLang="en-US" b="1" dirty="0" smtClean="0">
-                <a:latin typeface="+mj-ea"/>
-                <a:ea typeface="+mj-ea"/>
-              </a:rPr>
-              <a:t>今後の計画</a:t>
-            </a:r>
-            <a:endParaRPr kumimoji="1" lang="en-US" altLang="ja-JP" b="1" dirty="0" smtClean="0">
-              <a:latin typeface="+mj-ea"/>
-              <a:ea typeface="+mj-ea"/>
-            </a:endParaRPr>
-          </a:p>
-          <a:p>
-            <a:r>
-              <a:rPr lang="ja-JP" altLang="en-US" dirty="0"/>
-              <a:t>　</a:t>
-            </a:r>
-            <a:r>
-              <a:rPr kumimoji="1" lang="ja-JP" altLang="en-US" sz="4400" dirty="0" smtClean="0"/>
-              <a:t>より詳細なプロジェクトの性質で</a:t>
-            </a:r>
-            <a:endParaRPr kumimoji="1" lang="en-US" altLang="ja-JP" sz="4400" dirty="0" smtClean="0"/>
-          </a:p>
-          <a:p>
-            <a:r>
-              <a:rPr kumimoji="1" lang="ja-JP" altLang="en-US" sz="4400" dirty="0" smtClean="0"/>
-              <a:t>開発フローを選択する基準を明確に</a:t>
-            </a:r>
-            <a:endParaRPr kumimoji="1" lang="en-US" altLang="ja-JP" sz="4400" dirty="0" smtClean="0"/>
-          </a:p>
-          <a:p>
-            <a:r>
-              <a:rPr kumimoji="1" lang="ja-JP" altLang="en-US" sz="4400" dirty="0" smtClean="0"/>
-              <a:t>出来ることを目指す</a:t>
-            </a:r>
-            <a:endParaRPr kumimoji="1" lang="en-US" altLang="ja-JP" sz="4400" dirty="0" smtClean="0"/>
-          </a:p>
-          <a:p>
-            <a:endParaRPr lang="en-US" altLang="ja-JP" sz="4400" dirty="0"/>
-          </a:p>
-          <a:p>
-            <a:r>
-              <a:rPr lang="ja-JP" altLang="en-US" sz="4400" dirty="0" smtClean="0"/>
-              <a:t>　　</a:t>
-            </a:r>
-            <a:r>
-              <a:rPr lang="ja-JP" altLang="en-US" sz="4800" dirty="0" smtClean="0"/>
-              <a:t> </a:t>
-            </a:r>
-            <a:r>
-              <a:rPr lang="en-US" altLang="ja-JP" sz="4800" dirty="0" smtClean="0"/>
-              <a:t>5</a:t>
-            </a:r>
-            <a:r>
-              <a:rPr lang="ja-JP" altLang="en-US" sz="4800" dirty="0" smtClean="0"/>
-              <a:t>人</a:t>
-            </a:r>
-            <a:r>
-              <a:rPr lang="ja-JP" altLang="en-US" sz="3600" dirty="0" smtClean="0"/>
-              <a:t>の</a:t>
-            </a:r>
-            <a:r>
-              <a:rPr lang="ja-JP" altLang="en-US" sz="4000" dirty="0" smtClean="0"/>
-              <a:t>場合</a:t>
-            </a:r>
-            <a:r>
-              <a:rPr lang="ja-JP" altLang="en-US" sz="4400" dirty="0"/>
-              <a:t>　</a:t>
-            </a:r>
-            <a:r>
-              <a:rPr lang="ja-JP" altLang="en-US" sz="4400" dirty="0" smtClean="0"/>
-              <a:t>　　  </a:t>
-            </a:r>
-            <a:r>
-              <a:rPr lang="en-US" altLang="ja-JP" sz="4400" dirty="0" smtClean="0">
-                <a:solidFill>
-                  <a:schemeClr val="bg2"/>
-                </a:solidFill>
-              </a:rPr>
-              <a:t>GitHub</a:t>
-            </a:r>
-            <a:r>
-              <a:rPr lang="ja-JP" altLang="en-US" sz="4400" dirty="0" smtClean="0">
-                <a:solidFill>
-                  <a:schemeClr val="bg2"/>
-                </a:solidFill>
-              </a:rPr>
-              <a:t> </a:t>
-            </a:r>
-            <a:r>
-              <a:rPr lang="en-US" altLang="ja-JP" sz="4400" dirty="0" smtClean="0">
-                <a:solidFill>
-                  <a:schemeClr val="bg2"/>
-                </a:solidFill>
-              </a:rPr>
-              <a:t>Flow</a:t>
-            </a:r>
-          </a:p>
-          <a:p>
-            <a:endParaRPr kumimoji="1" lang="en-US" altLang="ja-JP" sz="4400" dirty="0"/>
-          </a:p>
-          <a:p>
-            <a:r>
-              <a:rPr lang="ja-JP" altLang="en-US" sz="4400" dirty="0" smtClean="0"/>
-              <a:t>　　</a:t>
-            </a:r>
-            <a:r>
-              <a:rPr lang="en-US" altLang="ja-JP" sz="4800" dirty="0" smtClean="0"/>
-              <a:t>10</a:t>
-            </a:r>
-            <a:r>
-              <a:rPr lang="ja-JP" altLang="en-US" sz="4800" dirty="0" smtClean="0"/>
-              <a:t>人</a:t>
-            </a:r>
-            <a:r>
-              <a:rPr lang="ja-JP" altLang="en-US" sz="3600" dirty="0" smtClean="0"/>
-              <a:t>の</a:t>
-            </a:r>
-            <a:r>
-              <a:rPr lang="ja-JP" altLang="en-US" sz="4000" dirty="0" smtClean="0"/>
-              <a:t>場合　</a:t>
-            </a:r>
-            <a:r>
-              <a:rPr lang="ja-JP" altLang="en-US" sz="4400" dirty="0" smtClean="0"/>
-              <a:t>　　 </a:t>
-            </a:r>
-            <a:r>
-              <a:rPr lang="en-US" altLang="ja-JP" sz="4400" dirty="0" err="1" smtClean="0">
-                <a:solidFill>
-                  <a:schemeClr val="bg2"/>
-                </a:solidFill>
-              </a:rPr>
-              <a:t>Git</a:t>
-            </a:r>
-            <a:r>
-              <a:rPr lang="en-US" altLang="ja-JP" sz="4400" dirty="0" smtClean="0">
-                <a:solidFill>
-                  <a:schemeClr val="bg2"/>
-                </a:solidFill>
-              </a:rPr>
-              <a:t> Flow</a:t>
-            </a:r>
-          </a:p>
-          <a:p>
-            <a:endParaRPr kumimoji="1" lang="en-US" altLang="ja-JP" sz="4400" dirty="0"/>
-          </a:p>
-          <a:p>
-            <a:r>
-              <a:rPr lang="ja-JP" altLang="en-US" sz="4400" dirty="0" smtClean="0"/>
-              <a:t>　　</a:t>
-            </a:r>
-            <a:r>
-              <a:rPr lang="en-US" altLang="ja-JP" sz="4800" dirty="0" smtClean="0"/>
-              <a:t>15</a:t>
-            </a:r>
-            <a:r>
-              <a:rPr lang="ja-JP" altLang="en-US" sz="4800" dirty="0" smtClean="0"/>
-              <a:t>人</a:t>
-            </a:r>
-            <a:r>
-              <a:rPr lang="ja-JP" altLang="en-US" sz="3600" dirty="0" smtClean="0"/>
-              <a:t>の</a:t>
-            </a:r>
-            <a:r>
-              <a:rPr lang="ja-JP" altLang="en-US" sz="4000" dirty="0" smtClean="0"/>
-              <a:t>場合</a:t>
-            </a:r>
-            <a:r>
-              <a:rPr lang="ja-JP" altLang="en-US" sz="4400" dirty="0"/>
-              <a:t>　</a:t>
-            </a:r>
-            <a:r>
-              <a:rPr lang="ja-JP" altLang="en-US" sz="4400" dirty="0" smtClean="0"/>
-              <a:t>　　 </a:t>
-            </a:r>
-            <a:r>
-              <a:rPr lang="en-US" altLang="ja-JP" sz="4400" dirty="0" err="1" smtClean="0">
-                <a:solidFill>
-                  <a:schemeClr val="bg2"/>
-                </a:solidFill>
-              </a:rPr>
-              <a:t>Git</a:t>
-            </a:r>
-            <a:r>
-              <a:rPr lang="en-US" altLang="ja-JP" sz="4400" dirty="0" smtClean="0">
-                <a:solidFill>
-                  <a:schemeClr val="bg2"/>
-                </a:solidFill>
-              </a:rPr>
-              <a:t> Flow</a:t>
-            </a:r>
-          </a:p>
-          <a:p>
-            <a:endParaRPr kumimoji="1" lang="en-US" altLang="ja-JP" sz="4400" dirty="0"/>
-          </a:p>
-          <a:p>
-            <a:r>
-              <a:rPr lang="ja-JP" altLang="en-US" sz="4400" dirty="0" smtClean="0"/>
-              <a:t>　　</a:t>
-            </a:r>
-            <a:r>
-              <a:rPr lang="en-US" altLang="ja-JP" sz="4800" dirty="0" smtClean="0"/>
-              <a:t>20</a:t>
-            </a:r>
-            <a:r>
-              <a:rPr lang="ja-JP" altLang="en-US" sz="4800" dirty="0" smtClean="0"/>
-              <a:t>人</a:t>
-            </a:r>
-            <a:r>
-              <a:rPr lang="ja-JP" altLang="en-US" sz="3600" dirty="0" smtClean="0"/>
-              <a:t>の</a:t>
-            </a:r>
-            <a:r>
-              <a:rPr lang="ja-JP" altLang="en-US" sz="4000" dirty="0" smtClean="0"/>
-              <a:t>場合</a:t>
-            </a:r>
-            <a:r>
-              <a:rPr lang="ja-JP" altLang="en-US" sz="4400" dirty="0"/>
-              <a:t>　</a:t>
-            </a:r>
-            <a:r>
-              <a:rPr lang="ja-JP" altLang="en-US" sz="4400" dirty="0" smtClean="0"/>
-              <a:t>　　 </a:t>
-            </a:r>
-            <a:r>
-              <a:rPr lang="en-US" altLang="ja-JP" sz="4400" dirty="0" smtClean="0">
-                <a:solidFill>
-                  <a:schemeClr val="bg2"/>
-                </a:solidFill>
-              </a:rPr>
-              <a:t>GitHub Flow</a:t>
-            </a:r>
-            <a:endParaRPr lang="en-US" altLang="ja-JP" sz="5400" dirty="0"/>
-          </a:p>
-          <a:p>
-            <a:endParaRPr kumimoji="1" lang="en-US" altLang="ja-JP" sz="4400" dirty="0" smtClean="0"/>
-          </a:p>
-        </p:txBody>
-      </p:sp>
-      <p:sp>
-        <p:nvSpPr>
-          <p:cNvPr id="5" name="右矢印 4"/>
-          <p:cNvSpPr/>
-          <p:nvPr/>
-        </p:nvSpPr>
-        <p:spPr>
-          <a:xfrm>
-            <a:off x="9085423" y="21815496"/>
-            <a:ext cx="3096344" cy="2736304"/>
-          </a:xfrm>
-          <a:prstGeom prst="rightArrow">
-            <a:avLst>
-              <a:gd name="adj1" fmla="val 44431"/>
-              <a:gd name="adj2" fmla="val 50000"/>
-            </a:avLst>
-          </a:prstGeom>
-          <a:solidFill>
-            <a:schemeClr val="accent2"/>
-          </a:solidFill>
-        </p:spPr>
-        <p:style>
-          <a:lnRef idx="2">
-            <a:schemeClr val="accent1">
-              <a:shade val="50000"/>
-            </a:schemeClr>
-          </a:lnRef>
-          <a:fillRef idx="1">
-            <a:schemeClr val="accent1"/>
-          </a:fillRef>
-          <a:effectRef idx="0">
-            <a:schemeClr val="accent1"/>
-          </a:effectRef>
-          <a:fontRef idx="minor">
-            <a:schemeClr val="lt1"/>
-          </a:fontRef>
-        </p:style>
-        <p:txBody>
-          <a:bodyPr rtlCol="0" anchor="ctr"/>
-          <a:lstStyle/>
-          <a:p>
-            <a:pPr algn="ctr"/>
-            <a:endParaRPr kumimoji="1" lang="ja-JP" altLang="en-US">
-              <a:solidFill>
-                <a:schemeClr val="bg2"/>
-              </a:solidFill>
-            </a:endParaRPr>
-          </a:p>
-        </p:txBody>
-      </p:sp>
-      <p:sp>
-        <p:nvSpPr>
-          <p:cNvPr id="30" name="爆発 1 29"/>
-          <p:cNvSpPr/>
-          <p:nvPr/>
-        </p:nvSpPr>
-        <p:spPr>
-          <a:xfrm>
-            <a:off x="7597056" y="7318993"/>
-            <a:ext cx="5257982" cy="2971395"/>
-          </a:xfrm>
-          <a:prstGeom prst="irregularSeal1">
-            <a:avLst/>
-          </a:prstGeom>
-          <a:solidFill>
-            <a:schemeClr val="bg2"/>
-          </a:solidFill>
-        </p:spPr>
-        <p:style>
-          <a:lnRef idx="2">
-            <a:schemeClr val="accent1">
-              <a:shade val="50000"/>
-            </a:schemeClr>
-          </a:lnRef>
-          <a:fillRef idx="1">
-            <a:schemeClr val="accent1"/>
-          </a:fillRef>
-          <a:effectRef idx="0">
-            <a:schemeClr val="accent1"/>
-          </a:effectRef>
-          <a:fontRef idx="minor">
-            <a:schemeClr val="lt1"/>
-          </a:fontRef>
-        </p:style>
-        <p:txBody>
-          <a:bodyPr rtlCol="0" anchor="ctr"/>
-          <a:lstStyle/>
-          <a:p>
-            <a:pPr algn="ctr"/>
-            <a:r>
-              <a:rPr lang="ja-JP" altLang="en-US" sz="3200" b="1" dirty="0" smtClean="0">
-                <a:solidFill>
-                  <a:schemeClr val="tx1"/>
-                </a:solidFill>
-                <a:latin typeface="+mn-ea"/>
-              </a:rPr>
-              <a:t>管理がしづらい</a:t>
-            </a:r>
-            <a:endParaRPr kumimoji="1" lang="ja-JP" altLang="en-US" sz="3200" b="1" dirty="0">
-              <a:solidFill>
-                <a:schemeClr val="tx1"/>
-              </a:solidFill>
-              <a:latin typeface="+mn-ea"/>
-            </a:endParaRPr>
-          </a:p>
-        </p:txBody>
-      </p:sp>
-      <p:pic>
-        <p:nvPicPr>
-          <p:cNvPr id="37" name="図 36"/>
-          <p:cNvPicPr>
-            <a:picLocks noChangeAspect="1"/>
-          </p:cNvPicPr>
-          <p:nvPr/>
-        </p:nvPicPr>
-        <p:blipFill>
-          <a:blip r:embed="rId2"/>
-          <a:stretch>
-            <a:fillRect/>
-          </a:stretch>
-        </p:blipFill>
-        <p:spPr>
-          <a:xfrm>
-            <a:off x="978668" y="21397311"/>
-            <a:ext cx="7856709" cy="5768288"/>
-          </a:xfrm>
-          <a:prstGeom prst="rect">
-            <a:avLst/>
-          </a:prstGeom>
-        </p:spPr>
-      </p:pic>
-      <p:sp>
-        <p:nvSpPr>
-          <p:cNvPr id="38" name="テキスト ボックス 37"/>
-          <p:cNvSpPr txBox="1"/>
-          <p:nvPr/>
-        </p:nvSpPr>
-        <p:spPr>
-          <a:xfrm>
-            <a:off x="15235686" y="21397311"/>
-            <a:ext cx="7068785" cy="5386090"/>
-          </a:xfrm>
-          <a:prstGeom prst="rect">
-            <a:avLst/>
-          </a:prstGeom>
-          <a:noFill/>
-        </p:spPr>
-        <p:txBody>
-          <a:bodyPr wrap="square" rtlCol="0">
-            <a:spAutoFit/>
-          </a:bodyPr>
-          <a:lstStyle/>
-          <a:p>
-            <a:r>
-              <a:rPr kumimoji="1" lang="ja-JP" altLang="en-US" sz="34400" b="1" dirty="0" smtClean="0"/>
-              <a:t>？</a:t>
-            </a:r>
-            <a:endParaRPr kumimoji="1" lang="ja-JP" altLang="en-US" b="1" dirty="0"/>
-          </a:p>
-        </p:txBody>
-      </p:sp>
-      <p:sp>
-        <p:nvSpPr>
-          <p:cNvPr id="17" name="爆発 1 16"/>
-          <p:cNvSpPr/>
-          <p:nvPr/>
-        </p:nvSpPr>
-        <p:spPr>
-          <a:xfrm>
-            <a:off x="1675893" y="7318993"/>
-            <a:ext cx="4605686" cy="2971395"/>
-          </a:xfrm>
-          <a:prstGeom prst="irregularSeal1">
-            <a:avLst/>
-          </a:prstGeom>
-          <a:solidFill>
-            <a:schemeClr val="bg2"/>
-          </a:solidFill>
-        </p:spPr>
-        <p:style>
-          <a:lnRef idx="2">
-            <a:schemeClr val="accent1">
-              <a:shade val="50000"/>
-            </a:schemeClr>
-          </a:lnRef>
-          <a:fillRef idx="1">
-            <a:schemeClr val="accent1"/>
-          </a:fillRef>
-          <a:effectRef idx="0">
-            <a:schemeClr val="accent1"/>
-          </a:effectRef>
-          <a:fontRef idx="minor">
-            <a:schemeClr val="lt1"/>
-          </a:fontRef>
-        </p:style>
-        <p:txBody>
-          <a:bodyPr rtlCol="0" anchor="ctr"/>
-          <a:lstStyle/>
-          <a:p>
-            <a:pPr algn="ctr"/>
-            <a:r>
-              <a:rPr lang="ja-JP" altLang="en-US" sz="3200" b="1" dirty="0" smtClean="0">
-                <a:solidFill>
-                  <a:schemeClr val="tx1"/>
-                </a:solidFill>
-                <a:latin typeface="+mn-ea"/>
-              </a:rPr>
-              <a:t>学習コストがかかりすぎる</a:t>
-            </a:r>
-            <a:endParaRPr kumimoji="1" lang="ja-JP" altLang="en-US" sz="3200" b="1" dirty="0">
-              <a:solidFill>
-                <a:schemeClr val="tx1"/>
-              </a:solidFill>
-              <a:latin typeface="+mn-ea"/>
-            </a:endParaRPr>
-          </a:p>
-        </p:txBody>
-      </p:sp>
-      <p:sp>
-        <p:nvSpPr>
-          <p:cNvPr id="4" name="正方形/長方形 3"/>
-          <p:cNvSpPr/>
-          <p:nvPr/>
-        </p:nvSpPr>
-        <p:spPr>
-          <a:xfrm>
-            <a:off x="1675893" y="22617153"/>
-            <a:ext cx="1584176" cy="363975"/>
-          </a:xfrm>
-          <a:prstGeom prst="rect">
-            <a:avLst/>
-          </a:prstGeom>
-          <a:solidFill>
-            <a:schemeClr val="bg1"/>
-          </a:solidFill>
-          <a:ln>
-            <a:solidFill>
-              <a:schemeClr val="bg1"/>
-            </a:solidFill>
-          </a:ln>
-        </p:spPr>
-        <p:style>
-          <a:lnRef idx="2">
-            <a:schemeClr val="accent1">
-              <a:shade val="50000"/>
-            </a:schemeClr>
-          </a:lnRef>
-          <a:fillRef idx="1">
-            <a:schemeClr val="accent1"/>
-          </a:fillRef>
-          <a:effectRef idx="0">
-            <a:schemeClr val="accent1"/>
-          </a:effectRef>
-          <a:fontRef idx="minor">
-            <a:schemeClr val="lt1"/>
-          </a:fontRef>
-        </p:style>
-        <p:txBody>
-          <a:bodyPr rtlCol="0" anchor="ctr"/>
-          <a:lstStyle/>
-          <a:p>
-            <a:pPr algn="ctr"/>
-            <a:endParaRPr kumimoji="1" lang="ja-JP" altLang="en-US"/>
-          </a:p>
-        </p:txBody>
-      </p:sp>
-      <p:sp>
-        <p:nvSpPr>
-          <p:cNvPr id="2" name="テキスト ボックス 1"/>
-          <p:cNvSpPr txBox="1"/>
-          <p:nvPr/>
-        </p:nvSpPr>
-        <p:spPr>
-          <a:xfrm>
-            <a:off x="1570727" y="22545043"/>
-            <a:ext cx="1973266" cy="584775"/>
-          </a:xfrm>
-          <a:prstGeom prst="rect">
-            <a:avLst/>
-          </a:prstGeom>
-          <a:noFill/>
-        </p:spPr>
-        <p:txBody>
-          <a:bodyPr wrap="square" rtlCol="0">
-            <a:spAutoFit/>
-          </a:bodyPr>
-          <a:lstStyle/>
-          <a:p>
-            <a:r>
-              <a:rPr kumimoji="1" lang="en-US" altLang="ja-JP" sz="3200" b="1" dirty="0" smtClean="0"/>
-              <a:t>21</a:t>
-            </a:r>
-            <a:r>
-              <a:rPr kumimoji="1" lang="ja-JP" altLang="en-US" sz="3200" b="1" dirty="0" smtClean="0"/>
-              <a:t>人以下</a:t>
-            </a:r>
-            <a:endParaRPr kumimoji="1" lang="ja-JP" altLang="en-US" sz="3200" b="1" dirty="0"/>
-          </a:p>
-        </p:txBody>
-      </p:sp>
-      <p:sp>
-        <p:nvSpPr>
-          <p:cNvPr id="20" name="正方形/長方形 19"/>
-          <p:cNvSpPr/>
-          <p:nvPr/>
-        </p:nvSpPr>
-        <p:spPr>
-          <a:xfrm>
-            <a:off x="3513156" y="22617153"/>
-            <a:ext cx="1584176" cy="363975"/>
-          </a:xfrm>
-          <a:prstGeom prst="rect">
-            <a:avLst/>
-          </a:prstGeom>
-          <a:solidFill>
-            <a:schemeClr val="bg1"/>
-          </a:solidFill>
-          <a:ln>
-            <a:solidFill>
-              <a:schemeClr val="bg1"/>
-            </a:solidFill>
-          </a:ln>
-        </p:spPr>
-        <p:style>
-          <a:lnRef idx="2">
-            <a:schemeClr val="accent1">
-              <a:shade val="50000"/>
-            </a:schemeClr>
-          </a:lnRef>
-          <a:fillRef idx="1">
-            <a:schemeClr val="accent1"/>
-          </a:fillRef>
-          <a:effectRef idx="0">
-            <a:schemeClr val="accent1"/>
-          </a:effectRef>
-          <a:fontRef idx="minor">
-            <a:schemeClr val="lt1"/>
-          </a:fontRef>
-        </p:style>
-        <p:txBody>
-          <a:bodyPr rtlCol="0" anchor="ctr"/>
-          <a:lstStyle/>
-          <a:p>
-            <a:pPr algn="ctr"/>
-            <a:endParaRPr kumimoji="1" lang="ja-JP" altLang="en-US"/>
-          </a:p>
-        </p:txBody>
-      </p:sp>
-      <p:sp>
-        <p:nvSpPr>
-          <p:cNvPr id="21" name="テキスト ボックス 20"/>
-          <p:cNvSpPr txBox="1"/>
-          <p:nvPr/>
-        </p:nvSpPr>
-        <p:spPr>
-          <a:xfrm>
-            <a:off x="3403709" y="22545042"/>
-            <a:ext cx="1857317" cy="584775"/>
-          </a:xfrm>
-          <a:prstGeom prst="rect">
-            <a:avLst/>
-          </a:prstGeom>
-          <a:noFill/>
-        </p:spPr>
-        <p:txBody>
-          <a:bodyPr wrap="square" rtlCol="0">
-            <a:spAutoFit/>
-          </a:bodyPr>
-          <a:lstStyle/>
-          <a:p>
-            <a:r>
-              <a:rPr kumimoji="1" lang="en-US" altLang="ja-JP" sz="3200" b="1" dirty="0" smtClean="0"/>
-              <a:t>22</a:t>
-            </a:r>
-            <a:r>
-              <a:rPr kumimoji="1" lang="ja-JP" altLang="en-US" sz="3200" b="1" dirty="0" smtClean="0"/>
-              <a:t>人以上</a:t>
-            </a:r>
-            <a:endParaRPr kumimoji="1" lang="ja-JP" altLang="en-US" sz="3200" b="1" dirty="0"/>
-          </a:p>
-        </p:txBody>
-      </p:sp>
-      <p:pic>
-        <p:nvPicPr>
-          <p:cNvPr id="15" name="図 14"/>
-          <p:cNvPicPr>
-            <a:picLocks noChangeAspect="1"/>
-          </p:cNvPicPr>
-          <p:nvPr/>
-        </p:nvPicPr>
-        <p:blipFill rotWithShape="1">
-          <a:blip r:embed="rId3">
-            <a:extLst>
-              <a:ext uri="{28A0092B-C50C-407E-A947-70E740481C1C}">
-                <a14:useLocalDpi xmlns:a14="http://schemas.microsoft.com/office/drawing/2010/main" val="0"/>
-              </a:ext>
-            </a:extLst>
-          </a:blip>
-          <a:srcRect l="4351" t="3569" r="66165" b="76214"/>
-          <a:stretch/>
-        </p:blipFill>
-        <p:spPr>
-          <a:xfrm>
-            <a:off x="13533290" y="4458893"/>
-            <a:ext cx="6912768" cy="7707772"/>
-          </a:xfrm>
-          <a:prstGeom prst="rect">
-            <a:avLst/>
-          </a:prstGeom>
-        </p:spPr>
-      </p:pic>
-    </p:spTree>
-    <p:extLst>
-      <p:ext uri="{BB962C8B-B14F-4D97-AF65-F5344CB8AC3E}">
-        <p14:creationId xmlns:p14="http://schemas.microsoft.com/office/powerpoint/2010/main" val="1451891837"/>
-      </p:ext>
-    </p:extLst>
-  </p:cSld>
-  <p:clrMapOvr>
-    <a:masterClrMapping/>
-  </p:clrMapOvr>
-  <p:timing>
-    <p:tnLst>
-      <p:par>
-        <p:cTn id="1" dur="indefinite" restart="never" nodeType="tmRoot"/>
-      </p:par>
-    </p:tnLst>
-  </p:timing>
-</p:sld>
-</file>
-
-<file path=ppt/slides/slide2.xml><?xml version="1.0" encoding="utf-8"?>
-<p:sld xmlns:a="http://schemas.openxmlformats.org/drawingml/2006/main" xmlns:r="http://schemas.openxmlformats.org/officeDocument/2006/relationships" xmlns:p="http://schemas.openxmlformats.org/presentationml/2006/main">
-  <p:cSld>
-    <p:spTree>
-      <p:nvGrpSpPr>
-        <p:cNvPr id="1" name=""/>
-        <p:cNvGrpSpPr/>
-        <p:nvPr/>
-      </p:nvGrpSpPr>
-      <p:grpSpPr>
-        <a:xfrm>
-          <a:off x="0" y="0"/>
-          <a:ext cx="0" cy="0"/>
-          <a:chOff x="0" y="0"/>
-          <a:chExt cx="0" cy="0"/>
-        </a:xfrm>
-      </p:grpSpPr>
-      <p:sp>
-        <p:nvSpPr>
-          <p:cNvPr id="3" name="テキスト ボックス 2"/>
-          <p:cNvSpPr txBox="1"/>
-          <p:nvPr/>
-        </p:nvSpPr>
-        <p:spPr>
-          <a:xfrm flipH="1">
-            <a:off x="558544" y="432370"/>
-            <a:ext cx="20431999" cy="4324261"/>
-          </a:xfrm>
-          <a:prstGeom prst="rect">
-            <a:avLst/>
-          </a:prstGeom>
-          <a:noFill/>
-        </p:spPr>
-        <p:txBody>
-          <a:bodyPr wrap="square" rtlCol="0">
-            <a:spAutoFit/>
-          </a:bodyPr>
-          <a:lstStyle/>
-          <a:p>
-            <a:r>
-              <a:rPr lang="en-US" altLang="ja-JP" sz="8800" dirty="0"/>
-              <a:t>GitHub</a:t>
-            </a:r>
-            <a:r>
-              <a:rPr lang="ja-JP" altLang="en-US" sz="8800" dirty="0"/>
-              <a:t>における開発フローの判別</a:t>
-            </a:r>
-            <a:r>
-              <a:rPr lang="ja-JP" altLang="en-US" sz="8800" dirty="0" smtClean="0"/>
-              <a:t>分析</a:t>
-            </a:r>
-            <a:endParaRPr lang="en-US" altLang="ja-JP" sz="8800" dirty="0" smtClean="0"/>
-          </a:p>
-          <a:p>
-            <a:pPr algn="r"/>
-            <a:r>
-              <a:rPr lang="ja-JP" altLang="en-US" sz="7200" dirty="0" smtClean="0">
-                <a:ln w="0"/>
-              </a:rPr>
-              <a:t>矢吹</a:t>
-            </a:r>
-            <a:r>
-              <a:rPr lang="ja-JP" altLang="en-US" sz="7200" dirty="0">
-                <a:ln w="0"/>
-              </a:rPr>
-              <a:t>研究室　</a:t>
-            </a:r>
-            <a:r>
-              <a:rPr lang="en-US" altLang="ja-JP" sz="7200" dirty="0">
-                <a:ln w="0"/>
-              </a:rPr>
-              <a:t>1242132</a:t>
-            </a:r>
-            <a:r>
-              <a:rPr lang="ja-JP" altLang="ja-JP" sz="7200" dirty="0">
-                <a:ln w="0"/>
-              </a:rPr>
-              <a:t>　</a:t>
-            </a:r>
-            <a:r>
-              <a:rPr lang="ja-JP" altLang="en-US" sz="7200" dirty="0">
-                <a:ln w="0"/>
-              </a:rPr>
-              <a:t>若月純</a:t>
-            </a:r>
-          </a:p>
-          <a:p>
-            <a:endParaRPr kumimoji="1" lang="ja-JP" altLang="en-US" sz="11500" dirty="0"/>
-          </a:p>
-        </p:txBody>
-      </p:sp>
-      <p:sp>
-        <p:nvSpPr>
-          <p:cNvPr id="16" name="正方形/長方形 15"/>
-          <p:cNvSpPr/>
-          <p:nvPr/>
-        </p:nvSpPr>
-        <p:spPr>
-          <a:xfrm>
-            <a:off x="14928149" y="4781463"/>
-            <a:ext cx="5486331" cy="7707041"/>
-          </a:xfrm>
-          <a:prstGeom prst="rect">
-            <a:avLst/>
-          </a:prstGeom>
-          <a:solidFill>
-            <a:schemeClr val="bg1"/>
-          </a:solidFill>
-          <a:ln>
-            <a:solidFill>
-              <a:schemeClr val="bg1"/>
-            </a:solidFill>
-          </a:ln>
-        </p:spPr>
-        <p:style>
-          <a:lnRef idx="2">
-            <a:schemeClr val="accent1">
-              <a:shade val="50000"/>
-            </a:schemeClr>
-          </a:lnRef>
-          <a:fillRef idx="1002">
-            <a:schemeClr val="lt2"/>
-          </a:fillRef>
-          <a:effectRef idx="0">
-            <a:schemeClr val="accent1"/>
-          </a:effectRef>
-          <a:fontRef idx="minor">
-            <a:schemeClr val="lt1"/>
-          </a:fontRef>
-        </p:style>
-        <p:txBody>
-          <a:bodyPr rtlCol="0" anchor="ctr"/>
-          <a:lstStyle/>
-          <a:p>
-            <a:pPr algn="ctr"/>
-            <a:endParaRPr kumimoji="1" lang="ja-JP" altLang="en-US"/>
-          </a:p>
-        </p:txBody>
-      </p:sp>
-      <p:sp>
-        <p:nvSpPr>
-          <p:cNvPr id="14" name="テキスト ボックス 13"/>
-          <p:cNvSpPr txBox="1"/>
-          <p:nvPr/>
-        </p:nvSpPr>
-        <p:spPr>
-          <a:xfrm>
-            <a:off x="13353158" y="3619352"/>
-            <a:ext cx="7273032" cy="9017853"/>
-          </a:xfrm>
-          <a:prstGeom prst="rect">
-            <a:avLst/>
-          </a:prstGeom>
-          <a:ln>
-            <a:solidFill>
-              <a:schemeClr val="bg2"/>
-            </a:solidFill>
-          </a:ln>
-        </p:spPr>
-        <p:style>
-          <a:lnRef idx="2">
-            <a:schemeClr val="dk1"/>
-          </a:lnRef>
-          <a:fillRef idx="1">
-            <a:schemeClr val="lt1"/>
-          </a:fillRef>
-          <a:effectRef idx="0">
-            <a:schemeClr val="dk1"/>
-          </a:effectRef>
-          <a:fontRef idx="minor">
-            <a:schemeClr val="dk1"/>
-          </a:fontRef>
-        </p:style>
-        <p:txBody>
-          <a:bodyPr wrap="square" rtlCol="0">
-            <a:spAutoFit/>
-          </a:bodyPr>
-          <a:lstStyle/>
-          <a:p>
-            <a:r>
-              <a:rPr kumimoji="1" lang="ja-JP" altLang="en-US" b="1" dirty="0" smtClean="0"/>
-              <a:t>フローの例</a:t>
-            </a:r>
-            <a:endParaRPr kumimoji="1" lang="en-US" altLang="ja-JP" b="1" dirty="0" smtClean="0"/>
-          </a:p>
-          <a:p>
-            <a:r>
-              <a:rPr lang="ja-JP" altLang="en-US" sz="4000" b="1" dirty="0" smtClean="0"/>
-              <a:t>　着替えの場合</a:t>
-            </a:r>
-            <a:endParaRPr lang="en-US" altLang="ja-JP" sz="4000" b="1" dirty="0" smtClean="0"/>
-          </a:p>
-          <a:p>
-            <a:endParaRPr lang="en-US" altLang="ja-JP" sz="4000" b="1" dirty="0"/>
-          </a:p>
-          <a:p>
-            <a:endParaRPr kumimoji="1" lang="en-US" altLang="ja-JP" b="1" dirty="0" smtClean="0"/>
-          </a:p>
-          <a:p>
-            <a:endParaRPr lang="en-US" altLang="ja-JP" sz="5400" b="1" dirty="0"/>
-          </a:p>
-          <a:p>
-            <a:endParaRPr kumimoji="1" lang="en-US" altLang="ja-JP" sz="5400" b="1" dirty="0" smtClean="0"/>
-          </a:p>
-          <a:p>
-            <a:endParaRPr lang="en-US" altLang="ja-JP" b="1" dirty="0"/>
-          </a:p>
-          <a:p>
-            <a:endParaRPr lang="en-US" altLang="ja-JP" b="1" dirty="0"/>
-          </a:p>
-          <a:p>
-            <a:endParaRPr kumimoji="1" lang="en-US" altLang="ja-JP" sz="4400" b="1" dirty="0" smtClean="0"/>
-          </a:p>
-          <a:p>
-            <a:endParaRPr kumimoji="1" lang="en-US" altLang="ja-JP" b="1" dirty="0" smtClean="0"/>
-          </a:p>
-          <a:p>
-            <a:endParaRPr kumimoji="1" lang="ja-JP" altLang="en-US" b="1" dirty="0"/>
-          </a:p>
-        </p:txBody>
-      </p:sp>
-      <p:sp>
-        <p:nvSpPr>
-          <p:cNvPr id="11" name="テキスト ボックス 10"/>
-          <p:cNvSpPr txBox="1"/>
-          <p:nvPr/>
-        </p:nvSpPr>
-        <p:spPr>
-          <a:xfrm>
-            <a:off x="592149" y="18013214"/>
-            <a:ext cx="9162979" cy="8648521"/>
-          </a:xfrm>
-          <a:prstGeom prst="rect">
-            <a:avLst/>
-          </a:prstGeom>
-          <a:ln>
-            <a:solidFill>
-              <a:schemeClr val="bg2"/>
-            </a:solidFill>
-          </a:ln>
-        </p:spPr>
-        <p:style>
-          <a:lnRef idx="2">
-            <a:schemeClr val="dk1"/>
-          </a:lnRef>
-          <a:fillRef idx="1">
-            <a:schemeClr val="lt1"/>
-          </a:fillRef>
-          <a:effectRef idx="0">
-            <a:schemeClr val="dk1"/>
-          </a:effectRef>
-          <a:fontRef idx="minor">
-            <a:schemeClr val="dk1"/>
-          </a:fontRef>
-        </p:style>
-        <p:txBody>
-          <a:bodyPr wrap="square" rtlCol="0">
-            <a:spAutoFit/>
-          </a:bodyPr>
-          <a:lstStyle/>
-          <a:p>
-            <a:r>
-              <a:rPr kumimoji="1" lang="ja-JP" altLang="en-US" b="1" dirty="0" smtClean="0">
-                <a:latin typeface="+mj-ea"/>
-                <a:ea typeface="+mj-ea"/>
-              </a:rPr>
-              <a:t>現在の進捗状況</a:t>
-            </a:r>
-            <a:endParaRPr kumimoji="1" lang="en-US" altLang="ja-JP" b="1" dirty="0" smtClean="0">
-              <a:latin typeface="+mj-ea"/>
-              <a:ea typeface="+mj-ea"/>
-            </a:endParaRPr>
-          </a:p>
-          <a:p>
-            <a:r>
-              <a:rPr lang="ja-JP" altLang="en-US" dirty="0" smtClean="0"/>
-              <a:t>　</a:t>
-            </a:r>
-            <a:r>
-              <a:rPr lang="en-US" altLang="ja-JP" sz="4400" dirty="0" smtClean="0"/>
-              <a:t>32</a:t>
-            </a:r>
-            <a:r>
-              <a:rPr lang="ja-JP" altLang="en-US" sz="4400" dirty="0" smtClean="0"/>
-              <a:t>個のプロジェクトを調査し，分析を行った結果，行数，人数，規模で</a:t>
-            </a:r>
-            <a:r>
-              <a:rPr kumimoji="1" lang="ja-JP" altLang="en-US" sz="4400" dirty="0" smtClean="0"/>
-              <a:t>開発フローの判別が出来るようになった</a:t>
-            </a:r>
-            <a:endParaRPr lang="en-US" altLang="ja-JP" sz="4400" dirty="0"/>
-          </a:p>
-          <a:p>
-            <a:endParaRPr kumimoji="1" lang="en-US" altLang="ja-JP" sz="4400" dirty="0" smtClean="0"/>
-          </a:p>
-          <a:p>
-            <a:endParaRPr lang="en-US" altLang="ja-JP" sz="4400" dirty="0"/>
-          </a:p>
-          <a:p>
-            <a:endParaRPr kumimoji="1" lang="en-US" altLang="ja-JP" sz="4400" dirty="0" smtClean="0"/>
-          </a:p>
-          <a:p>
-            <a:endParaRPr lang="en-US" altLang="ja-JP" sz="4400" dirty="0"/>
-          </a:p>
-          <a:p>
-            <a:endParaRPr kumimoji="1" lang="en-US" altLang="ja-JP" sz="4400" dirty="0" smtClean="0"/>
-          </a:p>
-          <a:p>
-            <a:endParaRPr lang="en-US" altLang="ja-JP" sz="4400" dirty="0"/>
-          </a:p>
-          <a:p>
-            <a:endParaRPr kumimoji="1" lang="en-US" altLang="ja-JP" sz="4400" dirty="0" smtClean="0"/>
-          </a:p>
-          <a:p>
-            <a:endParaRPr kumimoji="1" lang="en-US" altLang="ja-JP" sz="4400" dirty="0" smtClean="0"/>
-          </a:p>
-        </p:txBody>
-      </p:sp>
-      <p:sp>
-        <p:nvSpPr>
-          <p:cNvPr id="6" name="テキスト ボックス 5"/>
-          <p:cNvSpPr txBox="1"/>
-          <p:nvPr/>
-        </p:nvSpPr>
-        <p:spPr>
-          <a:xfrm>
-            <a:off x="589579" y="3644033"/>
-            <a:ext cx="12265459" cy="6924973"/>
-          </a:xfrm>
-          <a:prstGeom prst="rect">
-            <a:avLst/>
-          </a:prstGeom>
-          <a:ln>
-            <a:solidFill>
-              <a:schemeClr val="bg2"/>
-            </a:solidFill>
-          </a:ln>
-        </p:spPr>
-        <p:style>
-          <a:lnRef idx="2">
-            <a:schemeClr val="dk1"/>
-          </a:lnRef>
-          <a:fillRef idx="1">
-            <a:schemeClr val="lt1"/>
-          </a:fillRef>
-          <a:effectRef idx="0">
-            <a:schemeClr val="dk1"/>
-          </a:effectRef>
-          <a:fontRef idx="minor">
-            <a:schemeClr val="dk1"/>
-          </a:fontRef>
-        </p:style>
-        <p:txBody>
-          <a:bodyPr wrap="square" rtlCol="0">
-            <a:spAutoFit/>
-          </a:bodyPr>
-          <a:lstStyle/>
-          <a:p>
-            <a:r>
-              <a:rPr kumimoji="1" lang="ja-JP" altLang="en-US" sz="6000" b="1" dirty="0" smtClean="0">
-                <a:latin typeface="+mj-ea"/>
-                <a:ea typeface="+mj-ea"/>
-              </a:rPr>
-              <a:t>背景</a:t>
-            </a:r>
-            <a:endParaRPr lang="en-US" altLang="ja-JP" b="1" dirty="0">
-              <a:latin typeface="+mj-ea"/>
-              <a:ea typeface="+mj-ea"/>
-            </a:endParaRPr>
-          </a:p>
-          <a:p>
-            <a:r>
-              <a:rPr lang="ja-JP" altLang="en-US" sz="6000" b="1" dirty="0"/>
-              <a:t> </a:t>
-            </a:r>
-            <a:r>
-              <a:rPr lang="ja-JP" altLang="en-US" sz="6000" b="1" dirty="0" smtClean="0"/>
-              <a:t>　</a:t>
-            </a:r>
-            <a:r>
-              <a:rPr lang="en-US" altLang="ja-JP" sz="4400" dirty="0" smtClean="0"/>
-              <a:t>GitHub</a:t>
-            </a:r>
-            <a:r>
-              <a:rPr lang="ja-JP" altLang="en-US" sz="4400" dirty="0" smtClean="0"/>
-              <a:t>を用いた開発フローを導入すると</a:t>
-            </a:r>
-            <a:endParaRPr lang="en-US" altLang="ja-JP" sz="4400" dirty="0" smtClean="0"/>
-          </a:p>
-          <a:p>
-            <a:r>
-              <a:rPr lang="ja-JP" altLang="en-US" sz="6600" dirty="0" smtClean="0">
-                <a:solidFill>
-                  <a:schemeClr val="tx1"/>
-                </a:solidFill>
-              </a:rPr>
-              <a:t>  </a:t>
-            </a:r>
-            <a:r>
-              <a:rPr lang="ja-JP" altLang="en-US" sz="5400" dirty="0" smtClean="0">
-                <a:solidFill>
-                  <a:schemeClr val="tx1"/>
-                </a:solidFill>
-              </a:rPr>
-              <a:t>メンバの</a:t>
-            </a:r>
-            <a:r>
-              <a:rPr lang="ja-JP" altLang="en-US" sz="6600" dirty="0" smtClean="0">
-                <a:solidFill>
-                  <a:schemeClr val="tx1"/>
-                </a:solidFill>
-              </a:rPr>
-              <a:t>能力</a:t>
-            </a:r>
-            <a:r>
-              <a:rPr lang="ja-JP" altLang="en-US" sz="5400" dirty="0" smtClean="0">
-                <a:solidFill>
-                  <a:schemeClr val="tx1"/>
-                </a:solidFill>
-              </a:rPr>
-              <a:t>を</a:t>
-            </a:r>
-            <a:r>
-              <a:rPr lang="ja-JP" altLang="en-US" sz="6600" dirty="0" smtClean="0">
-                <a:solidFill>
-                  <a:schemeClr val="tx1"/>
-                </a:solidFill>
-              </a:rPr>
-              <a:t>最大限発揮出来</a:t>
-            </a:r>
-            <a:r>
-              <a:rPr lang="ja-JP" altLang="en-US" sz="5400" dirty="0" smtClean="0">
-                <a:solidFill>
-                  <a:schemeClr val="tx1"/>
-                </a:solidFill>
-              </a:rPr>
-              <a:t>る</a:t>
-            </a:r>
-            <a:endParaRPr lang="en-US" altLang="ja-JP" sz="5400" dirty="0">
-              <a:solidFill>
-                <a:schemeClr val="tx1"/>
-              </a:solidFill>
-            </a:endParaRPr>
-          </a:p>
-          <a:p>
-            <a:r>
-              <a:rPr lang="ja-JP" altLang="en-US" sz="6600" dirty="0">
-                <a:solidFill>
-                  <a:srgbClr val="FF0000"/>
-                </a:solidFill>
-              </a:rPr>
-              <a:t> </a:t>
-            </a:r>
-            <a:r>
-              <a:rPr lang="ja-JP" altLang="en-US" sz="6600" dirty="0" smtClean="0">
-                <a:solidFill>
-                  <a:srgbClr val="FF0000"/>
-                </a:solidFill>
-              </a:rPr>
-              <a:t> </a:t>
-            </a:r>
-            <a:r>
-              <a:rPr lang="ja-JP" altLang="en-US" sz="4800" dirty="0" smtClean="0"/>
-              <a:t>しかし</a:t>
-            </a:r>
-            <a:r>
-              <a:rPr lang="ja-JP" altLang="en-US" sz="5400" b="1" dirty="0" smtClean="0"/>
-              <a:t>　</a:t>
-            </a:r>
-            <a:r>
-              <a:rPr lang="ja-JP" altLang="en-US" sz="4400" dirty="0" smtClean="0"/>
-              <a:t>間違った開発フローを導入すると・・・</a:t>
-            </a:r>
-            <a:endParaRPr lang="en-US" altLang="ja-JP" sz="4400" dirty="0" smtClean="0"/>
-          </a:p>
-          <a:p>
-            <a:pPr algn="ctr"/>
-            <a:endParaRPr lang="en-US" altLang="ja-JP" sz="4800" dirty="0"/>
-          </a:p>
-          <a:p>
-            <a:pPr algn="ctr"/>
-            <a:endParaRPr lang="en-US" altLang="ja-JP" sz="4800" dirty="0" smtClean="0"/>
-          </a:p>
-          <a:p>
-            <a:pPr algn="ctr"/>
-            <a:endParaRPr kumimoji="1" lang="en-US" altLang="ja-JP" sz="4800" dirty="0"/>
-          </a:p>
-          <a:p>
-            <a:pPr algn="ctr"/>
-            <a:endParaRPr lang="en-US" altLang="ja-JP" sz="4800" dirty="0" smtClean="0"/>
-          </a:p>
-        </p:txBody>
-      </p:sp>
-      <p:sp>
-        <p:nvSpPr>
-          <p:cNvPr id="8" name="テキスト ボックス 7"/>
-          <p:cNvSpPr txBox="1"/>
-          <p:nvPr/>
-        </p:nvSpPr>
-        <p:spPr>
-          <a:xfrm>
-            <a:off x="589578" y="12968329"/>
-            <a:ext cx="20040927" cy="1600438"/>
-          </a:xfrm>
-          <a:prstGeom prst="rect">
-            <a:avLst/>
-          </a:prstGeom>
-          <a:ln>
-            <a:solidFill>
-              <a:schemeClr val="bg2"/>
-            </a:solidFill>
-          </a:ln>
-        </p:spPr>
-        <p:style>
-          <a:lnRef idx="2">
-            <a:schemeClr val="dk1"/>
-          </a:lnRef>
-          <a:fillRef idx="1">
-            <a:schemeClr val="lt1"/>
-          </a:fillRef>
-          <a:effectRef idx="0">
-            <a:schemeClr val="dk1"/>
-          </a:effectRef>
-          <a:fontRef idx="minor">
-            <a:schemeClr val="dk1"/>
-          </a:fontRef>
-        </p:style>
-        <p:txBody>
-          <a:bodyPr wrap="square" rtlCol="0">
-            <a:spAutoFit/>
-          </a:bodyPr>
-          <a:lstStyle/>
-          <a:p>
-            <a:r>
-              <a:rPr kumimoji="1" lang="ja-JP" altLang="en-US" b="1" dirty="0" smtClean="0">
-                <a:latin typeface="+mj-ea"/>
-                <a:ea typeface="+mj-ea"/>
-              </a:rPr>
-              <a:t>プロジェクトマネジメントとの関連</a:t>
-            </a:r>
-            <a:endParaRPr lang="en-US" altLang="ja-JP" b="1" dirty="0">
-              <a:latin typeface="+mj-ea"/>
-              <a:ea typeface="+mj-ea"/>
-            </a:endParaRPr>
-          </a:p>
-          <a:p>
-            <a:r>
-              <a:rPr lang="ja-JP" altLang="en-US" sz="4000" b="1" dirty="0" smtClean="0"/>
-              <a:t>　</a:t>
-            </a:r>
-            <a:r>
-              <a:rPr lang="ja-JP" altLang="en-US" sz="4000" b="1" dirty="0"/>
-              <a:t> </a:t>
-            </a:r>
-            <a:r>
-              <a:rPr lang="ja-JP" altLang="en-US" sz="4000" b="1" dirty="0" smtClean="0"/>
-              <a:t> </a:t>
-            </a:r>
-            <a:r>
-              <a:rPr lang="ja-JP" altLang="en-US" sz="4000" dirty="0" smtClean="0"/>
-              <a:t>品質管理，納期管理，コスト管理を効率的に行う補助が出来るようになる．</a:t>
-            </a:r>
-            <a:endParaRPr kumimoji="1" lang="ja-JP" altLang="en-US" sz="4000" dirty="0"/>
-          </a:p>
-        </p:txBody>
-      </p:sp>
-      <p:sp>
-        <p:nvSpPr>
-          <p:cNvPr id="9" name="テキスト ボックス 8"/>
-          <p:cNvSpPr txBox="1"/>
-          <p:nvPr/>
-        </p:nvSpPr>
-        <p:spPr>
-          <a:xfrm>
-            <a:off x="589578" y="15159555"/>
-            <a:ext cx="20071960" cy="2339102"/>
-          </a:xfrm>
-          <a:prstGeom prst="rect">
-            <a:avLst/>
-          </a:prstGeom>
-          <a:ln>
-            <a:solidFill>
-              <a:schemeClr val="bg2"/>
-            </a:solidFill>
-          </a:ln>
-        </p:spPr>
-        <p:style>
-          <a:lnRef idx="2">
-            <a:schemeClr val="dk1"/>
-          </a:lnRef>
-          <a:fillRef idx="1">
-            <a:schemeClr val="lt1"/>
-          </a:fillRef>
-          <a:effectRef idx="0">
-            <a:schemeClr val="dk1"/>
-          </a:effectRef>
-          <a:fontRef idx="minor">
-            <a:schemeClr val="dk1"/>
-          </a:fontRef>
-        </p:style>
-        <p:txBody>
-          <a:bodyPr wrap="square" rtlCol="0">
-            <a:spAutoFit/>
-          </a:bodyPr>
-          <a:lstStyle/>
-          <a:p>
-            <a:r>
-              <a:rPr kumimoji="1" lang="ja-JP" altLang="en-US" b="1" dirty="0" smtClean="0">
-                <a:latin typeface="+mj-ea"/>
-                <a:ea typeface="+mj-ea"/>
-              </a:rPr>
-              <a:t>研究方法</a:t>
-            </a:r>
-            <a:endParaRPr kumimoji="1" lang="en-US" altLang="ja-JP" b="1" dirty="0" smtClean="0">
-              <a:latin typeface="+mj-ea"/>
-              <a:ea typeface="+mj-ea"/>
-            </a:endParaRPr>
-          </a:p>
-          <a:p>
-            <a:pPr marL="914400" indent="-914400">
-              <a:buFont typeface="+mj-lt"/>
-              <a:buAutoNum type="arabicPeriod"/>
-            </a:pPr>
-            <a:r>
-              <a:rPr lang="en-US" altLang="ja-JP" sz="4400" dirty="0"/>
-              <a:t>GitHub</a:t>
-            </a:r>
-            <a:r>
-              <a:rPr lang="ja-JP" altLang="en-US" sz="4400" dirty="0"/>
-              <a:t>上のプロジェクトからプロジェクトの性質と開発フローを調査する</a:t>
-            </a:r>
-            <a:endParaRPr lang="en-US" altLang="ja-JP" sz="4400" dirty="0"/>
-          </a:p>
-          <a:p>
-            <a:pPr marL="914400" indent="-914400">
-              <a:buFont typeface="+mj-lt"/>
-              <a:buAutoNum type="arabicPeriod"/>
-            </a:pPr>
-            <a:r>
-              <a:rPr lang="ja-JP" altLang="en-US" sz="4400" dirty="0"/>
-              <a:t>調査したデータの分析をする</a:t>
-            </a:r>
-          </a:p>
-        </p:txBody>
-      </p:sp>
-      <p:sp>
-        <p:nvSpPr>
-          <p:cNvPr id="12" name="テキスト ボックス 11"/>
-          <p:cNvSpPr txBox="1"/>
-          <p:nvPr/>
-        </p:nvSpPr>
-        <p:spPr>
-          <a:xfrm>
-            <a:off x="11433409" y="18013214"/>
-            <a:ext cx="9192781" cy="9571851"/>
+            <a:off x="11588110" y="18013214"/>
+            <a:ext cx="9038080" cy="9571851"/>
           </a:xfrm>
           <a:prstGeom prst="rect">
             <a:avLst/>
